--- a/ppt/ONLINE RENTAL HOUSE.pptx
+++ b/ppt/ONLINE RENTAL HOUSE.pptx
@@ -15,7 +15,17 @@
     <p:sldId id="263" r:id="rId9"/>
     <p:sldId id="264" r:id="rId10"/>
     <p:sldId id="265" r:id="rId11"/>
-    <p:sldId id="266" r:id="rId12"/>
+    <p:sldId id="267" r:id="rId12"/>
+    <p:sldId id="268" r:id="rId13"/>
+    <p:sldId id="269" r:id="rId14"/>
+    <p:sldId id="270" r:id="rId15"/>
+    <p:sldId id="271" r:id="rId16"/>
+    <p:sldId id="272" r:id="rId17"/>
+    <p:sldId id="273" r:id="rId18"/>
+    <p:sldId id="274" r:id="rId19"/>
+    <p:sldId id="275" r:id="rId20"/>
+    <p:sldId id="276" r:id="rId21"/>
+    <p:sldId id="266" r:id="rId22"/>
   </p:sldIdLst>
   <p:sldSz cx="12192000" cy="6858000"/>
   <p:notesSz cx="6858000" cy="9144000"/>
@@ -525,7 +535,7 @@
           <a:p>
             <a:fld id="{1C6E12D2-DA3A-480B-BCDF-BFB6C7EBE402}" type="datetimeFigureOut">
               <a:rPr lang="en-US" smtClean="0"/>
-              <a:t>1/26/2021</a:t>
+              <a:t>2/19/2021</a:t>
             </a:fld>
             <a:endParaRPr lang="en-US"/>
           </a:p>
@@ -704,7 +714,7 @@
           <a:p>
             <a:fld id="{1C6E12D2-DA3A-480B-BCDF-BFB6C7EBE402}" type="datetimeFigureOut">
               <a:rPr lang="en-US" smtClean="0"/>
-              <a:t>1/26/2021</a:t>
+              <a:t>2/19/2021</a:t>
             </a:fld>
             <a:endParaRPr lang="en-US"/>
           </a:p>
@@ -884,7 +894,7 @@
           <a:p>
             <a:fld id="{1C6E12D2-DA3A-480B-BCDF-BFB6C7EBE402}" type="datetimeFigureOut">
               <a:rPr lang="en-US" smtClean="0"/>
-              <a:t>1/26/2021</a:t>
+              <a:t>2/19/2021</a:t>
             </a:fld>
             <a:endParaRPr lang="en-US"/>
           </a:p>
@@ -1054,7 +1064,7 @@
           <a:p>
             <a:fld id="{1C6E12D2-DA3A-480B-BCDF-BFB6C7EBE402}" type="datetimeFigureOut">
               <a:rPr lang="en-US" smtClean="0"/>
-              <a:t>1/26/2021</a:t>
+              <a:t>2/19/2021</a:t>
             </a:fld>
             <a:endParaRPr lang="en-US"/>
           </a:p>
@@ -1367,7 +1377,7 @@
           <a:p>
             <a:fld id="{1C6E12D2-DA3A-480B-BCDF-BFB6C7EBE402}" type="datetimeFigureOut">
               <a:rPr lang="en-US" smtClean="0"/>
-              <a:t>1/26/2021</a:t>
+              <a:t>2/19/2021</a:t>
             </a:fld>
             <a:endParaRPr lang="en-US"/>
           </a:p>
@@ -1753,7 +1763,7 @@
           <a:p>
             <a:fld id="{1C6E12D2-DA3A-480B-BCDF-BFB6C7EBE402}" type="datetimeFigureOut">
               <a:rPr lang="en-US" smtClean="0"/>
-              <a:t>1/26/2021</a:t>
+              <a:t>2/19/2021</a:t>
             </a:fld>
             <a:endParaRPr lang="en-US"/>
           </a:p>
@@ -2187,7 +2197,7 @@
           <a:p>
             <a:fld id="{1C6E12D2-DA3A-480B-BCDF-BFB6C7EBE402}" type="datetimeFigureOut">
               <a:rPr lang="en-US" smtClean="0"/>
-              <a:t>1/26/2021</a:t>
+              <a:t>2/19/2021</a:t>
             </a:fld>
             <a:endParaRPr lang="en-US"/>
           </a:p>
@@ -2305,7 +2315,7 @@
           <a:p>
             <a:fld id="{1C6E12D2-DA3A-480B-BCDF-BFB6C7EBE402}" type="datetimeFigureOut">
               <a:rPr lang="en-US" smtClean="0"/>
-              <a:t>1/26/2021</a:t>
+              <a:t>2/19/2021</a:t>
             </a:fld>
             <a:endParaRPr lang="en-US"/>
           </a:p>
@@ -2400,7 +2410,7 @@
           <a:p>
             <a:fld id="{1C6E12D2-DA3A-480B-BCDF-BFB6C7EBE402}" type="datetimeFigureOut">
               <a:rPr lang="en-US" smtClean="0"/>
-              <a:t>1/26/2021</a:t>
+              <a:t>2/19/2021</a:t>
             </a:fld>
             <a:endParaRPr lang="en-US"/>
           </a:p>
@@ -2750,7 +2760,7 @@
           <a:p>
             <a:fld id="{1C6E12D2-DA3A-480B-BCDF-BFB6C7EBE402}" type="datetimeFigureOut">
               <a:rPr lang="en-US" smtClean="0"/>
-              <a:t>1/26/2021</a:t>
+              <a:t>2/19/2021</a:t>
             </a:fld>
             <a:endParaRPr lang="en-US"/>
           </a:p>
@@ -3175,7 +3185,7 @@
           <a:p>
             <a:fld id="{1C6E12D2-DA3A-480B-BCDF-BFB6C7EBE402}" type="datetimeFigureOut">
               <a:rPr lang="en-US" smtClean="0"/>
-              <a:t>1/26/2021</a:t>
+              <a:t>2/19/2021</a:t>
             </a:fld>
             <a:endParaRPr lang="en-US"/>
           </a:p>
@@ -3456,7 +3466,7 @@
           <a:p>
             <a:fld id="{1C6E12D2-DA3A-480B-BCDF-BFB6C7EBE402}" type="datetimeFigureOut">
               <a:rPr lang="en-US" smtClean="0"/>
-              <a:t>1/26/2021</a:t>
+              <a:t>2/19/2021</a:t>
             </a:fld>
             <a:endParaRPr lang="en-US"/>
           </a:p>
@@ -4255,7 +4265,7 @@
           <p:cNvPr id="2" name="Title 1">
             <a:extLst>
               <a:ext uri="{FF2B5EF4-FFF2-40B4-BE49-F238E27FC236}">
-                <a16:creationId xmlns:a16="http://schemas.microsoft.com/office/drawing/2014/main" id="{3D27B6BD-6029-4719-B606-0057CD8A37CB}"/>
+                <a16:creationId xmlns:a16="http://schemas.microsoft.com/office/drawing/2014/main" id="{5EB8897F-2F3F-4895-A9AB-1AE7D9841AAA}"/>
               </a:ext>
             </a:extLst>
           </p:cNvPr>
@@ -4272,18 +4282,667 @@
           <a:lstStyle/>
           <a:p>
             <a:r>
-              <a:rPr lang="en-US" dirty="0"/>
-              <a:t>Thank You</a:t>
+              <a:rPr lang="en-US" sz="1800" b="1" dirty="0">
+                <a:effectLst/>
+                <a:latin typeface="Times New Roman" panose="02020603050405020304" pitchFamily="18" charset="0"/>
+                <a:ea typeface="Calibri" panose="020F0502020204030204" pitchFamily="34" charset="0"/>
+                <a:cs typeface="Times New Roman" panose="02020603050405020304" pitchFamily="18" charset="0"/>
+              </a:rPr>
+              <a:t>TABLE NAME: ADMIN</a:t>
             </a:r>
+            <a:br>
+              <a:rPr lang="en-US" sz="1800" dirty="0">
+                <a:effectLst/>
+                <a:latin typeface="Calibri" panose="020F0502020204030204" pitchFamily="34" charset="0"/>
+                <a:ea typeface="Calibri" panose="020F0502020204030204" pitchFamily="34" charset="0"/>
+                <a:cs typeface="Times New Roman" panose="02020603050405020304" pitchFamily="18" charset="0"/>
+              </a:rPr>
+            </a:br>
+            <a:endParaRPr lang="en-US" dirty="0"/>
           </a:p>
         </p:txBody>
       </p:sp>
+      <p:graphicFrame>
+        <p:nvGraphicFramePr>
+          <p:cNvPr id="4" name="Content Placeholder 3">
+            <a:extLst>
+              <a:ext uri="{FF2B5EF4-FFF2-40B4-BE49-F238E27FC236}">
+                <a16:creationId xmlns:a16="http://schemas.microsoft.com/office/drawing/2014/main" id="{E86E999A-A1B8-4223-82AB-C16A28E2A6F6}"/>
+              </a:ext>
+            </a:extLst>
+          </p:cNvPr>
+          <p:cNvGraphicFramePr>
+            <a:graphicFrameLocks noGrp="1"/>
+          </p:cNvGraphicFramePr>
+          <p:nvPr>
+            <p:ph idx="1"/>
+            <p:extLst>
+              <p:ext uri="{D42A27DB-BD31-4B8C-83A1-F6EECF244321}">
+                <p14:modId xmlns:p14="http://schemas.microsoft.com/office/powerpoint/2010/main" val="620671238"/>
+              </p:ext>
+            </p:extLst>
+          </p:nvPr>
+        </p:nvGraphicFramePr>
+        <p:xfrm>
+          <a:off x="1709530" y="2093976"/>
+          <a:ext cx="7323346" cy="2542412"/>
+        </p:xfrm>
+        <a:graphic>
+          <a:graphicData uri="http://schemas.openxmlformats.org/drawingml/2006/table">
+            <a:tbl>
+              <a:tblPr firstRow="1" firstCol="1" bandRow="1">
+                <a:tableStyleId>{5C22544A-7EE6-4342-B048-85BDC9FD1C3A}</a:tableStyleId>
+              </a:tblPr>
+              <a:tblGrid>
+                <a:gridCol w="1830441">
+                  <a:extLst>
+                    <a:ext uri="{9D8B030D-6E8A-4147-A177-3AD203B41FA5}">
+                      <a16:colId xmlns:a16="http://schemas.microsoft.com/office/drawing/2014/main" val="1017856039"/>
+                    </a:ext>
+                  </a:extLst>
+                </a:gridCol>
+                <a:gridCol w="1830441">
+                  <a:extLst>
+                    <a:ext uri="{9D8B030D-6E8A-4147-A177-3AD203B41FA5}">
+                      <a16:colId xmlns:a16="http://schemas.microsoft.com/office/drawing/2014/main" val="907820141"/>
+                    </a:ext>
+                  </a:extLst>
+                </a:gridCol>
+                <a:gridCol w="1831232">
+                  <a:extLst>
+                    <a:ext uri="{9D8B030D-6E8A-4147-A177-3AD203B41FA5}">
+                      <a16:colId xmlns:a16="http://schemas.microsoft.com/office/drawing/2014/main" val="3105351856"/>
+                    </a:ext>
+                  </a:extLst>
+                </a:gridCol>
+                <a:gridCol w="1831232">
+                  <a:extLst>
+                    <a:ext uri="{9D8B030D-6E8A-4147-A177-3AD203B41FA5}">
+                      <a16:colId xmlns:a16="http://schemas.microsoft.com/office/drawing/2014/main" val="2283649467"/>
+                    </a:ext>
+                  </a:extLst>
+                </a:gridCol>
+              </a:tblGrid>
+              <a:tr h="635603">
+                <a:tc>
+                  <a:txBody>
+                    <a:bodyPr/>
+                    <a:lstStyle/>
+                    <a:p>
+                      <a:pPr marL="0" marR="0">
+                        <a:lnSpc>
+                          <a:spcPct val="150000"/>
+                        </a:lnSpc>
+                        <a:spcBef>
+                          <a:spcPts val="0"/>
+                        </a:spcBef>
+                        <a:spcAft>
+                          <a:spcPts val="0"/>
+                        </a:spcAft>
+                      </a:pPr>
+                      <a:r>
+                        <a:rPr lang="en-US" sz="1200">
+                          <a:effectLst/>
+                        </a:rPr>
+                        <a:t>FIELD </a:t>
+                      </a:r>
+                      <a:endParaRPr lang="en-US" sz="1100">
+                        <a:effectLst/>
+                        <a:latin typeface="Calibri" panose="020F0502020204030204" pitchFamily="34" charset="0"/>
+                        <a:ea typeface="Calibri" panose="020F0502020204030204" pitchFamily="34" charset="0"/>
+                        <a:cs typeface="Times New Roman" panose="02020603050405020304" pitchFamily="18" charset="0"/>
+                      </a:endParaRPr>
+                    </a:p>
+                  </a:txBody>
+                  <a:tcPr marL="68580" marR="68580" marT="0" marB="0"/>
+                </a:tc>
+                <a:tc>
+                  <a:txBody>
+                    <a:bodyPr/>
+                    <a:lstStyle/>
+                    <a:p>
+                      <a:pPr marL="0" marR="0">
+                        <a:lnSpc>
+                          <a:spcPct val="150000"/>
+                        </a:lnSpc>
+                        <a:spcBef>
+                          <a:spcPts val="0"/>
+                        </a:spcBef>
+                        <a:spcAft>
+                          <a:spcPts val="0"/>
+                        </a:spcAft>
+                      </a:pPr>
+                      <a:r>
+                        <a:rPr lang="en-US" sz="1200" dirty="0">
+                          <a:effectLst/>
+                        </a:rPr>
+                        <a:t>DATA TYPE</a:t>
+                      </a:r>
+                      <a:endParaRPr lang="en-US" sz="1100" dirty="0">
+                        <a:effectLst/>
+                        <a:latin typeface="Calibri" panose="020F0502020204030204" pitchFamily="34" charset="0"/>
+                        <a:ea typeface="Calibri" panose="020F0502020204030204" pitchFamily="34" charset="0"/>
+                        <a:cs typeface="Times New Roman" panose="02020603050405020304" pitchFamily="18" charset="0"/>
+                      </a:endParaRPr>
+                    </a:p>
+                  </a:txBody>
+                  <a:tcPr marL="68580" marR="68580" marT="0" marB="0"/>
+                </a:tc>
+                <a:tc>
+                  <a:txBody>
+                    <a:bodyPr/>
+                    <a:lstStyle/>
+                    <a:p>
+                      <a:pPr marL="0" marR="0">
+                        <a:lnSpc>
+                          <a:spcPct val="150000"/>
+                        </a:lnSpc>
+                        <a:spcBef>
+                          <a:spcPts val="0"/>
+                        </a:spcBef>
+                        <a:spcAft>
+                          <a:spcPts val="0"/>
+                        </a:spcAft>
+                      </a:pPr>
+                      <a:r>
+                        <a:rPr lang="en-US" sz="1200">
+                          <a:effectLst/>
+                        </a:rPr>
+                        <a:t>SIZE</a:t>
+                      </a:r>
+                      <a:endParaRPr lang="en-US" sz="1100">
+                        <a:effectLst/>
+                        <a:latin typeface="Calibri" panose="020F0502020204030204" pitchFamily="34" charset="0"/>
+                        <a:ea typeface="Calibri" panose="020F0502020204030204" pitchFamily="34" charset="0"/>
+                        <a:cs typeface="Times New Roman" panose="02020603050405020304" pitchFamily="18" charset="0"/>
+                      </a:endParaRPr>
+                    </a:p>
+                  </a:txBody>
+                  <a:tcPr marL="68580" marR="68580" marT="0" marB="0"/>
+                </a:tc>
+                <a:tc>
+                  <a:txBody>
+                    <a:bodyPr/>
+                    <a:lstStyle/>
+                    <a:p>
+                      <a:pPr marL="0" marR="0">
+                        <a:lnSpc>
+                          <a:spcPct val="150000"/>
+                        </a:lnSpc>
+                        <a:spcBef>
+                          <a:spcPts val="0"/>
+                        </a:spcBef>
+                        <a:spcAft>
+                          <a:spcPts val="0"/>
+                        </a:spcAft>
+                      </a:pPr>
+                      <a:r>
+                        <a:rPr lang="en-US" sz="1200">
+                          <a:effectLst/>
+                        </a:rPr>
+                        <a:t>CONSTRAINT</a:t>
+                      </a:r>
+                      <a:endParaRPr lang="en-US" sz="1100">
+                        <a:effectLst/>
+                        <a:latin typeface="Calibri" panose="020F0502020204030204" pitchFamily="34" charset="0"/>
+                        <a:ea typeface="Calibri" panose="020F0502020204030204" pitchFamily="34" charset="0"/>
+                        <a:cs typeface="Times New Roman" panose="02020603050405020304" pitchFamily="18" charset="0"/>
+                      </a:endParaRPr>
+                    </a:p>
+                  </a:txBody>
+                  <a:tcPr marL="68580" marR="68580" marT="0" marB="0"/>
+                </a:tc>
+                <a:extLst>
+                  <a:ext uri="{0D108BD9-81ED-4DB2-BD59-A6C34878D82A}">
+                    <a16:rowId xmlns:a16="http://schemas.microsoft.com/office/drawing/2014/main" val="566660213"/>
+                  </a:ext>
+                </a:extLst>
+              </a:tr>
+              <a:tr h="635603">
+                <a:tc>
+                  <a:txBody>
+                    <a:bodyPr/>
+                    <a:lstStyle/>
+                    <a:p>
+                      <a:pPr marL="0" marR="0">
+                        <a:lnSpc>
+                          <a:spcPct val="150000"/>
+                        </a:lnSpc>
+                        <a:spcBef>
+                          <a:spcPts val="0"/>
+                        </a:spcBef>
+                        <a:spcAft>
+                          <a:spcPts val="0"/>
+                        </a:spcAft>
+                      </a:pPr>
+                      <a:r>
+                        <a:rPr lang="en-US" sz="1200">
+                          <a:effectLst/>
+                        </a:rPr>
+                        <a:t>Admin id</a:t>
+                      </a:r>
+                      <a:endParaRPr lang="en-US" sz="1100">
+                        <a:effectLst/>
+                        <a:latin typeface="Calibri" panose="020F0502020204030204" pitchFamily="34" charset="0"/>
+                        <a:ea typeface="Calibri" panose="020F0502020204030204" pitchFamily="34" charset="0"/>
+                        <a:cs typeface="Times New Roman" panose="02020603050405020304" pitchFamily="18" charset="0"/>
+                      </a:endParaRPr>
+                    </a:p>
+                  </a:txBody>
+                  <a:tcPr marL="68580" marR="68580" marT="0" marB="0"/>
+                </a:tc>
+                <a:tc>
+                  <a:txBody>
+                    <a:bodyPr/>
+                    <a:lstStyle/>
+                    <a:p>
+                      <a:pPr marL="0" marR="0">
+                        <a:lnSpc>
+                          <a:spcPct val="150000"/>
+                        </a:lnSpc>
+                        <a:spcBef>
+                          <a:spcPts val="0"/>
+                        </a:spcBef>
+                        <a:spcAft>
+                          <a:spcPts val="0"/>
+                        </a:spcAft>
+                      </a:pPr>
+                      <a:r>
+                        <a:rPr lang="en-US" sz="1200">
+                          <a:effectLst/>
+                        </a:rPr>
+                        <a:t>Int</a:t>
+                      </a:r>
+                      <a:endParaRPr lang="en-US" sz="1100">
+                        <a:effectLst/>
+                        <a:latin typeface="Calibri" panose="020F0502020204030204" pitchFamily="34" charset="0"/>
+                        <a:ea typeface="Calibri" panose="020F0502020204030204" pitchFamily="34" charset="0"/>
+                        <a:cs typeface="Times New Roman" panose="02020603050405020304" pitchFamily="18" charset="0"/>
+                      </a:endParaRPr>
+                    </a:p>
+                  </a:txBody>
+                  <a:tcPr marL="68580" marR="68580" marT="0" marB="0"/>
+                </a:tc>
+                <a:tc>
+                  <a:txBody>
+                    <a:bodyPr/>
+                    <a:lstStyle/>
+                    <a:p>
+                      <a:pPr marL="0" marR="0">
+                        <a:lnSpc>
+                          <a:spcPct val="150000"/>
+                        </a:lnSpc>
+                        <a:spcBef>
+                          <a:spcPts val="0"/>
+                        </a:spcBef>
+                        <a:spcAft>
+                          <a:spcPts val="0"/>
+                        </a:spcAft>
+                      </a:pPr>
+                      <a:r>
+                        <a:rPr lang="en-US" sz="1200">
+                          <a:effectLst/>
+                        </a:rPr>
+                        <a:t>10</a:t>
+                      </a:r>
+                      <a:endParaRPr lang="en-US" sz="1100">
+                        <a:effectLst/>
+                        <a:latin typeface="Calibri" panose="020F0502020204030204" pitchFamily="34" charset="0"/>
+                        <a:ea typeface="Calibri" panose="020F0502020204030204" pitchFamily="34" charset="0"/>
+                        <a:cs typeface="Times New Roman" panose="02020603050405020304" pitchFamily="18" charset="0"/>
+                      </a:endParaRPr>
+                    </a:p>
+                  </a:txBody>
+                  <a:tcPr marL="68580" marR="68580" marT="0" marB="0"/>
+                </a:tc>
+                <a:tc>
+                  <a:txBody>
+                    <a:bodyPr/>
+                    <a:lstStyle/>
+                    <a:p>
+                      <a:pPr marL="0" marR="0">
+                        <a:lnSpc>
+                          <a:spcPct val="150000"/>
+                        </a:lnSpc>
+                        <a:spcBef>
+                          <a:spcPts val="0"/>
+                        </a:spcBef>
+                        <a:spcAft>
+                          <a:spcPts val="0"/>
+                        </a:spcAft>
+                      </a:pPr>
+                      <a:r>
+                        <a:rPr lang="en-US" sz="1200">
+                          <a:effectLst/>
+                        </a:rPr>
+                        <a:t>Primary key</a:t>
+                      </a:r>
+                      <a:endParaRPr lang="en-US" sz="1100">
+                        <a:effectLst/>
+                        <a:latin typeface="Calibri" panose="020F0502020204030204" pitchFamily="34" charset="0"/>
+                        <a:ea typeface="Calibri" panose="020F0502020204030204" pitchFamily="34" charset="0"/>
+                        <a:cs typeface="Times New Roman" panose="02020603050405020304" pitchFamily="18" charset="0"/>
+                      </a:endParaRPr>
+                    </a:p>
+                  </a:txBody>
+                  <a:tcPr marL="68580" marR="68580" marT="0" marB="0"/>
+                </a:tc>
+                <a:extLst>
+                  <a:ext uri="{0D108BD9-81ED-4DB2-BD59-A6C34878D82A}">
+                    <a16:rowId xmlns:a16="http://schemas.microsoft.com/office/drawing/2014/main" val="2509219939"/>
+                  </a:ext>
+                </a:extLst>
+              </a:tr>
+              <a:tr h="635603">
+                <a:tc>
+                  <a:txBody>
+                    <a:bodyPr/>
+                    <a:lstStyle/>
+                    <a:p>
+                      <a:pPr marL="0" marR="0">
+                        <a:lnSpc>
+                          <a:spcPct val="150000"/>
+                        </a:lnSpc>
+                        <a:spcBef>
+                          <a:spcPts val="0"/>
+                        </a:spcBef>
+                        <a:spcAft>
+                          <a:spcPts val="0"/>
+                        </a:spcAft>
+                      </a:pPr>
+                      <a:r>
+                        <a:rPr lang="en-US" sz="1200">
+                          <a:effectLst/>
+                        </a:rPr>
+                        <a:t>Username </a:t>
+                      </a:r>
+                      <a:endParaRPr lang="en-US" sz="1100">
+                        <a:effectLst/>
+                        <a:latin typeface="Calibri" panose="020F0502020204030204" pitchFamily="34" charset="0"/>
+                        <a:ea typeface="Calibri" panose="020F0502020204030204" pitchFamily="34" charset="0"/>
+                        <a:cs typeface="Times New Roman" panose="02020603050405020304" pitchFamily="18" charset="0"/>
+                      </a:endParaRPr>
+                    </a:p>
+                  </a:txBody>
+                  <a:tcPr marL="68580" marR="68580" marT="0" marB="0"/>
+                </a:tc>
+                <a:tc>
+                  <a:txBody>
+                    <a:bodyPr/>
+                    <a:lstStyle/>
+                    <a:p>
+                      <a:pPr marL="0" marR="0">
+                        <a:lnSpc>
+                          <a:spcPct val="150000"/>
+                        </a:lnSpc>
+                        <a:spcBef>
+                          <a:spcPts val="0"/>
+                        </a:spcBef>
+                        <a:spcAft>
+                          <a:spcPts val="0"/>
+                        </a:spcAft>
+                      </a:pPr>
+                      <a:r>
+                        <a:rPr lang="en-US" sz="1200">
+                          <a:effectLst/>
+                        </a:rPr>
+                        <a:t>Varchar </a:t>
+                      </a:r>
+                      <a:endParaRPr lang="en-US" sz="1100">
+                        <a:effectLst/>
+                        <a:latin typeface="Calibri" panose="020F0502020204030204" pitchFamily="34" charset="0"/>
+                        <a:ea typeface="Calibri" panose="020F0502020204030204" pitchFamily="34" charset="0"/>
+                        <a:cs typeface="Times New Roman" panose="02020603050405020304" pitchFamily="18" charset="0"/>
+                      </a:endParaRPr>
+                    </a:p>
+                  </a:txBody>
+                  <a:tcPr marL="68580" marR="68580" marT="0" marB="0"/>
+                </a:tc>
+                <a:tc>
+                  <a:txBody>
+                    <a:bodyPr/>
+                    <a:lstStyle/>
+                    <a:p>
+                      <a:pPr marL="0" marR="0">
+                        <a:lnSpc>
+                          <a:spcPct val="150000"/>
+                        </a:lnSpc>
+                        <a:spcBef>
+                          <a:spcPts val="0"/>
+                        </a:spcBef>
+                        <a:spcAft>
+                          <a:spcPts val="0"/>
+                        </a:spcAft>
+                      </a:pPr>
+                      <a:r>
+                        <a:rPr lang="en-US" sz="1200">
+                          <a:effectLst/>
+                        </a:rPr>
+                        <a:t>30</a:t>
+                      </a:r>
+                      <a:endParaRPr lang="en-US" sz="1100">
+                        <a:effectLst/>
+                        <a:latin typeface="Calibri" panose="020F0502020204030204" pitchFamily="34" charset="0"/>
+                        <a:ea typeface="Calibri" panose="020F0502020204030204" pitchFamily="34" charset="0"/>
+                        <a:cs typeface="Times New Roman" panose="02020603050405020304" pitchFamily="18" charset="0"/>
+                      </a:endParaRPr>
+                    </a:p>
+                  </a:txBody>
+                  <a:tcPr marL="68580" marR="68580" marT="0" marB="0"/>
+                </a:tc>
+                <a:tc>
+                  <a:txBody>
+                    <a:bodyPr/>
+                    <a:lstStyle/>
+                    <a:p>
+                      <a:pPr marL="0" marR="0">
+                        <a:lnSpc>
+                          <a:spcPct val="150000"/>
+                        </a:lnSpc>
+                        <a:spcBef>
+                          <a:spcPts val="0"/>
+                        </a:spcBef>
+                        <a:spcAft>
+                          <a:spcPts val="0"/>
+                        </a:spcAft>
+                      </a:pPr>
+                      <a:r>
+                        <a:rPr lang="en-US" sz="1200">
+                          <a:effectLst/>
+                        </a:rPr>
+                        <a:t>Not null</a:t>
+                      </a:r>
+                      <a:endParaRPr lang="en-US" sz="1100">
+                        <a:effectLst/>
+                        <a:latin typeface="Calibri" panose="020F0502020204030204" pitchFamily="34" charset="0"/>
+                        <a:ea typeface="Calibri" panose="020F0502020204030204" pitchFamily="34" charset="0"/>
+                        <a:cs typeface="Times New Roman" panose="02020603050405020304" pitchFamily="18" charset="0"/>
+                      </a:endParaRPr>
+                    </a:p>
+                  </a:txBody>
+                  <a:tcPr marL="68580" marR="68580" marT="0" marB="0"/>
+                </a:tc>
+                <a:extLst>
+                  <a:ext uri="{0D108BD9-81ED-4DB2-BD59-A6C34878D82A}">
+                    <a16:rowId xmlns:a16="http://schemas.microsoft.com/office/drawing/2014/main" val="3787630898"/>
+                  </a:ext>
+                </a:extLst>
+              </a:tr>
+              <a:tr h="635603">
+                <a:tc>
+                  <a:txBody>
+                    <a:bodyPr/>
+                    <a:lstStyle/>
+                    <a:p>
+                      <a:pPr marL="0" marR="0">
+                        <a:lnSpc>
+                          <a:spcPct val="150000"/>
+                        </a:lnSpc>
+                        <a:spcBef>
+                          <a:spcPts val="0"/>
+                        </a:spcBef>
+                        <a:spcAft>
+                          <a:spcPts val="0"/>
+                        </a:spcAft>
+                      </a:pPr>
+                      <a:r>
+                        <a:rPr lang="en-US" sz="1200">
+                          <a:effectLst/>
+                        </a:rPr>
+                        <a:t>password</a:t>
+                      </a:r>
+                      <a:endParaRPr lang="en-US" sz="1100">
+                        <a:effectLst/>
+                        <a:latin typeface="Calibri" panose="020F0502020204030204" pitchFamily="34" charset="0"/>
+                        <a:ea typeface="Calibri" panose="020F0502020204030204" pitchFamily="34" charset="0"/>
+                        <a:cs typeface="Times New Roman" panose="02020603050405020304" pitchFamily="18" charset="0"/>
+                      </a:endParaRPr>
+                    </a:p>
+                  </a:txBody>
+                  <a:tcPr marL="68580" marR="68580" marT="0" marB="0"/>
+                </a:tc>
+                <a:tc>
+                  <a:txBody>
+                    <a:bodyPr/>
+                    <a:lstStyle/>
+                    <a:p>
+                      <a:pPr marL="0" marR="0">
+                        <a:lnSpc>
+                          <a:spcPct val="150000"/>
+                        </a:lnSpc>
+                        <a:spcBef>
+                          <a:spcPts val="0"/>
+                        </a:spcBef>
+                        <a:spcAft>
+                          <a:spcPts val="0"/>
+                        </a:spcAft>
+                      </a:pPr>
+                      <a:r>
+                        <a:rPr lang="en-US" sz="1200">
+                          <a:effectLst/>
+                        </a:rPr>
+                        <a:t>Varchar </a:t>
+                      </a:r>
+                      <a:endParaRPr lang="en-US" sz="1100">
+                        <a:effectLst/>
+                        <a:latin typeface="Calibri" panose="020F0502020204030204" pitchFamily="34" charset="0"/>
+                        <a:ea typeface="Calibri" panose="020F0502020204030204" pitchFamily="34" charset="0"/>
+                        <a:cs typeface="Times New Roman" panose="02020603050405020304" pitchFamily="18" charset="0"/>
+                      </a:endParaRPr>
+                    </a:p>
+                  </a:txBody>
+                  <a:tcPr marL="68580" marR="68580" marT="0" marB="0"/>
+                </a:tc>
+                <a:tc>
+                  <a:txBody>
+                    <a:bodyPr/>
+                    <a:lstStyle/>
+                    <a:p>
+                      <a:pPr marL="0" marR="0">
+                        <a:lnSpc>
+                          <a:spcPct val="150000"/>
+                        </a:lnSpc>
+                        <a:spcBef>
+                          <a:spcPts val="0"/>
+                        </a:spcBef>
+                        <a:spcAft>
+                          <a:spcPts val="0"/>
+                        </a:spcAft>
+                      </a:pPr>
+                      <a:r>
+                        <a:rPr lang="en-US" sz="1200">
+                          <a:effectLst/>
+                        </a:rPr>
+                        <a:t>30</a:t>
+                      </a:r>
+                      <a:endParaRPr lang="en-US" sz="1100">
+                        <a:effectLst/>
+                        <a:latin typeface="Calibri" panose="020F0502020204030204" pitchFamily="34" charset="0"/>
+                        <a:ea typeface="Calibri" panose="020F0502020204030204" pitchFamily="34" charset="0"/>
+                        <a:cs typeface="Times New Roman" panose="02020603050405020304" pitchFamily="18" charset="0"/>
+                      </a:endParaRPr>
+                    </a:p>
+                  </a:txBody>
+                  <a:tcPr marL="68580" marR="68580" marT="0" marB="0"/>
+                </a:tc>
+                <a:tc>
+                  <a:txBody>
+                    <a:bodyPr/>
+                    <a:lstStyle/>
+                    <a:p>
+                      <a:pPr marL="0" marR="0">
+                        <a:lnSpc>
+                          <a:spcPct val="150000"/>
+                        </a:lnSpc>
+                        <a:spcBef>
+                          <a:spcPts val="0"/>
+                        </a:spcBef>
+                        <a:spcAft>
+                          <a:spcPts val="0"/>
+                        </a:spcAft>
+                      </a:pPr>
+                      <a:r>
+                        <a:rPr lang="en-US" sz="1200" dirty="0">
+                          <a:effectLst/>
+                        </a:rPr>
+                        <a:t>Not null</a:t>
+                      </a:r>
+                      <a:endParaRPr lang="en-US" sz="1100" dirty="0">
+                        <a:effectLst/>
+                        <a:latin typeface="Calibri" panose="020F0502020204030204" pitchFamily="34" charset="0"/>
+                        <a:ea typeface="Calibri" panose="020F0502020204030204" pitchFamily="34" charset="0"/>
+                        <a:cs typeface="Times New Roman" panose="02020603050405020304" pitchFamily="18" charset="0"/>
+                      </a:endParaRPr>
+                    </a:p>
+                  </a:txBody>
+                  <a:tcPr marL="68580" marR="68580" marT="0" marB="0"/>
+                </a:tc>
+                <a:extLst>
+                  <a:ext uri="{0D108BD9-81ED-4DB2-BD59-A6C34878D82A}">
+                    <a16:rowId xmlns:a16="http://schemas.microsoft.com/office/drawing/2014/main" val="1468477819"/>
+                  </a:ext>
+                </a:extLst>
+              </a:tr>
+            </a:tbl>
+          </a:graphicData>
+        </a:graphic>
+      </p:graphicFrame>
+    </p:spTree>
+    <p:extLst>
+      <p:ext uri="{BB962C8B-B14F-4D97-AF65-F5344CB8AC3E}">
+        <p14:creationId xmlns:p14="http://schemas.microsoft.com/office/powerpoint/2010/main" val="652177475"/>
+      </p:ext>
+    </p:extLst>
+  </p:cSld>
+  <p:clrMapOvr>
+    <a:masterClrMapping/>
+  </p:clrMapOvr>
+</p:sld>
+</file>
+
+<file path=ppt/slides/slide12.xml><?xml version="1.0" encoding="utf-8"?>
+<p:sld xmlns:a="http://schemas.openxmlformats.org/drawingml/2006/main" xmlns:r="http://schemas.openxmlformats.org/officeDocument/2006/relationships" xmlns:p="http://schemas.openxmlformats.org/presentationml/2006/main">
+  <p:cSld>
+    <p:spTree>
+      <p:nvGrpSpPr>
+        <p:cNvPr id="1" name=""/>
+        <p:cNvGrpSpPr/>
+        <p:nvPr/>
+      </p:nvGrpSpPr>
+      <p:grpSpPr>
+        <a:xfrm>
+          <a:off x="0" y="0"/>
+          <a:ext cx="0" cy="0"/>
+          <a:chOff x="0" y="0"/>
+          <a:chExt cx="0" cy="0"/>
+        </a:xfrm>
+      </p:grpSpPr>
       <p:sp>
         <p:nvSpPr>
-          <p:cNvPr id="3" name="Content Placeholder 2">
+          <p:cNvPr id="2" name="Title 1">
             <a:extLst>
               <a:ext uri="{FF2B5EF4-FFF2-40B4-BE49-F238E27FC236}">
-                <a16:creationId xmlns:a16="http://schemas.microsoft.com/office/drawing/2014/main" id="{B7A32F1A-EEE9-4FAF-8505-D230D3A96A68}"/>
+                <a16:creationId xmlns:a16="http://schemas.microsoft.com/office/drawing/2014/main" id="{3CBEBF41-05C8-41D7-8A8A-0E9BC80A0243}"/>
               </a:ext>
             </a:extLst>
           </p:cNvPr>
@@ -4291,7 +4950,7 @@
             <a:spLocks noGrp="1"/>
           </p:cNvSpPr>
           <p:nvPr>
-            <p:ph idx="1"/>
+            <p:ph type="title"/>
           </p:nvPr>
         </p:nvSpPr>
         <p:spPr/>
@@ -4299,14 +4958,5727 @@
           <a:bodyPr/>
           <a:lstStyle/>
           <a:p>
+            <a:r>
+              <a:rPr lang="en-US" sz="1800" b="1" dirty="0">
+                <a:effectLst/>
+                <a:latin typeface="Times New Roman" panose="02020603050405020304" pitchFamily="18" charset="0"/>
+                <a:ea typeface="Calibri" panose="020F0502020204030204" pitchFamily="34" charset="0"/>
+                <a:cs typeface="Times New Roman" panose="02020603050405020304" pitchFamily="18" charset="0"/>
+              </a:rPr>
+              <a:t>TABLE NAME: HOUSE</a:t>
+            </a:r>
+            <a:br>
+              <a:rPr lang="en-US" sz="1800" dirty="0">
+                <a:effectLst/>
+                <a:latin typeface="Calibri" panose="020F0502020204030204" pitchFamily="34" charset="0"/>
+                <a:ea typeface="Calibri" panose="020F0502020204030204" pitchFamily="34" charset="0"/>
+                <a:cs typeface="Times New Roman" panose="02020603050405020304" pitchFamily="18" charset="0"/>
+              </a:rPr>
+            </a:br>
             <a:endParaRPr lang="en-US" dirty="0"/>
           </a:p>
         </p:txBody>
       </p:sp>
+      <p:graphicFrame>
+        <p:nvGraphicFramePr>
+          <p:cNvPr id="4" name="Content Placeholder 3">
+            <a:extLst>
+              <a:ext uri="{FF2B5EF4-FFF2-40B4-BE49-F238E27FC236}">
+                <a16:creationId xmlns:a16="http://schemas.microsoft.com/office/drawing/2014/main" id="{498782B2-9C89-4C89-8C9E-D8CF705DD9DF}"/>
+              </a:ext>
+            </a:extLst>
+          </p:cNvPr>
+          <p:cNvGraphicFramePr>
+            <a:graphicFrameLocks noGrp="1"/>
+          </p:cNvGraphicFramePr>
+          <p:nvPr>
+            <p:ph idx="1"/>
+            <p:extLst>
+              <p:ext uri="{D42A27DB-BD31-4B8C-83A1-F6EECF244321}">
+                <p14:modId xmlns:p14="http://schemas.microsoft.com/office/powerpoint/2010/main" val="1445895985"/>
+              </p:ext>
+            </p:extLst>
+          </p:nvPr>
+        </p:nvGraphicFramePr>
+        <p:xfrm>
+          <a:off x="2054087" y="2120902"/>
+          <a:ext cx="6597832" cy="4425670"/>
+        </p:xfrm>
+        <a:graphic>
+          <a:graphicData uri="http://schemas.openxmlformats.org/drawingml/2006/table">
+            <a:tbl>
+              <a:tblPr firstRow="1" firstCol="1" bandRow="1">
+                <a:tableStyleId>{5C22544A-7EE6-4342-B048-85BDC9FD1C3A}</a:tableStyleId>
+              </a:tblPr>
+              <a:tblGrid>
+                <a:gridCol w="1649102">
+                  <a:extLst>
+                    <a:ext uri="{9D8B030D-6E8A-4147-A177-3AD203B41FA5}">
+                      <a16:colId xmlns:a16="http://schemas.microsoft.com/office/drawing/2014/main" val="1548680312"/>
+                    </a:ext>
+                  </a:extLst>
+                </a:gridCol>
+                <a:gridCol w="1649102">
+                  <a:extLst>
+                    <a:ext uri="{9D8B030D-6E8A-4147-A177-3AD203B41FA5}">
+                      <a16:colId xmlns:a16="http://schemas.microsoft.com/office/drawing/2014/main" val="3973603812"/>
+                    </a:ext>
+                  </a:extLst>
+                </a:gridCol>
+                <a:gridCol w="1649814">
+                  <a:extLst>
+                    <a:ext uri="{9D8B030D-6E8A-4147-A177-3AD203B41FA5}">
+                      <a16:colId xmlns:a16="http://schemas.microsoft.com/office/drawing/2014/main" val="4208255942"/>
+                    </a:ext>
+                  </a:extLst>
+                </a:gridCol>
+                <a:gridCol w="1649814">
+                  <a:extLst>
+                    <a:ext uri="{9D8B030D-6E8A-4147-A177-3AD203B41FA5}">
+                      <a16:colId xmlns:a16="http://schemas.microsoft.com/office/drawing/2014/main" val="1778295148"/>
+                    </a:ext>
+                  </a:extLst>
+                </a:gridCol>
+              </a:tblGrid>
+              <a:tr h="232930">
+                <a:tc>
+                  <a:txBody>
+                    <a:bodyPr/>
+                    <a:lstStyle/>
+                    <a:p>
+                      <a:pPr marL="0" marR="0">
+                        <a:lnSpc>
+                          <a:spcPct val="150000"/>
+                        </a:lnSpc>
+                        <a:spcBef>
+                          <a:spcPts val="0"/>
+                        </a:spcBef>
+                        <a:spcAft>
+                          <a:spcPts val="0"/>
+                        </a:spcAft>
+                      </a:pPr>
+                      <a:r>
+                        <a:rPr lang="en-US" sz="1000">
+                          <a:effectLst/>
+                        </a:rPr>
+                        <a:t>FIELD </a:t>
+                      </a:r>
+                      <a:endParaRPr lang="en-US" sz="1000">
+                        <a:effectLst/>
+                        <a:latin typeface="Calibri" panose="020F0502020204030204" pitchFamily="34" charset="0"/>
+                        <a:ea typeface="Calibri" panose="020F0502020204030204" pitchFamily="34" charset="0"/>
+                        <a:cs typeface="Times New Roman" panose="02020603050405020304" pitchFamily="18" charset="0"/>
+                      </a:endParaRPr>
+                    </a:p>
+                  </a:txBody>
+                  <a:tcPr marL="59675" marR="59675" marT="0" marB="0"/>
+                </a:tc>
+                <a:tc>
+                  <a:txBody>
+                    <a:bodyPr/>
+                    <a:lstStyle/>
+                    <a:p>
+                      <a:pPr marL="0" marR="0">
+                        <a:lnSpc>
+                          <a:spcPct val="150000"/>
+                        </a:lnSpc>
+                        <a:spcBef>
+                          <a:spcPts val="0"/>
+                        </a:spcBef>
+                        <a:spcAft>
+                          <a:spcPts val="0"/>
+                        </a:spcAft>
+                      </a:pPr>
+                      <a:r>
+                        <a:rPr lang="en-US" sz="1000">
+                          <a:effectLst/>
+                        </a:rPr>
+                        <a:t>DATA TYPE</a:t>
+                      </a:r>
+                      <a:endParaRPr lang="en-US" sz="1000">
+                        <a:effectLst/>
+                        <a:latin typeface="Calibri" panose="020F0502020204030204" pitchFamily="34" charset="0"/>
+                        <a:ea typeface="Calibri" panose="020F0502020204030204" pitchFamily="34" charset="0"/>
+                        <a:cs typeface="Times New Roman" panose="02020603050405020304" pitchFamily="18" charset="0"/>
+                      </a:endParaRPr>
+                    </a:p>
+                  </a:txBody>
+                  <a:tcPr marL="59675" marR="59675" marT="0" marB="0"/>
+                </a:tc>
+                <a:tc>
+                  <a:txBody>
+                    <a:bodyPr/>
+                    <a:lstStyle/>
+                    <a:p>
+                      <a:pPr marL="0" marR="0">
+                        <a:lnSpc>
+                          <a:spcPct val="150000"/>
+                        </a:lnSpc>
+                        <a:spcBef>
+                          <a:spcPts val="0"/>
+                        </a:spcBef>
+                        <a:spcAft>
+                          <a:spcPts val="0"/>
+                        </a:spcAft>
+                      </a:pPr>
+                      <a:r>
+                        <a:rPr lang="en-US" sz="1000">
+                          <a:effectLst/>
+                        </a:rPr>
+                        <a:t>SIZE</a:t>
+                      </a:r>
+                      <a:endParaRPr lang="en-US" sz="1000">
+                        <a:effectLst/>
+                        <a:latin typeface="Calibri" panose="020F0502020204030204" pitchFamily="34" charset="0"/>
+                        <a:ea typeface="Calibri" panose="020F0502020204030204" pitchFamily="34" charset="0"/>
+                        <a:cs typeface="Times New Roman" panose="02020603050405020304" pitchFamily="18" charset="0"/>
+                      </a:endParaRPr>
+                    </a:p>
+                  </a:txBody>
+                  <a:tcPr marL="59675" marR="59675" marT="0" marB="0"/>
+                </a:tc>
+                <a:tc>
+                  <a:txBody>
+                    <a:bodyPr/>
+                    <a:lstStyle/>
+                    <a:p>
+                      <a:pPr marL="0" marR="0">
+                        <a:lnSpc>
+                          <a:spcPct val="150000"/>
+                        </a:lnSpc>
+                        <a:spcBef>
+                          <a:spcPts val="0"/>
+                        </a:spcBef>
+                        <a:spcAft>
+                          <a:spcPts val="0"/>
+                        </a:spcAft>
+                      </a:pPr>
+                      <a:r>
+                        <a:rPr lang="en-US" sz="1000">
+                          <a:effectLst/>
+                        </a:rPr>
+                        <a:t>CONSTRAINT</a:t>
+                      </a:r>
+                      <a:endParaRPr lang="en-US" sz="1000">
+                        <a:effectLst/>
+                        <a:latin typeface="Calibri" panose="020F0502020204030204" pitchFamily="34" charset="0"/>
+                        <a:ea typeface="Calibri" panose="020F0502020204030204" pitchFamily="34" charset="0"/>
+                        <a:cs typeface="Times New Roman" panose="02020603050405020304" pitchFamily="18" charset="0"/>
+                      </a:endParaRPr>
+                    </a:p>
+                  </a:txBody>
+                  <a:tcPr marL="59675" marR="59675" marT="0" marB="0"/>
+                </a:tc>
+                <a:extLst>
+                  <a:ext uri="{0D108BD9-81ED-4DB2-BD59-A6C34878D82A}">
+                    <a16:rowId xmlns:a16="http://schemas.microsoft.com/office/drawing/2014/main" val="1569166936"/>
+                  </a:ext>
+                </a:extLst>
+              </a:tr>
+              <a:tr h="232930">
+                <a:tc>
+                  <a:txBody>
+                    <a:bodyPr/>
+                    <a:lstStyle/>
+                    <a:p>
+                      <a:pPr marL="0" marR="0">
+                        <a:lnSpc>
+                          <a:spcPct val="150000"/>
+                        </a:lnSpc>
+                        <a:spcBef>
+                          <a:spcPts val="0"/>
+                        </a:spcBef>
+                        <a:spcAft>
+                          <a:spcPts val="0"/>
+                        </a:spcAft>
+                      </a:pPr>
+                      <a:r>
+                        <a:rPr lang="en-US" sz="1000">
+                          <a:effectLst/>
+                        </a:rPr>
+                        <a:t>house id</a:t>
+                      </a:r>
+                      <a:endParaRPr lang="en-US" sz="1000">
+                        <a:effectLst/>
+                        <a:latin typeface="Calibri" panose="020F0502020204030204" pitchFamily="34" charset="0"/>
+                        <a:ea typeface="Calibri" panose="020F0502020204030204" pitchFamily="34" charset="0"/>
+                        <a:cs typeface="Times New Roman" panose="02020603050405020304" pitchFamily="18" charset="0"/>
+                      </a:endParaRPr>
+                    </a:p>
+                  </a:txBody>
+                  <a:tcPr marL="59675" marR="59675" marT="0" marB="0"/>
+                </a:tc>
+                <a:tc>
+                  <a:txBody>
+                    <a:bodyPr/>
+                    <a:lstStyle/>
+                    <a:p>
+                      <a:pPr marL="0" marR="0">
+                        <a:lnSpc>
+                          <a:spcPct val="150000"/>
+                        </a:lnSpc>
+                        <a:spcBef>
+                          <a:spcPts val="0"/>
+                        </a:spcBef>
+                        <a:spcAft>
+                          <a:spcPts val="0"/>
+                        </a:spcAft>
+                      </a:pPr>
+                      <a:r>
+                        <a:rPr lang="en-US" sz="1000">
+                          <a:effectLst/>
+                        </a:rPr>
+                        <a:t>Int</a:t>
+                      </a:r>
+                      <a:endParaRPr lang="en-US" sz="1000">
+                        <a:effectLst/>
+                        <a:latin typeface="Calibri" panose="020F0502020204030204" pitchFamily="34" charset="0"/>
+                        <a:ea typeface="Calibri" panose="020F0502020204030204" pitchFamily="34" charset="0"/>
+                        <a:cs typeface="Times New Roman" panose="02020603050405020304" pitchFamily="18" charset="0"/>
+                      </a:endParaRPr>
+                    </a:p>
+                  </a:txBody>
+                  <a:tcPr marL="59675" marR="59675" marT="0" marB="0"/>
+                </a:tc>
+                <a:tc>
+                  <a:txBody>
+                    <a:bodyPr/>
+                    <a:lstStyle/>
+                    <a:p>
+                      <a:pPr marL="0" marR="0">
+                        <a:lnSpc>
+                          <a:spcPct val="150000"/>
+                        </a:lnSpc>
+                        <a:spcBef>
+                          <a:spcPts val="0"/>
+                        </a:spcBef>
+                        <a:spcAft>
+                          <a:spcPts val="0"/>
+                        </a:spcAft>
+                      </a:pPr>
+                      <a:r>
+                        <a:rPr lang="en-US" sz="1000">
+                          <a:effectLst/>
+                        </a:rPr>
+                        <a:t>10</a:t>
+                      </a:r>
+                      <a:endParaRPr lang="en-US" sz="1000">
+                        <a:effectLst/>
+                        <a:latin typeface="Calibri" panose="020F0502020204030204" pitchFamily="34" charset="0"/>
+                        <a:ea typeface="Calibri" panose="020F0502020204030204" pitchFamily="34" charset="0"/>
+                        <a:cs typeface="Times New Roman" panose="02020603050405020304" pitchFamily="18" charset="0"/>
+                      </a:endParaRPr>
+                    </a:p>
+                  </a:txBody>
+                  <a:tcPr marL="59675" marR="59675" marT="0" marB="0"/>
+                </a:tc>
+                <a:tc>
+                  <a:txBody>
+                    <a:bodyPr/>
+                    <a:lstStyle/>
+                    <a:p>
+                      <a:pPr marL="0" marR="0">
+                        <a:lnSpc>
+                          <a:spcPct val="150000"/>
+                        </a:lnSpc>
+                        <a:spcBef>
+                          <a:spcPts val="0"/>
+                        </a:spcBef>
+                        <a:spcAft>
+                          <a:spcPts val="0"/>
+                        </a:spcAft>
+                      </a:pPr>
+                      <a:r>
+                        <a:rPr lang="en-US" sz="1000">
+                          <a:effectLst/>
+                        </a:rPr>
+                        <a:t>Primary key</a:t>
+                      </a:r>
+                      <a:endParaRPr lang="en-US" sz="1000">
+                        <a:effectLst/>
+                        <a:latin typeface="Calibri" panose="020F0502020204030204" pitchFamily="34" charset="0"/>
+                        <a:ea typeface="Calibri" panose="020F0502020204030204" pitchFamily="34" charset="0"/>
+                        <a:cs typeface="Times New Roman" panose="02020603050405020304" pitchFamily="18" charset="0"/>
+                      </a:endParaRPr>
+                    </a:p>
+                  </a:txBody>
+                  <a:tcPr marL="59675" marR="59675" marT="0" marB="0"/>
+                </a:tc>
+                <a:extLst>
+                  <a:ext uri="{0D108BD9-81ED-4DB2-BD59-A6C34878D82A}">
+                    <a16:rowId xmlns:a16="http://schemas.microsoft.com/office/drawing/2014/main" val="279373562"/>
+                  </a:ext>
+                </a:extLst>
+              </a:tr>
+              <a:tr h="232930">
+                <a:tc>
+                  <a:txBody>
+                    <a:bodyPr/>
+                    <a:lstStyle/>
+                    <a:p>
+                      <a:pPr marL="0" marR="0">
+                        <a:lnSpc>
+                          <a:spcPct val="150000"/>
+                        </a:lnSpc>
+                        <a:spcBef>
+                          <a:spcPts val="0"/>
+                        </a:spcBef>
+                        <a:spcAft>
+                          <a:spcPts val="0"/>
+                        </a:spcAft>
+                      </a:pPr>
+                      <a:r>
+                        <a:rPr lang="en-US" sz="1000">
+                          <a:effectLst/>
+                        </a:rPr>
+                        <a:t>House name </a:t>
+                      </a:r>
+                      <a:endParaRPr lang="en-US" sz="1000">
+                        <a:effectLst/>
+                        <a:latin typeface="Calibri" panose="020F0502020204030204" pitchFamily="34" charset="0"/>
+                        <a:ea typeface="Calibri" panose="020F0502020204030204" pitchFamily="34" charset="0"/>
+                        <a:cs typeface="Times New Roman" panose="02020603050405020304" pitchFamily="18" charset="0"/>
+                      </a:endParaRPr>
+                    </a:p>
+                  </a:txBody>
+                  <a:tcPr marL="59675" marR="59675" marT="0" marB="0"/>
+                </a:tc>
+                <a:tc>
+                  <a:txBody>
+                    <a:bodyPr/>
+                    <a:lstStyle/>
+                    <a:p>
+                      <a:pPr marL="0" marR="0">
+                        <a:lnSpc>
+                          <a:spcPct val="150000"/>
+                        </a:lnSpc>
+                        <a:spcBef>
+                          <a:spcPts val="0"/>
+                        </a:spcBef>
+                        <a:spcAft>
+                          <a:spcPts val="0"/>
+                        </a:spcAft>
+                      </a:pPr>
+                      <a:r>
+                        <a:rPr lang="en-US" sz="1000">
+                          <a:effectLst/>
+                        </a:rPr>
+                        <a:t>Varchar </a:t>
+                      </a:r>
+                      <a:endParaRPr lang="en-US" sz="1000">
+                        <a:effectLst/>
+                        <a:latin typeface="Calibri" panose="020F0502020204030204" pitchFamily="34" charset="0"/>
+                        <a:ea typeface="Calibri" panose="020F0502020204030204" pitchFamily="34" charset="0"/>
+                        <a:cs typeface="Times New Roman" panose="02020603050405020304" pitchFamily="18" charset="0"/>
+                      </a:endParaRPr>
+                    </a:p>
+                  </a:txBody>
+                  <a:tcPr marL="59675" marR="59675" marT="0" marB="0"/>
+                </a:tc>
+                <a:tc>
+                  <a:txBody>
+                    <a:bodyPr/>
+                    <a:lstStyle/>
+                    <a:p>
+                      <a:pPr marL="0" marR="0">
+                        <a:lnSpc>
+                          <a:spcPct val="150000"/>
+                        </a:lnSpc>
+                        <a:spcBef>
+                          <a:spcPts val="0"/>
+                        </a:spcBef>
+                        <a:spcAft>
+                          <a:spcPts val="0"/>
+                        </a:spcAft>
+                      </a:pPr>
+                      <a:r>
+                        <a:rPr lang="en-US" sz="1000">
+                          <a:effectLst/>
+                        </a:rPr>
+                        <a:t>20</a:t>
+                      </a:r>
+                      <a:endParaRPr lang="en-US" sz="1000">
+                        <a:effectLst/>
+                        <a:latin typeface="Calibri" panose="020F0502020204030204" pitchFamily="34" charset="0"/>
+                        <a:ea typeface="Calibri" panose="020F0502020204030204" pitchFamily="34" charset="0"/>
+                        <a:cs typeface="Times New Roman" panose="02020603050405020304" pitchFamily="18" charset="0"/>
+                      </a:endParaRPr>
+                    </a:p>
+                  </a:txBody>
+                  <a:tcPr marL="59675" marR="59675" marT="0" marB="0"/>
+                </a:tc>
+                <a:tc>
+                  <a:txBody>
+                    <a:bodyPr/>
+                    <a:lstStyle/>
+                    <a:p>
+                      <a:pPr marL="0" marR="0">
+                        <a:lnSpc>
+                          <a:spcPct val="150000"/>
+                        </a:lnSpc>
+                        <a:spcBef>
+                          <a:spcPts val="0"/>
+                        </a:spcBef>
+                        <a:spcAft>
+                          <a:spcPts val="0"/>
+                        </a:spcAft>
+                      </a:pPr>
+                      <a:r>
+                        <a:rPr lang="en-US" sz="1000">
+                          <a:effectLst/>
+                        </a:rPr>
+                        <a:t>Not null</a:t>
+                      </a:r>
+                      <a:endParaRPr lang="en-US" sz="1000">
+                        <a:effectLst/>
+                        <a:latin typeface="Calibri" panose="020F0502020204030204" pitchFamily="34" charset="0"/>
+                        <a:ea typeface="Calibri" panose="020F0502020204030204" pitchFamily="34" charset="0"/>
+                        <a:cs typeface="Times New Roman" panose="02020603050405020304" pitchFamily="18" charset="0"/>
+                      </a:endParaRPr>
+                    </a:p>
+                  </a:txBody>
+                  <a:tcPr marL="59675" marR="59675" marT="0" marB="0"/>
+                </a:tc>
+                <a:extLst>
+                  <a:ext uri="{0D108BD9-81ED-4DB2-BD59-A6C34878D82A}">
+                    <a16:rowId xmlns:a16="http://schemas.microsoft.com/office/drawing/2014/main" val="254017367"/>
+                  </a:ext>
+                </a:extLst>
+              </a:tr>
+              <a:tr h="232930">
+                <a:tc>
+                  <a:txBody>
+                    <a:bodyPr/>
+                    <a:lstStyle/>
+                    <a:p>
+                      <a:pPr marL="0" marR="0">
+                        <a:lnSpc>
+                          <a:spcPct val="150000"/>
+                        </a:lnSpc>
+                        <a:spcBef>
+                          <a:spcPts val="0"/>
+                        </a:spcBef>
+                        <a:spcAft>
+                          <a:spcPts val="0"/>
+                        </a:spcAft>
+                      </a:pPr>
+                      <a:r>
+                        <a:rPr lang="en-US" sz="1000">
+                          <a:effectLst/>
+                        </a:rPr>
+                        <a:t>Owner name</a:t>
+                      </a:r>
+                      <a:endParaRPr lang="en-US" sz="1000">
+                        <a:effectLst/>
+                        <a:latin typeface="Calibri" panose="020F0502020204030204" pitchFamily="34" charset="0"/>
+                        <a:ea typeface="Calibri" panose="020F0502020204030204" pitchFamily="34" charset="0"/>
+                        <a:cs typeface="Times New Roman" panose="02020603050405020304" pitchFamily="18" charset="0"/>
+                      </a:endParaRPr>
+                    </a:p>
+                  </a:txBody>
+                  <a:tcPr marL="59675" marR="59675" marT="0" marB="0"/>
+                </a:tc>
+                <a:tc>
+                  <a:txBody>
+                    <a:bodyPr/>
+                    <a:lstStyle/>
+                    <a:p>
+                      <a:pPr marL="0" marR="0">
+                        <a:lnSpc>
+                          <a:spcPct val="150000"/>
+                        </a:lnSpc>
+                        <a:spcBef>
+                          <a:spcPts val="0"/>
+                        </a:spcBef>
+                        <a:spcAft>
+                          <a:spcPts val="0"/>
+                        </a:spcAft>
+                      </a:pPr>
+                      <a:r>
+                        <a:rPr lang="en-US" sz="1000">
+                          <a:effectLst/>
+                        </a:rPr>
+                        <a:t>Varchar </a:t>
+                      </a:r>
+                      <a:endParaRPr lang="en-US" sz="1000">
+                        <a:effectLst/>
+                        <a:latin typeface="Calibri" panose="020F0502020204030204" pitchFamily="34" charset="0"/>
+                        <a:ea typeface="Calibri" panose="020F0502020204030204" pitchFamily="34" charset="0"/>
+                        <a:cs typeface="Times New Roman" panose="02020603050405020304" pitchFamily="18" charset="0"/>
+                      </a:endParaRPr>
+                    </a:p>
+                  </a:txBody>
+                  <a:tcPr marL="59675" marR="59675" marT="0" marB="0"/>
+                </a:tc>
+                <a:tc>
+                  <a:txBody>
+                    <a:bodyPr/>
+                    <a:lstStyle/>
+                    <a:p>
+                      <a:pPr marL="0" marR="0">
+                        <a:lnSpc>
+                          <a:spcPct val="150000"/>
+                        </a:lnSpc>
+                        <a:spcBef>
+                          <a:spcPts val="0"/>
+                        </a:spcBef>
+                        <a:spcAft>
+                          <a:spcPts val="0"/>
+                        </a:spcAft>
+                      </a:pPr>
+                      <a:r>
+                        <a:rPr lang="en-US" sz="1000">
+                          <a:effectLst/>
+                        </a:rPr>
+                        <a:t>20</a:t>
+                      </a:r>
+                      <a:endParaRPr lang="en-US" sz="1000">
+                        <a:effectLst/>
+                        <a:latin typeface="Calibri" panose="020F0502020204030204" pitchFamily="34" charset="0"/>
+                        <a:ea typeface="Calibri" panose="020F0502020204030204" pitchFamily="34" charset="0"/>
+                        <a:cs typeface="Times New Roman" panose="02020603050405020304" pitchFamily="18" charset="0"/>
+                      </a:endParaRPr>
+                    </a:p>
+                  </a:txBody>
+                  <a:tcPr marL="59675" marR="59675" marT="0" marB="0"/>
+                </a:tc>
+                <a:tc>
+                  <a:txBody>
+                    <a:bodyPr/>
+                    <a:lstStyle/>
+                    <a:p>
+                      <a:pPr marL="0" marR="0">
+                        <a:lnSpc>
+                          <a:spcPct val="150000"/>
+                        </a:lnSpc>
+                        <a:spcBef>
+                          <a:spcPts val="0"/>
+                        </a:spcBef>
+                        <a:spcAft>
+                          <a:spcPts val="0"/>
+                        </a:spcAft>
+                      </a:pPr>
+                      <a:r>
+                        <a:rPr lang="en-US" sz="1000">
+                          <a:effectLst/>
+                        </a:rPr>
+                        <a:t>Not null</a:t>
+                      </a:r>
+                      <a:endParaRPr lang="en-US" sz="1000">
+                        <a:effectLst/>
+                        <a:latin typeface="Calibri" panose="020F0502020204030204" pitchFamily="34" charset="0"/>
+                        <a:ea typeface="Calibri" panose="020F0502020204030204" pitchFamily="34" charset="0"/>
+                        <a:cs typeface="Times New Roman" panose="02020603050405020304" pitchFamily="18" charset="0"/>
+                      </a:endParaRPr>
+                    </a:p>
+                  </a:txBody>
+                  <a:tcPr marL="59675" marR="59675" marT="0" marB="0"/>
+                </a:tc>
+                <a:extLst>
+                  <a:ext uri="{0D108BD9-81ED-4DB2-BD59-A6C34878D82A}">
+                    <a16:rowId xmlns:a16="http://schemas.microsoft.com/office/drawing/2014/main" val="2327728645"/>
+                  </a:ext>
+                </a:extLst>
+              </a:tr>
+              <a:tr h="232930">
+                <a:tc>
+                  <a:txBody>
+                    <a:bodyPr/>
+                    <a:lstStyle/>
+                    <a:p>
+                      <a:pPr marL="0" marR="0">
+                        <a:lnSpc>
+                          <a:spcPct val="150000"/>
+                        </a:lnSpc>
+                        <a:spcBef>
+                          <a:spcPts val="0"/>
+                        </a:spcBef>
+                        <a:spcAft>
+                          <a:spcPts val="0"/>
+                        </a:spcAft>
+                      </a:pPr>
+                      <a:r>
+                        <a:rPr lang="en-US" sz="1000">
+                          <a:effectLst/>
+                        </a:rPr>
+                        <a:t>Contact number</a:t>
+                      </a:r>
+                      <a:endParaRPr lang="en-US" sz="1000">
+                        <a:effectLst/>
+                        <a:latin typeface="Calibri" panose="020F0502020204030204" pitchFamily="34" charset="0"/>
+                        <a:ea typeface="Calibri" panose="020F0502020204030204" pitchFamily="34" charset="0"/>
+                        <a:cs typeface="Times New Roman" panose="02020603050405020304" pitchFamily="18" charset="0"/>
+                      </a:endParaRPr>
+                    </a:p>
+                  </a:txBody>
+                  <a:tcPr marL="59675" marR="59675" marT="0" marB="0"/>
+                </a:tc>
+                <a:tc>
+                  <a:txBody>
+                    <a:bodyPr/>
+                    <a:lstStyle/>
+                    <a:p>
+                      <a:pPr marL="0" marR="0">
+                        <a:lnSpc>
+                          <a:spcPct val="150000"/>
+                        </a:lnSpc>
+                        <a:spcBef>
+                          <a:spcPts val="0"/>
+                        </a:spcBef>
+                        <a:spcAft>
+                          <a:spcPts val="0"/>
+                        </a:spcAft>
+                      </a:pPr>
+                      <a:r>
+                        <a:rPr lang="en-US" sz="1000">
+                          <a:effectLst/>
+                        </a:rPr>
+                        <a:t>Int</a:t>
+                      </a:r>
+                      <a:endParaRPr lang="en-US" sz="1000">
+                        <a:effectLst/>
+                        <a:latin typeface="Calibri" panose="020F0502020204030204" pitchFamily="34" charset="0"/>
+                        <a:ea typeface="Calibri" panose="020F0502020204030204" pitchFamily="34" charset="0"/>
+                        <a:cs typeface="Times New Roman" panose="02020603050405020304" pitchFamily="18" charset="0"/>
+                      </a:endParaRPr>
+                    </a:p>
+                  </a:txBody>
+                  <a:tcPr marL="59675" marR="59675" marT="0" marB="0"/>
+                </a:tc>
+                <a:tc>
+                  <a:txBody>
+                    <a:bodyPr/>
+                    <a:lstStyle/>
+                    <a:p>
+                      <a:pPr marL="0" marR="0">
+                        <a:lnSpc>
+                          <a:spcPct val="150000"/>
+                        </a:lnSpc>
+                        <a:spcBef>
+                          <a:spcPts val="0"/>
+                        </a:spcBef>
+                        <a:spcAft>
+                          <a:spcPts val="0"/>
+                        </a:spcAft>
+                      </a:pPr>
+                      <a:r>
+                        <a:rPr lang="en-US" sz="1000">
+                          <a:effectLst/>
+                        </a:rPr>
+                        <a:t>10</a:t>
+                      </a:r>
+                      <a:endParaRPr lang="en-US" sz="1000">
+                        <a:effectLst/>
+                        <a:latin typeface="Calibri" panose="020F0502020204030204" pitchFamily="34" charset="0"/>
+                        <a:ea typeface="Calibri" panose="020F0502020204030204" pitchFamily="34" charset="0"/>
+                        <a:cs typeface="Times New Roman" panose="02020603050405020304" pitchFamily="18" charset="0"/>
+                      </a:endParaRPr>
+                    </a:p>
+                  </a:txBody>
+                  <a:tcPr marL="59675" marR="59675" marT="0" marB="0"/>
+                </a:tc>
+                <a:tc>
+                  <a:txBody>
+                    <a:bodyPr/>
+                    <a:lstStyle/>
+                    <a:p>
+                      <a:pPr marL="0" marR="0">
+                        <a:lnSpc>
+                          <a:spcPct val="150000"/>
+                        </a:lnSpc>
+                        <a:spcBef>
+                          <a:spcPts val="0"/>
+                        </a:spcBef>
+                        <a:spcAft>
+                          <a:spcPts val="0"/>
+                        </a:spcAft>
+                      </a:pPr>
+                      <a:r>
+                        <a:rPr lang="en-US" sz="1000">
+                          <a:effectLst/>
+                        </a:rPr>
+                        <a:t>Not null</a:t>
+                      </a:r>
+                      <a:endParaRPr lang="en-US" sz="1000">
+                        <a:effectLst/>
+                        <a:latin typeface="Calibri" panose="020F0502020204030204" pitchFamily="34" charset="0"/>
+                        <a:ea typeface="Calibri" panose="020F0502020204030204" pitchFamily="34" charset="0"/>
+                        <a:cs typeface="Times New Roman" panose="02020603050405020304" pitchFamily="18" charset="0"/>
+                      </a:endParaRPr>
+                    </a:p>
+                  </a:txBody>
+                  <a:tcPr marL="59675" marR="59675" marT="0" marB="0"/>
+                </a:tc>
+                <a:extLst>
+                  <a:ext uri="{0D108BD9-81ED-4DB2-BD59-A6C34878D82A}">
+                    <a16:rowId xmlns:a16="http://schemas.microsoft.com/office/drawing/2014/main" val="1026281505"/>
+                  </a:ext>
+                </a:extLst>
+              </a:tr>
+              <a:tr h="232930">
+                <a:tc>
+                  <a:txBody>
+                    <a:bodyPr/>
+                    <a:lstStyle/>
+                    <a:p>
+                      <a:pPr marL="0" marR="0">
+                        <a:lnSpc>
+                          <a:spcPct val="150000"/>
+                        </a:lnSpc>
+                        <a:spcBef>
+                          <a:spcPts val="0"/>
+                        </a:spcBef>
+                        <a:spcAft>
+                          <a:spcPts val="0"/>
+                        </a:spcAft>
+                      </a:pPr>
+                      <a:r>
+                        <a:rPr lang="en-US" sz="1000">
+                          <a:effectLst/>
+                        </a:rPr>
+                        <a:t>Address 1</a:t>
+                      </a:r>
+                      <a:endParaRPr lang="en-US" sz="1000">
+                        <a:effectLst/>
+                        <a:latin typeface="Calibri" panose="020F0502020204030204" pitchFamily="34" charset="0"/>
+                        <a:ea typeface="Calibri" panose="020F0502020204030204" pitchFamily="34" charset="0"/>
+                        <a:cs typeface="Times New Roman" panose="02020603050405020304" pitchFamily="18" charset="0"/>
+                      </a:endParaRPr>
+                    </a:p>
+                  </a:txBody>
+                  <a:tcPr marL="59675" marR="59675" marT="0" marB="0"/>
+                </a:tc>
+                <a:tc>
+                  <a:txBody>
+                    <a:bodyPr/>
+                    <a:lstStyle/>
+                    <a:p>
+                      <a:pPr marL="0" marR="0">
+                        <a:lnSpc>
+                          <a:spcPct val="150000"/>
+                        </a:lnSpc>
+                        <a:spcBef>
+                          <a:spcPts val="0"/>
+                        </a:spcBef>
+                        <a:spcAft>
+                          <a:spcPts val="0"/>
+                        </a:spcAft>
+                      </a:pPr>
+                      <a:r>
+                        <a:rPr lang="en-US" sz="1000">
+                          <a:effectLst/>
+                        </a:rPr>
+                        <a:t>Varchar </a:t>
+                      </a:r>
+                      <a:endParaRPr lang="en-US" sz="1000">
+                        <a:effectLst/>
+                        <a:latin typeface="Calibri" panose="020F0502020204030204" pitchFamily="34" charset="0"/>
+                        <a:ea typeface="Calibri" panose="020F0502020204030204" pitchFamily="34" charset="0"/>
+                        <a:cs typeface="Times New Roman" panose="02020603050405020304" pitchFamily="18" charset="0"/>
+                      </a:endParaRPr>
+                    </a:p>
+                  </a:txBody>
+                  <a:tcPr marL="59675" marR="59675" marT="0" marB="0"/>
+                </a:tc>
+                <a:tc>
+                  <a:txBody>
+                    <a:bodyPr/>
+                    <a:lstStyle/>
+                    <a:p>
+                      <a:pPr marL="0" marR="0">
+                        <a:lnSpc>
+                          <a:spcPct val="150000"/>
+                        </a:lnSpc>
+                        <a:spcBef>
+                          <a:spcPts val="0"/>
+                        </a:spcBef>
+                        <a:spcAft>
+                          <a:spcPts val="0"/>
+                        </a:spcAft>
+                      </a:pPr>
+                      <a:r>
+                        <a:rPr lang="en-US" sz="1000">
+                          <a:effectLst/>
+                        </a:rPr>
+                        <a:t>30</a:t>
+                      </a:r>
+                      <a:endParaRPr lang="en-US" sz="1000">
+                        <a:effectLst/>
+                        <a:latin typeface="Calibri" panose="020F0502020204030204" pitchFamily="34" charset="0"/>
+                        <a:ea typeface="Calibri" panose="020F0502020204030204" pitchFamily="34" charset="0"/>
+                        <a:cs typeface="Times New Roman" panose="02020603050405020304" pitchFamily="18" charset="0"/>
+                      </a:endParaRPr>
+                    </a:p>
+                  </a:txBody>
+                  <a:tcPr marL="59675" marR="59675" marT="0" marB="0"/>
+                </a:tc>
+                <a:tc>
+                  <a:txBody>
+                    <a:bodyPr/>
+                    <a:lstStyle/>
+                    <a:p>
+                      <a:pPr marL="0" marR="0">
+                        <a:lnSpc>
+                          <a:spcPct val="150000"/>
+                        </a:lnSpc>
+                        <a:spcBef>
+                          <a:spcPts val="0"/>
+                        </a:spcBef>
+                        <a:spcAft>
+                          <a:spcPts val="0"/>
+                        </a:spcAft>
+                      </a:pPr>
+                      <a:r>
+                        <a:rPr lang="en-US" sz="1000">
+                          <a:effectLst/>
+                        </a:rPr>
+                        <a:t>Not null</a:t>
+                      </a:r>
+                      <a:endParaRPr lang="en-US" sz="1000">
+                        <a:effectLst/>
+                        <a:latin typeface="Calibri" panose="020F0502020204030204" pitchFamily="34" charset="0"/>
+                        <a:ea typeface="Calibri" panose="020F0502020204030204" pitchFamily="34" charset="0"/>
+                        <a:cs typeface="Times New Roman" panose="02020603050405020304" pitchFamily="18" charset="0"/>
+                      </a:endParaRPr>
+                    </a:p>
+                  </a:txBody>
+                  <a:tcPr marL="59675" marR="59675" marT="0" marB="0"/>
+                </a:tc>
+                <a:extLst>
+                  <a:ext uri="{0D108BD9-81ED-4DB2-BD59-A6C34878D82A}">
+                    <a16:rowId xmlns:a16="http://schemas.microsoft.com/office/drawing/2014/main" val="3548412454"/>
+                  </a:ext>
+                </a:extLst>
+              </a:tr>
+              <a:tr h="232930">
+                <a:tc>
+                  <a:txBody>
+                    <a:bodyPr/>
+                    <a:lstStyle/>
+                    <a:p>
+                      <a:pPr marL="0" marR="0">
+                        <a:lnSpc>
+                          <a:spcPct val="150000"/>
+                        </a:lnSpc>
+                        <a:spcBef>
+                          <a:spcPts val="0"/>
+                        </a:spcBef>
+                        <a:spcAft>
+                          <a:spcPts val="0"/>
+                        </a:spcAft>
+                      </a:pPr>
+                      <a:r>
+                        <a:rPr lang="en-US" sz="1000">
+                          <a:effectLst/>
+                        </a:rPr>
+                        <a:t>Address 2</a:t>
+                      </a:r>
+                      <a:endParaRPr lang="en-US" sz="1000">
+                        <a:effectLst/>
+                        <a:latin typeface="Calibri" panose="020F0502020204030204" pitchFamily="34" charset="0"/>
+                        <a:ea typeface="Calibri" panose="020F0502020204030204" pitchFamily="34" charset="0"/>
+                        <a:cs typeface="Times New Roman" panose="02020603050405020304" pitchFamily="18" charset="0"/>
+                      </a:endParaRPr>
+                    </a:p>
+                  </a:txBody>
+                  <a:tcPr marL="59675" marR="59675" marT="0" marB="0"/>
+                </a:tc>
+                <a:tc>
+                  <a:txBody>
+                    <a:bodyPr/>
+                    <a:lstStyle/>
+                    <a:p>
+                      <a:pPr marL="0" marR="0">
+                        <a:lnSpc>
+                          <a:spcPct val="150000"/>
+                        </a:lnSpc>
+                        <a:spcBef>
+                          <a:spcPts val="0"/>
+                        </a:spcBef>
+                        <a:spcAft>
+                          <a:spcPts val="0"/>
+                        </a:spcAft>
+                      </a:pPr>
+                      <a:r>
+                        <a:rPr lang="en-US" sz="1000">
+                          <a:effectLst/>
+                        </a:rPr>
+                        <a:t>Varchar </a:t>
+                      </a:r>
+                      <a:endParaRPr lang="en-US" sz="1000">
+                        <a:effectLst/>
+                        <a:latin typeface="Calibri" panose="020F0502020204030204" pitchFamily="34" charset="0"/>
+                        <a:ea typeface="Calibri" panose="020F0502020204030204" pitchFamily="34" charset="0"/>
+                        <a:cs typeface="Times New Roman" panose="02020603050405020304" pitchFamily="18" charset="0"/>
+                      </a:endParaRPr>
+                    </a:p>
+                  </a:txBody>
+                  <a:tcPr marL="59675" marR="59675" marT="0" marB="0"/>
+                </a:tc>
+                <a:tc>
+                  <a:txBody>
+                    <a:bodyPr/>
+                    <a:lstStyle/>
+                    <a:p>
+                      <a:pPr marL="0" marR="0">
+                        <a:lnSpc>
+                          <a:spcPct val="150000"/>
+                        </a:lnSpc>
+                        <a:spcBef>
+                          <a:spcPts val="0"/>
+                        </a:spcBef>
+                        <a:spcAft>
+                          <a:spcPts val="0"/>
+                        </a:spcAft>
+                      </a:pPr>
+                      <a:r>
+                        <a:rPr lang="en-US" sz="1000">
+                          <a:effectLst/>
+                        </a:rPr>
+                        <a:t>30</a:t>
+                      </a:r>
+                      <a:endParaRPr lang="en-US" sz="1000">
+                        <a:effectLst/>
+                        <a:latin typeface="Calibri" panose="020F0502020204030204" pitchFamily="34" charset="0"/>
+                        <a:ea typeface="Calibri" panose="020F0502020204030204" pitchFamily="34" charset="0"/>
+                        <a:cs typeface="Times New Roman" panose="02020603050405020304" pitchFamily="18" charset="0"/>
+                      </a:endParaRPr>
+                    </a:p>
+                  </a:txBody>
+                  <a:tcPr marL="59675" marR="59675" marT="0" marB="0"/>
+                </a:tc>
+                <a:tc>
+                  <a:txBody>
+                    <a:bodyPr/>
+                    <a:lstStyle/>
+                    <a:p>
+                      <a:pPr marL="0" marR="0">
+                        <a:lnSpc>
+                          <a:spcPct val="150000"/>
+                        </a:lnSpc>
+                        <a:spcBef>
+                          <a:spcPts val="0"/>
+                        </a:spcBef>
+                        <a:spcAft>
+                          <a:spcPts val="0"/>
+                        </a:spcAft>
+                      </a:pPr>
+                      <a:r>
+                        <a:rPr lang="en-US" sz="1000">
+                          <a:effectLst/>
+                        </a:rPr>
+                        <a:t>Not null</a:t>
+                      </a:r>
+                      <a:endParaRPr lang="en-US" sz="1000">
+                        <a:effectLst/>
+                        <a:latin typeface="Calibri" panose="020F0502020204030204" pitchFamily="34" charset="0"/>
+                        <a:ea typeface="Calibri" panose="020F0502020204030204" pitchFamily="34" charset="0"/>
+                        <a:cs typeface="Times New Roman" panose="02020603050405020304" pitchFamily="18" charset="0"/>
+                      </a:endParaRPr>
+                    </a:p>
+                  </a:txBody>
+                  <a:tcPr marL="59675" marR="59675" marT="0" marB="0"/>
+                </a:tc>
+                <a:extLst>
+                  <a:ext uri="{0D108BD9-81ED-4DB2-BD59-A6C34878D82A}">
+                    <a16:rowId xmlns:a16="http://schemas.microsoft.com/office/drawing/2014/main" val="1217039089"/>
+                  </a:ext>
+                </a:extLst>
+              </a:tr>
+              <a:tr h="232930">
+                <a:tc>
+                  <a:txBody>
+                    <a:bodyPr/>
+                    <a:lstStyle/>
+                    <a:p>
+                      <a:pPr marL="0" marR="0">
+                        <a:lnSpc>
+                          <a:spcPct val="150000"/>
+                        </a:lnSpc>
+                        <a:spcBef>
+                          <a:spcPts val="0"/>
+                        </a:spcBef>
+                        <a:spcAft>
+                          <a:spcPts val="0"/>
+                        </a:spcAft>
+                      </a:pPr>
+                      <a:r>
+                        <a:rPr lang="en-US" sz="1000">
+                          <a:effectLst/>
+                        </a:rPr>
+                        <a:t>Area name</a:t>
+                      </a:r>
+                      <a:endParaRPr lang="en-US" sz="1000">
+                        <a:effectLst/>
+                        <a:latin typeface="Calibri" panose="020F0502020204030204" pitchFamily="34" charset="0"/>
+                        <a:ea typeface="Calibri" panose="020F0502020204030204" pitchFamily="34" charset="0"/>
+                        <a:cs typeface="Times New Roman" panose="02020603050405020304" pitchFamily="18" charset="0"/>
+                      </a:endParaRPr>
+                    </a:p>
+                  </a:txBody>
+                  <a:tcPr marL="59675" marR="59675" marT="0" marB="0"/>
+                </a:tc>
+                <a:tc>
+                  <a:txBody>
+                    <a:bodyPr/>
+                    <a:lstStyle/>
+                    <a:p>
+                      <a:pPr marL="0" marR="0">
+                        <a:lnSpc>
+                          <a:spcPct val="150000"/>
+                        </a:lnSpc>
+                        <a:spcBef>
+                          <a:spcPts val="0"/>
+                        </a:spcBef>
+                        <a:spcAft>
+                          <a:spcPts val="0"/>
+                        </a:spcAft>
+                      </a:pPr>
+                      <a:r>
+                        <a:rPr lang="en-US" sz="1000">
+                          <a:effectLst/>
+                        </a:rPr>
+                        <a:t>Varchar </a:t>
+                      </a:r>
+                      <a:endParaRPr lang="en-US" sz="1000">
+                        <a:effectLst/>
+                        <a:latin typeface="Calibri" panose="020F0502020204030204" pitchFamily="34" charset="0"/>
+                        <a:ea typeface="Calibri" panose="020F0502020204030204" pitchFamily="34" charset="0"/>
+                        <a:cs typeface="Times New Roman" panose="02020603050405020304" pitchFamily="18" charset="0"/>
+                      </a:endParaRPr>
+                    </a:p>
+                  </a:txBody>
+                  <a:tcPr marL="59675" marR="59675" marT="0" marB="0"/>
+                </a:tc>
+                <a:tc>
+                  <a:txBody>
+                    <a:bodyPr/>
+                    <a:lstStyle/>
+                    <a:p>
+                      <a:pPr marL="0" marR="0">
+                        <a:lnSpc>
+                          <a:spcPct val="150000"/>
+                        </a:lnSpc>
+                        <a:spcBef>
+                          <a:spcPts val="0"/>
+                        </a:spcBef>
+                        <a:spcAft>
+                          <a:spcPts val="0"/>
+                        </a:spcAft>
+                      </a:pPr>
+                      <a:r>
+                        <a:rPr lang="en-US" sz="1000">
+                          <a:effectLst/>
+                        </a:rPr>
+                        <a:t>30</a:t>
+                      </a:r>
+                      <a:endParaRPr lang="en-US" sz="1000">
+                        <a:effectLst/>
+                        <a:latin typeface="Calibri" panose="020F0502020204030204" pitchFamily="34" charset="0"/>
+                        <a:ea typeface="Calibri" panose="020F0502020204030204" pitchFamily="34" charset="0"/>
+                        <a:cs typeface="Times New Roman" panose="02020603050405020304" pitchFamily="18" charset="0"/>
+                      </a:endParaRPr>
+                    </a:p>
+                  </a:txBody>
+                  <a:tcPr marL="59675" marR="59675" marT="0" marB="0"/>
+                </a:tc>
+                <a:tc>
+                  <a:txBody>
+                    <a:bodyPr/>
+                    <a:lstStyle/>
+                    <a:p>
+                      <a:pPr marL="0" marR="0">
+                        <a:lnSpc>
+                          <a:spcPct val="150000"/>
+                        </a:lnSpc>
+                        <a:spcBef>
+                          <a:spcPts val="0"/>
+                        </a:spcBef>
+                        <a:spcAft>
+                          <a:spcPts val="0"/>
+                        </a:spcAft>
+                      </a:pPr>
+                      <a:r>
+                        <a:rPr lang="en-US" sz="1000">
+                          <a:effectLst/>
+                        </a:rPr>
+                        <a:t>Not null</a:t>
+                      </a:r>
+                      <a:endParaRPr lang="en-US" sz="1000">
+                        <a:effectLst/>
+                        <a:latin typeface="Calibri" panose="020F0502020204030204" pitchFamily="34" charset="0"/>
+                        <a:ea typeface="Calibri" panose="020F0502020204030204" pitchFamily="34" charset="0"/>
+                        <a:cs typeface="Times New Roman" panose="02020603050405020304" pitchFamily="18" charset="0"/>
+                      </a:endParaRPr>
+                    </a:p>
+                  </a:txBody>
+                  <a:tcPr marL="59675" marR="59675" marT="0" marB="0"/>
+                </a:tc>
+                <a:extLst>
+                  <a:ext uri="{0D108BD9-81ED-4DB2-BD59-A6C34878D82A}">
+                    <a16:rowId xmlns:a16="http://schemas.microsoft.com/office/drawing/2014/main" val="2783113389"/>
+                  </a:ext>
+                </a:extLst>
+              </a:tr>
+              <a:tr h="232930">
+                <a:tc>
+                  <a:txBody>
+                    <a:bodyPr/>
+                    <a:lstStyle/>
+                    <a:p>
+                      <a:pPr marL="0" marR="0">
+                        <a:lnSpc>
+                          <a:spcPct val="150000"/>
+                        </a:lnSpc>
+                        <a:spcBef>
+                          <a:spcPts val="0"/>
+                        </a:spcBef>
+                        <a:spcAft>
+                          <a:spcPts val="0"/>
+                        </a:spcAft>
+                      </a:pPr>
+                      <a:r>
+                        <a:rPr lang="en-US" sz="1000">
+                          <a:effectLst/>
+                        </a:rPr>
+                        <a:t>City name</a:t>
+                      </a:r>
+                      <a:endParaRPr lang="en-US" sz="1000">
+                        <a:effectLst/>
+                        <a:latin typeface="Calibri" panose="020F0502020204030204" pitchFamily="34" charset="0"/>
+                        <a:ea typeface="Calibri" panose="020F0502020204030204" pitchFamily="34" charset="0"/>
+                        <a:cs typeface="Times New Roman" panose="02020603050405020304" pitchFamily="18" charset="0"/>
+                      </a:endParaRPr>
+                    </a:p>
+                  </a:txBody>
+                  <a:tcPr marL="59675" marR="59675" marT="0" marB="0"/>
+                </a:tc>
+                <a:tc>
+                  <a:txBody>
+                    <a:bodyPr/>
+                    <a:lstStyle/>
+                    <a:p>
+                      <a:pPr marL="0" marR="0">
+                        <a:lnSpc>
+                          <a:spcPct val="150000"/>
+                        </a:lnSpc>
+                        <a:spcBef>
+                          <a:spcPts val="0"/>
+                        </a:spcBef>
+                        <a:spcAft>
+                          <a:spcPts val="0"/>
+                        </a:spcAft>
+                      </a:pPr>
+                      <a:r>
+                        <a:rPr lang="en-US" sz="1000">
+                          <a:effectLst/>
+                        </a:rPr>
+                        <a:t>Varchar </a:t>
+                      </a:r>
+                      <a:endParaRPr lang="en-US" sz="1000">
+                        <a:effectLst/>
+                        <a:latin typeface="Calibri" panose="020F0502020204030204" pitchFamily="34" charset="0"/>
+                        <a:ea typeface="Calibri" panose="020F0502020204030204" pitchFamily="34" charset="0"/>
+                        <a:cs typeface="Times New Roman" panose="02020603050405020304" pitchFamily="18" charset="0"/>
+                      </a:endParaRPr>
+                    </a:p>
+                  </a:txBody>
+                  <a:tcPr marL="59675" marR="59675" marT="0" marB="0"/>
+                </a:tc>
+                <a:tc>
+                  <a:txBody>
+                    <a:bodyPr/>
+                    <a:lstStyle/>
+                    <a:p>
+                      <a:pPr marL="0" marR="0">
+                        <a:lnSpc>
+                          <a:spcPct val="150000"/>
+                        </a:lnSpc>
+                        <a:spcBef>
+                          <a:spcPts val="0"/>
+                        </a:spcBef>
+                        <a:spcAft>
+                          <a:spcPts val="0"/>
+                        </a:spcAft>
+                      </a:pPr>
+                      <a:r>
+                        <a:rPr lang="en-US" sz="1000">
+                          <a:effectLst/>
+                        </a:rPr>
+                        <a:t>20</a:t>
+                      </a:r>
+                      <a:endParaRPr lang="en-US" sz="1000">
+                        <a:effectLst/>
+                        <a:latin typeface="Calibri" panose="020F0502020204030204" pitchFamily="34" charset="0"/>
+                        <a:ea typeface="Calibri" panose="020F0502020204030204" pitchFamily="34" charset="0"/>
+                        <a:cs typeface="Times New Roman" panose="02020603050405020304" pitchFamily="18" charset="0"/>
+                      </a:endParaRPr>
+                    </a:p>
+                  </a:txBody>
+                  <a:tcPr marL="59675" marR="59675" marT="0" marB="0"/>
+                </a:tc>
+                <a:tc>
+                  <a:txBody>
+                    <a:bodyPr/>
+                    <a:lstStyle/>
+                    <a:p>
+                      <a:pPr marL="0" marR="0">
+                        <a:lnSpc>
+                          <a:spcPct val="150000"/>
+                        </a:lnSpc>
+                        <a:spcBef>
+                          <a:spcPts val="0"/>
+                        </a:spcBef>
+                        <a:spcAft>
+                          <a:spcPts val="0"/>
+                        </a:spcAft>
+                      </a:pPr>
+                      <a:r>
+                        <a:rPr lang="en-US" sz="1000">
+                          <a:effectLst/>
+                        </a:rPr>
+                        <a:t>Not null</a:t>
+                      </a:r>
+                      <a:endParaRPr lang="en-US" sz="1000">
+                        <a:effectLst/>
+                        <a:latin typeface="Calibri" panose="020F0502020204030204" pitchFamily="34" charset="0"/>
+                        <a:ea typeface="Calibri" panose="020F0502020204030204" pitchFamily="34" charset="0"/>
+                        <a:cs typeface="Times New Roman" panose="02020603050405020304" pitchFamily="18" charset="0"/>
+                      </a:endParaRPr>
+                    </a:p>
+                  </a:txBody>
+                  <a:tcPr marL="59675" marR="59675" marT="0" marB="0"/>
+                </a:tc>
+                <a:extLst>
+                  <a:ext uri="{0D108BD9-81ED-4DB2-BD59-A6C34878D82A}">
+                    <a16:rowId xmlns:a16="http://schemas.microsoft.com/office/drawing/2014/main" val="1080887378"/>
+                  </a:ext>
+                </a:extLst>
+              </a:tr>
+              <a:tr h="232930">
+                <a:tc>
+                  <a:txBody>
+                    <a:bodyPr/>
+                    <a:lstStyle/>
+                    <a:p>
+                      <a:pPr marL="0" marR="0">
+                        <a:lnSpc>
+                          <a:spcPct val="150000"/>
+                        </a:lnSpc>
+                        <a:spcBef>
+                          <a:spcPts val="0"/>
+                        </a:spcBef>
+                        <a:spcAft>
+                          <a:spcPts val="0"/>
+                        </a:spcAft>
+                      </a:pPr>
+                      <a:r>
+                        <a:rPr lang="en-US" sz="1000">
+                          <a:effectLst/>
+                        </a:rPr>
+                        <a:t>District name</a:t>
+                      </a:r>
+                      <a:endParaRPr lang="en-US" sz="1000">
+                        <a:effectLst/>
+                        <a:latin typeface="Calibri" panose="020F0502020204030204" pitchFamily="34" charset="0"/>
+                        <a:ea typeface="Calibri" panose="020F0502020204030204" pitchFamily="34" charset="0"/>
+                        <a:cs typeface="Times New Roman" panose="02020603050405020304" pitchFamily="18" charset="0"/>
+                      </a:endParaRPr>
+                    </a:p>
+                  </a:txBody>
+                  <a:tcPr marL="59675" marR="59675" marT="0" marB="0"/>
+                </a:tc>
+                <a:tc>
+                  <a:txBody>
+                    <a:bodyPr/>
+                    <a:lstStyle/>
+                    <a:p>
+                      <a:pPr marL="0" marR="0">
+                        <a:lnSpc>
+                          <a:spcPct val="150000"/>
+                        </a:lnSpc>
+                        <a:spcBef>
+                          <a:spcPts val="0"/>
+                        </a:spcBef>
+                        <a:spcAft>
+                          <a:spcPts val="0"/>
+                        </a:spcAft>
+                      </a:pPr>
+                      <a:r>
+                        <a:rPr lang="en-US" sz="1000">
+                          <a:effectLst/>
+                        </a:rPr>
+                        <a:t>Varchar </a:t>
+                      </a:r>
+                      <a:endParaRPr lang="en-US" sz="1000">
+                        <a:effectLst/>
+                        <a:latin typeface="Calibri" panose="020F0502020204030204" pitchFamily="34" charset="0"/>
+                        <a:ea typeface="Calibri" panose="020F0502020204030204" pitchFamily="34" charset="0"/>
+                        <a:cs typeface="Times New Roman" panose="02020603050405020304" pitchFamily="18" charset="0"/>
+                      </a:endParaRPr>
+                    </a:p>
+                  </a:txBody>
+                  <a:tcPr marL="59675" marR="59675" marT="0" marB="0"/>
+                </a:tc>
+                <a:tc>
+                  <a:txBody>
+                    <a:bodyPr/>
+                    <a:lstStyle/>
+                    <a:p>
+                      <a:pPr marL="0" marR="0">
+                        <a:lnSpc>
+                          <a:spcPct val="150000"/>
+                        </a:lnSpc>
+                        <a:spcBef>
+                          <a:spcPts val="0"/>
+                        </a:spcBef>
+                        <a:spcAft>
+                          <a:spcPts val="0"/>
+                        </a:spcAft>
+                      </a:pPr>
+                      <a:r>
+                        <a:rPr lang="en-US" sz="1000">
+                          <a:effectLst/>
+                        </a:rPr>
+                        <a:t>30</a:t>
+                      </a:r>
+                      <a:endParaRPr lang="en-US" sz="1000">
+                        <a:effectLst/>
+                        <a:latin typeface="Calibri" panose="020F0502020204030204" pitchFamily="34" charset="0"/>
+                        <a:ea typeface="Calibri" panose="020F0502020204030204" pitchFamily="34" charset="0"/>
+                        <a:cs typeface="Times New Roman" panose="02020603050405020304" pitchFamily="18" charset="0"/>
+                      </a:endParaRPr>
+                    </a:p>
+                  </a:txBody>
+                  <a:tcPr marL="59675" marR="59675" marT="0" marB="0"/>
+                </a:tc>
+                <a:tc>
+                  <a:txBody>
+                    <a:bodyPr/>
+                    <a:lstStyle/>
+                    <a:p>
+                      <a:pPr marL="0" marR="0">
+                        <a:lnSpc>
+                          <a:spcPct val="150000"/>
+                        </a:lnSpc>
+                        <a:spcBef>
+                          <a:spcPts val="0"/>
+                        </a:spcBef>
+                        <a:spcAft>
+                          <a:spcPts val="0"/>
+                        </a:spcAft>
+                      </a:pPr>
+                      <a:r>
+                        <a:rPr lang="en-US" sz="1000">
+                          <a:effectLst/>
+                        </a:rPr>
+                        <a:t>Not null</a:t>
+                      </a:r>
+                      <a:endParaRPr lang="en-US" sz="1000">
+                        <a:effectLst/>
+                        <a:latin typeface="Calibri" panose="020F0502020204030204" pitchFamily="34" charset="0"/>
+                        <a:ea typeface="Calibri" panose="020F0502020204030204" pitchFamily="34" charset="0"/>
+                        <a:cs typeface="Times New Roman" panose="02020603050405020304" pitchFamily="18" charset="0"/>
+                      </a:endParaRPr>
+                    </a:p>
+                  </a:txBody>
+                  <a:tcPr marL="59675" marR="59675" marT="0" marB="0"/>
+                </a:tc>
+                <a:extLst>
+                  <a:ext uri="{0D108BD9-81ED-4DB2-BD59-A6C34878D82A}">
+                    <a16:rowId xmlns:a16="http://schemas.microsoft.com/office/drawing/2014/main" val="194867154"/>
+                  </a:ext>
+                </a:extLst>
+              </a:tr>
+              <a:tr h="232930">
+                <a:tc>
+                  <a:txBody>
+                    <a:bodyPr/>
+                    <a:lstStyle/>
+                    <a:p>
+                      <a:pPr marL="0" marR="0">
+                        <a:lnSpc>
+                          <a:spcPct val="150000"/>
+                        </a:lnSpc>
+                        <a:spcBef>
+                          <a:spcPts val="0"/>
+                        </a:spcBef>
+                        <a:spcAft>
+                          <a:spcPts val="0"/>
+                        </a:spcAft>
+                      </a:pPr>
+                      <a:r>
+                        <a:rPr lang="en-US" sz="1000">
+                          <a:effectLst/>
+                        </a:rPr>
+                        <a:t>State name</a:t>
+                      </a:r>
+                      <a:endParaRPr lang="en-US" sz="1000">
+                        <a:effectLst/>
+                        <a:latin typeface="Calibri" panose="020F0502020204030204" pitchFamily="34" charset="0"/>
+                        <a:ea typeface="Calibri" panose="020F0502020204030204" pitchFamily="34" charset="0"/>
+                        <a:cs typeface="Times New Roman" panose="02020603050405020304" pitchFamily="18" charset="0"/>
+                      </a:endParaRPr>
+                    </a:p>
+                  </a:txBody>
+                  <a:tcPr marL="59675" marR="59675" marT="0" marB="0"/>
+                </a:tc>
+                <a:tc>
+                  <a:txBody>
+                    <a:bodyPr/>
+                    <a:lstStyle/>
+                    <a:p>
+                      <a:pPr marL="0" marR="0">
+                        <a:lnSpc>
+                          <a:spcPct val="150000"/>
+                        </a:lnSpc>
+                        <a:spcBef>
+                          <a:spcPts val="0"/>
+                        </a:spcBef>
+                        <a:spcAft>
+                          <a:spcPts val="0"/>
+                        </a:spcAft>
+                      </a:pPr>
+                      <a:r>
+                        <a:rPr lang="en-US" sz="1000">
+                          <a:effectLst/>
+                        </a:rPr>
+                        <a:t>Varchar </a:t>
+                      </a:r>
+                      <a:endParaRPr lang="en-US" sz="1000">
+                        <a:effectLst/>
+                        <a:latin typeface="Calibri" panose="020F0502020204030204" pitchFamily="34" charset="0"/>
+                        <a:ea typeface="Calibri" panose="020F0502020204030204" pitchFamily="34" charset="0"/>
+                        <a:cs typeface="Times New Roman" panose="02020603050405020304" pitchFamily="18" charset="0"/>
+                      </a:endParaRPr>
+                    </a:p>
+                  </a:txBody>
+                  <a:tcPr marL="59675" marR="59675" marT="0" marB="0"/>
+                </a:tc>
+                <a:tc>
+                  <a:txBody>
+                    <a:bodyPr/>
+                    <a:lstStyle/>
+                    <a:p>
+                      <a:pPr marL="0" marR="0">
+                        <a:lnSpc>
+                          <a:spcPct val="150000"/>
+                        </a:lnSpc>
+                        <a:spcBef>
+                          <a:spcPts val="0"/>
+                        </a:spcBef>
+                        <a:spcAft>
+                          <a:spcPts val="0"/>
+                        </a:spcAft>
+                      </a:pPr>
+                      <a:r>
+                        <a:rPr lang="en-US" sz="1000">
+                          <a:effectLst/>
+                        </a:rPr>
+                        <a:t>10</a:t>
+                      </a:r>
+                      <a:endParaRPr lang="en-US" sz="1000">
+                        <a:effectLst/>
+                        <a:latin typeface="Calibri" panose="020F0502020204030204" pitchFamily="34" charset="0"/>
+                        <a:ea typeface="Calibri" panose="020F0502020204030204" pitchFamily="34" charset="0"/>
+                        <a:cs typeface="Times New Roman" panose="02020603050405020304" pitchFamily="18" charset="0"/>
+                      </a:endParaRPr>
+                    </a:p>
+                  </a:txBody>
+                  <a:tcPr marL="59675" marR="59675" marT="0" marB="0"/>
+                </a:tc>
+                <a:tc>
+                  <a:txBody>
+                    <a:bodyPr/>
+                    <a:lstStyle/>
+                    <a:p>
+                      <a:pPr marL="0" marR="0">
+                        <a:lnSpc>
+                          <a:spcPct val="150000"/>
+                        </a:lnSpc>
+                        <a:spcBef>
+                          <a:spcPts val="0"/>
+                        </a:spcBef>
+                        <a:spcAft>
+                          <a:spcPts val="0"/>
+                        </a:spcAft>
+                      </a:pPr>
+                      <a:r>
+                        <a:rPr lang="en-US" sz="1000">
+                          <a:effectLst/>
+                        </a:rPr>
+                        <a:t>Not null</a:t>
+                      </a:r>
+                      <a:endParaRPr lang="en-US" sz="1000">
+                        <a:effectLst/>
+                        <a:latin typeface="Calibri" panose="020F0502020204030204" pitchFamily="34" charset="0"/>
+                        <a:ea typeface="Calibri" panose="020F0502020204030204" pitchFamily="34" charset="0"/>
+                        <a:cs typeface="Times New Roman" panose="02020603050405020304" pitchFamily="18" charset="0"/>
+                      </a:endParaRPr>
+                    </a:p>
+                  </a:txBody>
+                  <a:tcPr marL="59675" marR="59675" marT="0" marB="0"/>
+                </a:tc>
+                <a:extLst>
+                  <a:ext uri="{0D108BD9-81ED-4DB2-BD59-A6C34878D82A}">
+                    <a16:rowId xmlns:a16="http://schemas.microsoft.com/office/drawing/2014/main" val="3822265505"/>
+                  </a:ext>
+                </a:extLst>
+              </a:tr>
+              <a:tr h="232930">
+                <a:tc>
+                  <a:txBody>
+                    <a:bodyPr/>
+                    <a:lstStyle/>
+                    <a:p>
+                      <a:pPr marL="0" marR="0">
+                        <a:lnSpc>
+                          <a:spcPct val="150000"/>
+                        </a:lnSpc>
+                        <a:spcBef>
+                          <a:spcPts val="0"/>
+                        </a:spcBef>
+                        <a:spcAft>
+                          <a:spcPts val="0"/>
+                        </a:spcAft>
+                      </a:pPr>
+                      <a:r>
+                        <a:rPr lang="en-US" sz="1000">
+                          <a:effectLst/>
+                        </a:rPr>
+                        <a:t>Land mark</a:t>
+                      </a:r>
+                      <a:endParaRPr lang="en-US" sz="1000">
+                        <a:effectLst/>
+                        <a:latin typeface="Calibri" panose="020F0502020204030204" pitchFamily="34" charset="0"/>
+                        <a:ea typeface="Calibri" panose="020F0502020204030204" pitchFamily="34" charset="0"/>
+                        <a:cs typeface="Times New Roman" panose="02020603050405020304" pitchFamily="18" charset="0"/>
+                      </a:endParaRPr>
+                    </a:p>
+                  </a:txBody>
+                  <a:tcPr marL="59675" marR="59675" marT="0" marB="0"/>
+                </a:tc>
+                <a:tc>
+                  <a:txBody>
+                    <a:bodyPr/>
+                    <a:lstStyle/>
+                    <a:p>
+                      <a:pPr marL="0" marR="0">
+                        <a:lnSpc>
+                          <a:spcPct val="150000"/>
+                        </a:lnSpc>
+                        <a:spcBef>
+                          <a:spcPts val="0"/>
+                        </a:spcBef>
+                        <a:spcAft>
+                          <a:spcPts val="0"/>
+                        </a:spcAft>
+                      </a:pPr>
+                      <a:r>
+                        <a:rPr lang="en-US" sz="1000">
+                          <a:effectLst/>
+                        </a:rPr>
+                        <a:t>Varchar </a:t>
+                      </a:r>
+                      <a:endParaRPr lang="en-US" sz="1000">
+                        <a:effectLst/>
+                        <a:latin typeface="Calibri" panose="020F0502020204030204" pitchFamily="34" charset="0"/>
+                        <a:ea typeface="Calibri" panose="020F0502020204030204" pitchFamily="34" charset="0"/>
+                        <a:cs typeface="Times New Roman" panose="02020603050405020304" pitchFamily="18" charset="0"/>
+                      </a:endParaRPr>
+                    </a:p>
+                  </a:txBody>
+                  <a:tcPr marL="59675" marR="59675" marT="0" marB="0"/>
+                </a:tc>
+                <a:tc>
+                  <a:txBody>
+                    <a:bodyPr/>
+                    <a:lstStyle/>
+                    <a:p>
+                      <a:pPr marL="0" marR="0">
+                        <a:lnSpc>
+                          <a:spcPct val="150000"/>
+                        </a:lnSpc>
+                        <a:spcBef>
+                          <a:spcPts val="0"/>
+                        </a:spcBef>
+                        <a:spcAft>
+                          <a:spcPts val="0"/>
+                        </a:spcAft>
+                      </a:pPr>
+                      <a:r>
+                        <a:rPr lang="en-US" sz="1000">
+                          <a:effectLst/>
+                        </a:rPr>
+                        <a:t>20</a:t>
+                      </a:r>
+                      <a:endParaRPr lang="en-US" sz="1000">
+                        <a:effectLst/>
+                        <a:latin typeface="Calibri" panose="020F0502020204030204" pitchFamily="34" charset="0"/>
+                        <a:ea typeface="Calibri" panose="020F0502020204030204" pitchFamily="34" charset="0"/>
+                        <a:cs typeface="Times New Roman" panose="02020603050405020304" pitchFamily="18" charset="0"/>
+                      </a:endParaRPr>
+                    </a:p>
+                  </a:txBody>
+                  <a:tcPr marL="59675" marR="59675" marT="0" marB="0"/>
+                </a:tc>
+                <a:tc>
+                  <a:txBody>
+                    <a:bodyPr/>
+                    <a:lstStyle/>
+                    <a:p>
+                      <a:pPr marL="0" marR="0">
+                        <a:lnSpc>
+                          <a:spcPct val="150000"/>
+                        </a:lnSpc>
+                        <a:spcBef>
+                          <a:spcPts val="0"/>
+                        </a:spcBef>
+                        <a:spcAft>
+                          <a:spcPts val="0"/>
+                        </a:spcAft>
+                      </a:pPr>
+                      <a:r>
+                        <a:rPr lang="en-US" sz="1000">
+                          <a:effectLst/>
+                        </a:rPr>
+                        <a:t>Not null</a:t>
+                      </a:r>
+                      <a:endParaRPr lang="en-US" sz="1000">
+                        <a:effectLst/>
+                        <a:latin typeface="Calibri" panose="020F0502020204030204" pitchFamily="34" charset="0"/>
+                        <a:ea typeface="Calibri" panose="020F0502020204030204" pitchFamily="34" charset="0"/>
+                        <a:cs typeface="Times New Roman" panose="02020603050405020304" pitchFamily="18" charset="0"/>
+                      </a:endParaRPr>
+                    </a:p>
+                  </a:txBody>
+                  <a:tcPr marL="59675" marR="59675" marT="0" marB="0"/>
+                </a:tc>
+                <a:extLst>
+                  <a:ext uri="{0D108BD9-81ED-4DB2-BD59-A6C34878D82A}">
+                    <a16:rowId xmlns:a16="http://schemas.microsoft.com/office/drawing/2014/main" val="2941791057"/>
+                  </a:ext>
+                </a:extLst>
+              </a:tr>
+              <a:tr h="232930">
+                <a:tc>
+                  <a:txBody>
+                    <a:bodyPr/>
+                    <a:lstStyle/>
+                    <a:p>
+                      <a:pPr marL="0" marR="0">
+                        <a:lnSpc>
+                          <a:spcPct val="150000"/>
+                        </a:lnSpc>
+                        <a:spcBef>
+                          <a:spcPts val="0"/>
+                        </a:spcBef>
+                        <a:spcAft>
+                          <a:spcPts val="0"/>
+                        </a:spcAft>
+                      </a:pPr>
+                      <a:r>
+                        <a:rPr lang="en-US" sz="1000">
+                          <a:effectLst/>
+                        </a:rPr>
+                        <a:t>Pin code</a:t>
+                      </a:r>
+                      <a:endParaRPr lang="en-US" sz="1000">
+                        <a:effectLst/>
+                        <a:latin typeface="Calibri" panose="020F0502020204030204" pitchFamily="34" charset="0"/>
+                        <a:ea typeface="Calibri" panose="020F0502020204030204" pitchFamily="34" charset="0"/>
+                        <a:cs typeface="Times New Roman" panose="02020603050405020304" pitchFamily="18" charset="0"/>
+                      </a:endParaRPr>
+                    </a:p>
+                  </a:txBody>
+                  <a:tcPr marL="59675" marR="59675" marT="0" marB="0"/>
+                </a:tc>
+                <a:tc>
+                  <a:txBody>
+                    <a:bodyPr/>
+                    <a:lstStyle/>
+                    <a:p>
+                      <a:pPr marL="0" marR="0">
+                        <a:lnSpc>
+                          <a:spcPct val="150000"/>
+                        </a:lnSpc>
+                        <a:spcBef>
+                          <a:spcPts val="0"/>
+                        </a:spcBef>
+                        <a:spcAft>
+                          <a:spcPts val="0"/>
+                        </a:spcAft>
+                      </a:pPr>
+                      <a:r>
+                        <a:rPr lang="en-US" sz="1000">
+                          <a:effectLst/>
+                        </a:rPr>
+                        <a:t>Varchar </a:t>
+                      </a:r>
+                      <a:endParaRPr lang="en-US" sz="1000">
+                        <a:effectLst/>
+                        <a:latin typeface="Calibri" panose="020F0502020204030204" pitchFamily="34" charset="0"/>
+                        <a:ea typeface="Calibri" panose="020F0502020204030204" pitchFamily="34" charset="0"/>
+                        <a:cs typeface="Times New Roman" panose="02020603050405020304" pitchFamily="18" charset="0"/>
+                      </a:endParaRPr>
+                    </a:p>
+                  </a:txBody>
+                  <a:tcPr marL="59675" marR="59675" marT="0" marB="0"/>
+                </a:tc>
+                <a:tc>
+                  <a:txBody>
+                    <a:bodyPr/>
+                    <a:lstStyle/>
+                    <a:p>
+                      <a:pPr marL="0" marR="0">
+                        <a:lnSpc>
+                          <a:spcPct val="150000"/>
+                        </a:lnSpc>
+                        <a:spcBef>
+                          <a:spcPts val="0"/>
+                        </a:spcBef>
+                        <a:spcAft>
+                          <a:spcPts val="0"/>
+                        </a:spcAft>
+                      </a:pPr>
+                      <a:r>
+                        <a:rPr lang="en-US" sz="1000">
+                          <a:effectLst/>
+                        </a:rPr>
+                        <a:t>6</a:t>
+                      </a:r>
+                      <a:endParaRPr lang="en-US" sz="1000">
+                        <a:effectLst/>
+                        <a:latin typeface="Calibri" panose="020F0502020204030204" pitchFamily="34" charset="0"/>
+                        <a:ea typeface="Calibri" panose="020F0502020204030204" pitchFamily="34" charset="0"/>
+                        <a:cs typeface="Times New Roman" panose="02020603050405020304" pitchFamily="18" charset="0"/>
+                      </a:endParaRPr>
+                    </a:p>
+                  </a:txBody>
+                  <a:tcPr marL="59675" marR="59675" marT="0" marB="0"/>
+                </a:tc>
+                <a:tc>
+                  <a:txBody>
+                    <a:bodyPr/>
+                    <a:lstStyle/>
+                    <a:p>
+                      <a:pPr marL="0" marR="0">
+                        <a:lnSpc>
+                          <a:spcPct val="150000"/>
+                        </a:lnSpc>
+                        <a:spcBef>
+                          <a:spcPts val="0"/>
+                        </a:spcBef>
+                        <a:spcAft>
+                          <a:spcPts val="0"/>
+                        </a:spcAft>
+                      </a:pPr>
+                      <a:r>
+                        <a:rPr lang="en-US" sz="1000">
+                          <a:effectLst/>
+                        </a:rPr>
+                        <a:t>Not null</a:t>
+                      </a:r>
+                      <a:endParaRPr lang="en-US" sz="1000">
+                        <a:effectLst/>
+                        <a:latin typeface="Calibri" panose="020F0502020204030204" pitchFamily="34" charset="0"/>
+                        <a:ea typeface="Calibri" panose="020F0502020204030204" pitchFamily="34" charset="0"/>
+                        <a:cs typeface="Times New Roman" panose="02020603050405020304" pitchFamily="18" charset="0"/>
+                      </a:endParaRPr>
+                    </a:p>
+                  </a:txBody>
+                  <a:tcPr marL="59675" marR="59675" marT="0" marB="0"/>
+                </a:tc>
+                <a:extLst>
+                  <a:ext uri="{0D108BD9-81ED-4DB2-BD59-A6C34878D82A}">
+                    <a16:rowId xmlns:a16="http://schemas.microsoft.com/office/drawing/2014/main" val="195705843"/>
+                  </a:ext>
+                </a:extLst>
+              </a:tr>
+              <a:tr h="232930">
+                <a:tc>
+                  <a:txBody>
+                    <a:bodyPr/>
+                    <a:lstStyle/>
+                    <a:p>
+                      <a:pPr marL="0" marR="0">
+                        <a:lnSpc>
+                          <a:spcPct val="150000"/>
+                        </a:lnSpc>
+                        <a:spcBef>
+                          <a:spcPts val="0"/>
+                        </a:spcBef>
+                        <a:spcAft>
+                          <a:spcPts val="0"/>
+                        </a:spcAft>
+                      </a:pPr>
+                      <a:r>
+                        <a:rPr lang="en-US" sz="1000">
+                          <a:effectLst/>
+                        </a:rPr>
+                        <a:t>Total square fit</a:t>
+                      </a:r>
+                      <a:endParaRPr lang="en-US" sz="1000">
+                        <a:effectLst/>
+                        <a:latin typeface="Calibri" panose="020F0502020204030204" pitchFamily="34" charset="0"/>
+                        <a:ea typeface="Calibri" panose="020F0502020204030204" pitchFamily="34" charset="0"/>
+                        <a:cs typeface="Times New Roman" panose="02020603050405020304" pitchFamily="18" charset="0"/>
+                      </a:endParaRPr>
+                    </a:p>
+                  </a:txBody>
+                  <a:tcPr marL="59675" marR="59675" marT="0" marB="0"/>
+                </a:tc>
+                <a:tc>
+                  <a:txBody>
+                    <a:bodyPr/>
+                    <a:lstStyle/>
+                    <a:p>
+                      <a:pPr marL="0" marR="0">
+                        <a:lnSpc>
+                          <a:spcPct val="150000"/>
+                        </a:lnSpc>
+                        <a:spcBef>
+                          <a:spcPts val="0"/>
+                        </a:spcBef>
+                        <a:spcAft>
+                          <a:spcPts val="0"/>
+                        </a:spcAft>
+                      </a:pPr>
+                      <a:r>
+                        <a:rPr lang="en-US" sz="1000">
+                          <a:effectLst/>
+                        </a:rPr>
+                        <a:t>Varchar </a:t>
+                      </a:r>
+                      <a:endParaRPr lang="en-US" sz="1000">
+                        <a:effectLst/>
+                        <a:latin typeface="Calibri" panose="020F0502020204030204" pitchFamily="34" charset="0"/>
+                        <a:ea typeface="Calibri" panose="020F0502020204030204" pitchFamily="34" charset="0"/>
+                        <a:cs typeface="Times New Roman" panose="02020603050405020304" pitchFamily="18" charset="0"/>
+                      </a:endParaRPr>
+                    </a:p>
+                  </a:txBody>
+                  <a:tcPr marL="59675" marR="59675" marT="0" marB="0"/>
+                </a:tc>
+                <a:tc>
+                  <a:txBody>
+                    <a:bodyPr/>
+                    <a:lstStyle/>
+                    <a:p>
+                      <a:pPr marL="0" marR="0">
+                        <a:lnSpc>
+                          <a:spcPct val="150000"/>
+                        </a:lnSpc>
+                        <a:spcBef>
+                          <a:spcPts val="0"/>
+                        </a:spcBef>
+                        <a:spcAft>
+                          <a:spcPts val="0"/>
+                        </a:spcAft>
+                      </a:pPr>
+                      <a:r>
+                        <a:rPr lang="en-US" sz="1000">
+                          <a:effectLst/>
+                        </a:rPr>
+                        <a:t>5</a:t>
+                      </a:r>
+                      <a:endParaRPr lang="en-US" sz="1000">
+                        <a:effectLst/>
+                        <a:latin typeface="Calibri" panose="020F0502020204030204" pitchFamily="34" charset="0"/>
+                        <a:ea typeface="Calibri" panose="020F0502020204030204" pitchFamily="34" charset="0"/>
+                        <a:cs typeface="Times New Roman" panose="02020603050405020304" pitchFamily="18" charset="0"/>
+                      </a:endParaRPr>
+                    </a:p>
+                  </a:txBody>
+                  <a:tcPr marL="59675" marR="59675" marT="0" marB="0"/>
+                </a:tc>
+                <a:tc>
+                  <a:txBody>
+                    <a:bodyPr/>
+                    <a:lstStyle/>
+                    <a:p>
+                      <a:pPr marL="0" marR="0">
+                        <a:lnSpc>
+                          <a:spcPct val="150000"/>
+                        </a:lnSpc>
+                        <a:spcBef>
+                          <a:spcPts val="0"/>
+                        </a:spcBef>
+                        <a:spcAft>
+                          <a:spcPts val="0"/>
+                        </a:spcAft>
+                      </a:pPr>
+                      <a:r>
+                        <a:rPr lang="en-US" sz="1000">
+                          <a:effectLst/>
+                        </a:rPr>
+                        <a:t>Not null</a:t>
+                      </a:r>
+                      <a:endParaRPr lang="en-US" sz="1000">
+                        <a:effectLst/>
+                        <a:latin typeface="Calibri" panose="020F0502020204030204" pitchFamily="34" charset="0"/>
+                        <a:ea typeface="Calibri" panose="020F0502020204030204" pitchFamily="34" charset="0"/>
+                        <a:cs typeface="Times New Roman" panose="02020603050405020304" pitchFamily="18" charset="0"/>
+                      </a:endParaRPr>
+                    </a:p>
+                  </a:txBody>
+                  <a:tcPr marL="59675" marR="59675" marT="0" marB="0"/>
+                </a:tc>
+                <a:extLst>
+                  <a:ext uri="{0D108BD9-81ED-4DB2-BD59-A6C34878D82A}">
+                    <a16:rowId xmlns:a16="http://schemas.microsoft.com/office/drawing/2014/main" val="2097681087"/>
+                  </a:ext>
+                </a:extLst>
+              </a:tr>
+              <a:tr h="232930">
+                <a:tc>
+                  <a:txBody>
+                    <a:bodyPr/>
+                    <a:lstStyle/>
+                    <a:p>
+                      <a:pPr marL="0" marR="0">
+                        <a:lnSpc>
+                          <a:spcPct val="150000"/>
+                        </a:lnSpc>
+                        <a:spcBef>
+                          <a:spcPts val="0"/>
+                        </a:spcBef>
+                        <a:spcAft>
+                          <a:spcPts val="0"/>
+                        </a:spcAft>
+                      </a:pPr>
+                      <a:r>
+                        <a:rPr lang="en-US" sz="1000">
+                          <a:effectLst/>
+                        </a:rPr>
+                        <a:t>Bed room</a:t>
+                      </a:r>
+                      <a:endParaRPr lang="en-US" sz="1000">
+                        <a:effectLst/>
+                        <a:latin typeface="Calibri" panose="020F0502020204030204" pitchFamily="34" charset="0"/>
+                        <a:ea typeface="Calibri" panose="020F0502020204030204" pitchFamily="34" charset="0"/>
+                        <a:cs typeface="Times New Roman" panose="02020603050405020304" pitchFamily="18" charset="0"/>
+                      </a:endParaRPr>
+                    </a:p>
+                  </a:txBody>
+                  <a:tcPr marL="59675" marR="59675" marT="0" marB="0"/>
+                </a:tc>
+                <a:tc>
+                  <a:txBody>
+                    <a:bodyPr/>
+                    <a:lstStyle/>
+                    <a:p>
+                      <a:pPr marL="0" marR="0">
+                        <a:lnSpc>
+                          <a:spcPct val="150000"/>
+                        </a:lnSpc>
+                        <a:spcBef>
+                          <a:spcPts val="0"/>
+                        </a:spcBef>
+                        <a:spcAft>
+                          <a:spcPts val="0"/>
+                        </a:spcAft>
+                      </a:pPr>
+                      <a:r>
+                        <a:rPr lang="en-US" sz="1000">
+                          <a:effectLst/>
+                        </a:rPr>
+                        <a:t>Int</a:t>
+                      </a:r>
+                      <a:endParaRPr lang="en-US" sz="1000">
+                        <a:effectLst/>
+                        <a:latin typeface="Calibri" panose="020F0502020204030204" pitchFamily="34" charset="0"/>
+                        <a:ea typeface="Calibri" panose="020F0502020204030204" pitchFamily="34" charset="0"/>
+                        <a:cs typeface="Times New Roman" panose="02020603050405020304" pitchFamily="18" charset="0"/>
+                      </a:endParaRPr>
+                    </a:p>
+                  </a:txBody>
+                  <a:tcPr marL="59675" marR="59675" marT="0" marB="0"/>
+                </a:tc>
+                <a:tc>
+                  <a:txBody>
+                    <a:bodyPr/>
+                    <a:lstStyle/>
+                    <a:p>
+                      <a:pPr marL="0" marR="0">
+                        <a:lnSpc>
+                          <a:spcPct val="150000"/>
+                        </a:lnSpc>
+                        <a:spcBef>
+                          <a:spcPts val="0"/>
+                        </a:spcBef>
+                        <a:spcAft>
+                          <a:spcPts val="0"/>
+                        </a:spcAft>
+                      </a:pPr>
+                      <a:r>
+                        <a:rPr lang="en-US" sz="1000">
+                          <a:effectLst/>
+                        </a:rPr>
+                        <a:t>5</a:t>
+                      </a:r>
+                      <a:endParaRPr lang="en-US" sz="1000">
+                        <a:effectLst/>
+                        <a:latin typeface="Calibri" panose="020F0502020204030204" pitchFamily="34" charset="0"/>
+                        <a:ea typeface="Calibri" panose="020F0502020204030204" pitchFamily="34" charset="0"/>
+                        <a:cs typeface="Times New Roman" panose="02020603050405020304" pitchFamily="18" charset="0"/>
+                      </a:endParaRPr>
+                    </a:p>
+                  </a:txBody>
+                  <a:tcPr marL="59675" marR="59675" marT="0" marB="0"/>
+                </a:tc>
+                <a:tc>
+                  <a:txBody>
+                    <a:bodyPr/>
+                    <a:lstStyle/>
+                    <a:p>
+                      <a:pPr marL="0" marR="0">
+                        <a:lnSpc>
+                          <a:spcPct val="150000"/>
+                        </a:lnSpc>
+                        <a:spcBef>
+                          <a:spcPts val="0"/>
+                        </a:spcBef>
+                        <a:spcAft>
+                          <a:spcPts val="0"/>
+                        </a:spcAft>
+                      </a:pPr>
+                      <a:r>
+                        <a:rPr lang="en-US" sz="1000">
+                          <a:effectLst/>
+                        </a:rPr>
+                        <a:t>Not null</a:t>
+                      </a:r>
+                      <a:endParaRPr lang="en-US" sz="1000">
+                        <a:effectLst/>
+                        <a:latin typeface="Calibri" panose="020F0502020204030204" pitchFamily="34" charset="0"/>
+                        <a:ea typeface="Calibri" panose="020F0502020204030204" pitchFamily="34" charset="0"/>
+                        <a:cs typeface="Times New Roman" panose="02020603050405020304" pitchFamily="18" charset="0"/>
+                      </a:endParaRPr>
+                    </a:p>
+                  </a:txBody>
+                  <a:tcPr marL="59675" marR="59675" marT="0" marB="0"/>
+                </a:tc>
+                <a:extLst>
+                  <a:ext uri="{0D108BD9-81ED-4DB2-BD59-A6C34878D82A}">
+                    <a16:rowId xmlns:a16="http://schemas.microsoft.com/office/drawing/2014/main" val="3741471161"/>
+                  </a:ext>
+                </a:extLst>
+              </a:tr>
+              <a:tr h="232930">
+                <a:tc>
+                  <a:txBody>
+                    <a:bodyPr/>
+                    <a:lstStyle/>
+                    <a:p>
+                      <a:pPr marL="0" marR="0">
+                        <a:lnSpc>
+                          <a:spcPct val="150000"/>
+                        </a:lnSpc>
+                        <a:spcBef>
+                          <a:spcPts val="0"/>
+                        </a:spcBef>
+                        <a:spcAft>
+                          <a:spcPts val="0"/>
+                        </a:spcAft>
+                      </a:pPr>
+                      <a:r>
+                        <a:rPr lang="en-US" sz="1000">
+                          <a:effectLst/>
+                        </a:rPr>
+                        <a:t>Hall </a:t>
+                      </a:r>
+                      <a:endParaRPr lang="en-US" sz="1000">
+                        <a:effectLst/>
+                        <a:latin typeface="Calibri" panose="020F0502020204030204" pitchFamily="34" charset="0"/>
+                        <a:ea typeface="Calibri" panose="020F0502020204030204" pitchFamily="34" charset="0"/>
+                        <a:cs typeface="Times New Roman" panose="02020603050405020304" pitchFamily="18" charset="0"/>
+                      </a:endParaRPr>
+                    </a:p>
+                  </a:txBody>
+                  <a:tcPr marL="59675" marR="59675" marT="0" marB="0"/>
+                </a:tc>
+                <a:tc>
+                  <a:txBody>
+                    <a:bodyPr/>
+                    <a:lstStyle/>
+                    <a:p>
+                      <a:pPr marL="0" marR="0">
+                        <a:lnSpc>
+                          <a:spcPct val="150000"/>
+                        </a:lnSpc>
+                        <a:spcBef>
+                          <a:spcPts val="0"/>
+                        </a:spcBef>
+                        <a:spcAft>
+                          <a:spcPts val="0"/>
+                        </a:spcAft>
+                      </a:pPr>
+                      <a:r>
+                        <a:rPr lang="en-US" sz="1000">
+                          <a:effectLst/>
+                        </a:rPr>
+                        <a:t>Int</a:t>
+                      </a:r>
+                      <a:endParaRPr lang="en-US" sz="1000">
+                        <a:effectLst/>
+                        <a:latin typeface="Calibri" panose="020F0502020204030204" pitchFamily="34" charset="0"/>
+                        <a:ea typeface="Calibri" panose="020F0502020204030204" pitchFamily="34" charset="0"/>
+                        <a:cs typeface="Times New Roman" panose="02020603050405020304" pitchFamily="18" charset="0"/>
+                      </a:endParaRPr>
+                    </a:p>
+                  </a:txBody>
+                  <a:tcPr marL="59675" marR="59675" marT="0" marB="0"/>
+                </a:tc>
+                <a:tc>
+                  <a:txBody>
+                    <a:bodyPr/>
+                    <a:lstStyle/>
+                    <a:p>
+                      <a:pPr marL="0" marR="0">
+                        <a:lnSpc>
+                          <a:spcPct val="150000"/>
+                        </a:lnSpc>
+                        <a:spcBef>
+                          <a:spcPts val="0"/>
+                        </a:spcBef>
+                        <a:spcAft>
+                          <a:spcPts val="0"/>
+                        </a:spcAft>
+                      </a:pPr>
+                      <a:r>
+                        <a:rPr lang="en-US" sz="1000">
+                          <a:effectLst/>
+                        </a:rPr>
+                        <a:t>5</a:t>
+                      </a:r>
+                      <a:endParaRPr lang="en-US" sz="1000">
+                        <a:effectLst/>
+                        <a:latin typeface="Calibri" panose="020F0502020204030204" pitchFamily="34" charset="0"/>
+                        <a:ea typeface="Calibri" panose="020F0502020204030204" pitchFamily="34" charset="0"/>
+                        <a:cs typeface="Times New Roman" panose="02020603050405020304" pitchFamily="18" charset="0"/>
+                      </a:endParaRPr>
+                    </a:p>
+                  </a:txBody>
+                  <a:tcPr marL="59675" marR="59675" marT="0" marB="0"/>
+                </a:tc>
+                <a:tc>
+                  <a:txBody>
+                    <a:bodyPr/>
+                    <a:lstStyle/>
+                    <a:p>
+                      <a:pPr marL="0" marR="0">
+                        <a:lnSpc>
+                          <a:spcPct val="150000"/>
+                        </a:lnSpc>
+                        <a:spcBef>
+                          <a:spcPts val="0"/>
+                        </a:spcBef>
+                        <a:spcAft>
+                          <a:spcPts val="0"/>
+                        </a:spcAft>
+                      </a:pPr>
+                      <a:r>
+                        <a:rPr lang="en-US" sz="1000">
+                          <a:effectLst/>
+                        </a:rPr>
+                        <a:t>Not null</a:t>
+                      </a:r>
+                      <a:endParaRPr lang="en-US" sz="1000">
+                        <a:effectLst/>
+                        <a:latin typeface="Calibri" panose="020F0502020204030204" pitchFamily="34" charset="0"/>
+                        <a:ea typeface="Calibri" panose="020F0502020204030204" pitchFamily="34" charset="0"/>
+                        <a:cs typeface="Times New Roman" panose="02020603050405020304" pitchFamily="18" charset="0"/>
+                      </a:endParaRPr>
+                    </a:p>
+                  </a:txBody>
+                  <a:tcPr marL="59675" marR="59675" marT="0" marB="0"/>
+                </a:tc>
+                <a:extLst>
+                  <a:ext uri="{0D108BD9-81ED-4DB2-BD59-A6C34878D82A}">
+                    <a16:rowId xmlns:a16="http://schemas.microsoft.com/office/drawing/2014/main" val="799413910"/>
+                  </a:ext>
+                </a:extLst>
+              </a:tr>
+              <a:tr h="232930">
+                <a:tc>
+                  <a:txBody>
+                    <a:bodyPr/>
+                    <a:lstStyle/>
+                    <a:p>
+                      <a:pPr marL="0" marR="0">
+                        <a:lnSpc>
+                          <a:spcPct val="150000"/>
+                        </a:lnSpc>
+                        <a:spcBef>
+                          <a:spcPts val="0"/>
+                        </a:spcBef>
+                        <a:spcAft>
+                          <a:spcPts val="0"/>
+                        </a:spcAft>
+                      </a:pPr>
+                      <a:r>
+                        <a:rPr lang="en-US" sz="1000">
+                          <a:effectLst/>
+                        </a:rPr>
+                        <a:t>Kitchen</a:t>
+                      </a:r>
+                      <a:endParaRPr lang="en-US" sz="1000">
+                        <a:effectLst/>
+                        <a:latin typeface="Calibri" panose="020F0502020204030204" pitchFamily="34" charset="0"/>
+                        <a:ea typeface="Calibri" panose="020F0502020204030204" pitchFamily="34" charset="0"/>
+                        <a:cs typeface="Times New Roman" panose="02020603050405020304" pitchFamily="18" charset="0"/>
+                      </a:endParaRPr>
+                    </a:p>
+                  </a:txBody>
+                  <a:tcPr marL="59675" marR="59675" marT="0" marB="0"/>
+                </a:tc>
+                <a:tc>
+                  <a:txBody>
+                    <a:bodyPr/>
+                    <a:lstStyle/>
+                    <a:p>
+                      <a:pPr marL="0" marR="0">
+                        <a:lnSpc>
+                          <a:spcPct val="150000"/>
+                        </a:lnSpc>
+                        <a:spcBef>
+                          <a:spcPts val="0"/>
+                        </a:spcBef>
+                        <a:spcAft>
+                          <a:spcPts val="0"/>
+                        </a:spcAft>
+                      </a:pPr>
+                      <a:r>
+                        <a:rPr lang="en-US" sz="1000">
+                          <a:effectLst/>
+                        </a:rPr>
+                        <a:t>Int</a:t>
+                      </a:r>
+                      <a:endParaRPr lang="en-US" sz="1000">
+                        <a:effectLst/>
+                        <a:latin typeface="Calibri" panose="020F0502020204030204" pitchFamily="34" charset="0"/>
+                        <a:ea typeface="Calibri" panose="020F0502020204030204" pitchFamily="34" charset="0"/>
+                        <a:cs typeface="Times New Roman" panose="02020603050405020304" pitchFamily="18" charset="0"/>
+                      </a:endParaRPr>
+                    </a:p>
+                  </a:txBody>
+                  <a:tcPr marL="59675" marR="59675" marT="0" marB="0"/>
+                </a:tc>
+                <a:tc>
+                  <a:txBody>
+                    <a:bodyPr/>
+                    <a:lstStyle/>
+                    <a:p>
+                      <a:pPr marL="0" marR="0">
+                        <a:lnSpc>
+                          <a:spcPct val="150000"/>
+                        </a:lnSpc>
+                        <a:spcBef>
+                          <a:spcPts val="0"/>
+                        </a:spcBef>
+                        <a:spcAft>
+                          <a:spcPts val="0"/>
+                        </a:spcAft>
+                      </a:pPr>
+                      <a:r>
+                        <a:rPr lang="en-US" sz="1000">
+                          <a:effectLst/>
+                        </a:rPr>
+                        <a:t>5</a:t>
+                      </a:r>
+                      <a:endParaRPr lang="en-US" sz="1000">
+                        <a:effectLst/>
+                        <a:latin typeface="Calibri" panose="020F0502020204030204" pitchFamily="34" charset="0"/>
+                        <a:ea typeface="Calibri" panose="020F0502020204030204" pitchFamily="34" charset="0"/>
+                        <a:cs typeface="Times New Roman" panose="02020603050405020304" pitchFamily="18" charset="0"/>
+                      </a:endParaRPr>
+                    </a:p>
+                  </a:txBody>
+                  <a:tcPr marL="59675" marR="59675" marT="0" marB="0"/>
+                </a:tc>
+                <a:tc>
+                  <a:txBody>
+                    <a:bodyPr/>
+                    <a:lstStyle/>
+                    <a:p>
+                      <a:pPr marL="0" marR="0">
+                        <a:lnSpc>
+                          <a:spcPct val="150000"/>
+                        </a:lnSpc>
+                        <a:spcBef>
+                          <a:spcPts val="0"/>
+                        </a:spcBef>
+                        <a:spcAft>
+                          <a:spcPts val="0"/>
+                        </a:spcAft>
+                      </a:pPr>
+                      <a:r>
+                        <a:rPr lang="en-US" sz="1000">
+                          <a:effectLst/>
+                        </a:rPr>
+                        <a:t>Not null</a:t>
+                      </a:r>
+                      <a:endParaRPr lang="en-US" sz="1000">
+                        <a:effectLst/>
+                        <a:latin typeface="Calibri" panose="020F0502020204030204" pitchFamily="34" charset="0"/>
+                        <a:ea typeface="Calibri" panose="020F0502020204030204" pitchFamily="34" charset="0"/>
+                        <a:cs typeface="Times New Roman" panose="02020603050405020304" pitchFamily="18" charset="0"/>
+                      </a:endParaRPr>
+                    </a:p>
+                  </a:txBody>
+                  <a:tcPr marL="59675" marR="59675" marT="0" marB="0"/>
+                </a:tc>
+                <a:extLst>
+                  <a:ext uri="{0D108BD9-81ED-4DB2-BD59-A6C34878D82A}">
+                    <a16:rowId xmlns:a16="http://schemas.microsoft.com/office/drawing/2014/main" val="3217378338"/>
+                  </a:ext>
+                </a:extLst>
+              </a:tr>
+              <a:tr h="232930">
+                <a:tc>
+                  <a:txBody>
+                    <a:bodyPr/>
+                    <a:lstStyle/>
+                    <a:p>
+                      <a:pPr marL="0" marR="0">
+                        <a:lnSpc>
+                          <a:spcPct val="150000"/>
+                        </a:lnSpc>
+                        <a:spcBef>
+                          <a:spcPts val="0"/>
+                        </a:spcBef>
+                        <a:spcAft>
+                          <a:spcPts val="0"/>
+                        </a:spcAft>
+                      </a:pPr>
+                      <a:r>
+                        <a:rPr lang="en-US" sz="1000">
+                          <a:effectLst/>
+                        </a:rPr>
+                        <a:t>Others</a:t>
+                      </a:r>
+                      <a:endParaRPr lang="en-US" sz="1000">
+                        <a:effectLst/>
+                        <a:latin typeface="Calibri" panose="020F0502020204030204" pitchFamily="34" charset="0"/>
+                        <a:ea typeface="Calibri" panose="020F0502020204030204" pitchFamily="34" charset="0"/>
+                        <a:cs typeface="Times New Roman" panose="02020603050405020304" pitchFamily="18" charset="0"/>
+                      </a:endParaRPr>
+                    </a:p>
+                  </a:txBody>
+                  <a:tcPr marL="59675" marR="59675" marT="0" marB="0"/>
+                </a:tc>
+                <a:tc>
+                  <a:txBody>
+                    <a:bodyPr/>
+                    <a:lstStyle/>
+                    <a:p>
+                      <a:pPr marL="0" marR="0">
+                        <a:lnSpc>
+                          <a:spcPct val="150000"/>
+                        </a:lnSpc>
+                        <a:spcBef>
+                          <a:spcPts val="0"/>
+                        </a:spcBef>
+                        <a:spcAft>
+                          <a:spcPts val="0"/>
+                        </a:spcAft>
+                      </a:pPr>
+                      <a:r>
+                        <a:rPr lang="en-US" sz="1000">
+                          <a:effectLst/>
+                        </a:rPr>
+                        <a:t>Varchar </a:t>
+                      </a:r>
+                      <a:endParaRPr lang="en-US" sz="1000">
+                        <a:effectLst/>
+                        <a:latin typeface="Calibri" panose="020F0502020204030204" pitchFamily="34" charset="0"/>
+                        <a:ea typeface="Calibri" panose="020F0502020204030204" pitchFamily="34" charset="0"/>
+                        <a:cs typeface="Times New Roman" panose="02020603050405020304" pitchFamily="18" charset="0"/>
+                      </a:endParaRPr>
+                    </a:p>
+                  </a:txBody>
+                  <a:tcPr marL="59675" marR="59675" marT="0" marB="0"/>
+                </a:tc>
+                <a:tc>
+                  <a:txBody>
+                    <a:bodyPr/>
+                    <a:lstStyle/>
+                    <a:p>
+                      <a:pPr marL="0" marR="0">
+                        <a:lnSpc>
+                          <a:spcPct val="150000"/>
+                        </a:lnSpc>
+                        <a:spcBef>
+                          <a:spcPts val="0"/>
+                        </a:spcBef>
+                        <a:spcAft>
+                          <a:spcPts val="0"/>
+                        </a:spcAft>
+                      </a:pPr>
+                      <a:r>
+                        <a:rPr lang="en-US" sz="1000">
+                          <a:effectLst/>
+                        </a:rPr>
+                        <a:t>20</a:t>
+                      </a:r>
+                      <a:endParaRPr lang="en-US" sz="1000">
+                        <a:effectLst/>
+                        <a:latin typeface="Calibri" panose="020F0502020204030204" pitchFamily="34" charset="0"/>
+                        <a:ea typeface="Calibri" panose="020F0502020204030204" pitchFamily="34" charset="0"/>
+                        <a:cs typeface="Times New Roman" panose="02020603050405020304" pitchFamily="18" charset="0"/>
+                      </a:endParaRPr>
+                    </a:p>
+                  </a:txBody>
+                  <a:tcPr marL="59675" marR="59675" marT="0" marB="0"/>
+                </a:tc>
+                <a:tc>
+                  <a:txBody>
+                    <a:bodyPr/>
+                    <a:lstStyle/>
+                    <a:p>
+                      <a:pPr marL="0" marR="0">
+                        <a:lnSpc>
+                          <a:spcPct val="150000"/>
+                        </a:lnSpc>
+                        <a:spcBef>
+                          <a:spcPts val="0"/>
+                        </a:spcBef>
+                        <a:spcAft>
+                          <a:spcPts val="0"/>
+                        </a:spcAft>
+                      </a:pPr>
+                      <a:r>
+                        <a:rPr lang="en-US" sz="1000">
+                          <a:effectLst/>
+                        </a:rPr>
+                        <a:t>Not null</a:t>
+                      </a:r>
+                      <a:endParaRPr lang="en-US" sz="1000">
+                        <a:effectLst/>
+                        <a:latin typeface="Calibri" panose="020F0502020204030204" pitchFamily="34" charset="0"/>
+                        <a:ea typeface="Calibri" panose="020F0502020204030204" pitchFamily="34" charset="0"/>
+                        <a:cs typeface="Times New Roman" panose="02020603050405020304" pitchFamily="18" charset="0"/>
+                      </a:endParaRPr>
+                    </a:p>
+                  </a:txBody>
+                  <a:tcPr marL="59675" marR="59675" marT="0" marB="0"/>
+                </a:tc>
+                <a:extLst>
+                  <a:ext uri="{0D108BD9-81ED-4DB2-BD59-A6C34878D82A}">
+                    <a16:rowId xmlns:a16="http://schemas.microsoft.com/office/drawing/2014/main" val="2427751630"/>
+                  </a:ext>
+                </a:extLst>
+              </a:tr>
+              <a:tr h="232930">
+                <a:tc>
+                  <a:txBody>
+                    <a:bodyPr/>
+                    <a:lstStyle/>
+                    <a:p>
+                      <a:pPr marL="0" marR="0">
+                        <a:lnSpc>
+                          <a:spcPct val="150000"/>
+                        </a:lnSpc>
+                        <a:spcBef>
+                          <a:spcPts val="0"/>
+                        </a:spcBef>
+                        <a:spcAft>
+                          <a:spcPts val="0"/>
+                        </a:spcAft>
+                      </a:pPr>
+                      <a:r>
+                        <a:rPr lang="en-US" sz="1000">
+                          <a:effectLst/>
+                        </a:rPr>
+                        <a:t>Price details</a:t>
+                      </a:r>
+                      <a:endParaRPr lang="en-US" sz="1000">
+                        <a:effectLst/>
+                        <a:latin typeface="Calibri" panose="020F0502020204030204" pitchFamily="34" charset="0"/>
+                        <a:ea typeface="Calibri" panose="020F0502020204030204" pitchFamily="34" charset="0"/>
+                        <a:cs typeface="Times New Roman" panose="02020603050405020304" pitchFamily="18" charset="0"/>
+                      </a:endParaRPr>
+                    </a:p>
+                  </a:txBody>
+                  <a:tcPr marL="59675" marR="59675" marT="0" marB="0"/>
+                </a:tc>
+                <a:tc>
+                  <a:txBody>
+                    <a:bodyPr/>
+                    <a:lstStyle/>
+                    <a:p>
+                      <a:pPr marL="0" marR="0">
+                        <a:lnSpc>
+                          <a:spcPct val="150000"/>
+                        </a:lnSpc>
+                        <a:spcBef>
+                          <a:spcPts val="0"/>
+                        </a:spcBef>
+                        <a:spcAft>
+                          <a:spcPts val="0"/>
+                        </a:spcAft>
+                      </a:pPr>
+                      <a:r>
+                        <a:rPr lang="en-US" sz="1000">
+                          <a:effectLst/>
+                        </a:rPr>
+                        <a:t>Int</a:t>
+                      </a:r>
+                      <a:endParaRPr lang="en-US" sz="1000">
+                        <a:effectLst/>
+                        <a:latin typeface="Calibri" panose="020F0502020204030204" pitchFamily="34" charset="0"/>
+                        <a:ea typeface="Calibri" panose="020F0502020204030204" pitchFamily="34" charset="0"/>
+                        <a:cs typeface="Times New Roman" panose="02020603050405020304" pitchFamily="18" charset="0"/>
+                      </a:endParaRPr>
+                    </a:p>
+                  </a:txBody>
+                  <a:tcPr marL="59675" marR="59675" marT="0" marB="0"/>
+                </a:tc>
+                <a:tc>
+                  <a:txBody>
+                    <a:bodyPr/>
+                    <a:lstStyle/>
+                    <a:p>
+                      <a:pPr marL="0" marR="0">
+                        <a:lnSpc>
+                          <a:spcPct val="150000"/>
+                        </a:lnSpc>
+                        <a:spcBef>
+                          <a:spcPts val="0"/>
+                        </a:spcBef>
+                        <a:spcAft>
+                          <a:spcPts val="0"/>
+                        </a:spcAft>
+                      </a:pPr>
+                      <a:r>
+                        <a:rPr lang="en-US" sz="1000">
+                          <a:effectLst/>
+                        </a:rPr>
+                        <a:t>5</a:t>
+                      </a:r>
+                      <a:endParaRPr lang="en-US" sz="1000">
+                        <a:effectLst/>
+                        <a:latin typeface="Calibri" panose="020F0502020204030204" pitchFamily="34" charset="0"/>
+                        <a:ea typeface="Calibri" panose="020F0502020204030204" pitchFamily="34" charset="0"/>
+                        <a:cs typeface="Times New Roman" panose="02020603050405020304" pitchFamily="18" charset="0"/>
+                      </a:endParaRPr>
+                    </a:p>
+                  </a:txBody>
+                  <a:tcPr marL="59675" marR="59675" marT="0" marB="0"/>
+                </a:tc>
+                <a:tc>
+                  <a:txBody>
+                    <a:bodyPr/>
+                    <a:lstStyle/>
+                    <a:p>
+                      <a:pPr marL="0" marR="0">
+                        <a:lnSpc>
+                          <a:spcPct val="150000"/>
+                        </a:lnSpc>
+                        <a:spcBef>
+                          <a:spcPts val="0"/>
+                        </a:spcBef>
+                        <a:spcAft>
+                          <a:spcPts val="0"/>
+                        </a:spcAft>
+                      </a:pPr>
+                      <a:r>
+                        <a:rPr lang="en-US" sz="1000" dirty="0">
+                          <a:effectLst/>
+                        </a:rPr>
+                        <a:t>Not null</a:t>
+                      </a:r>
+                      <a:endParaRPr lang="en-US" sz="1000" dirty="0">
+                        <a:effectLst/>
+                        <a:latin typeface="Calibri" panose="020F0502020204030204" pitchFamily="34" charset="0"/>
+                        <a:ea typeface="Calibri" panose="020F0502020204030204" pitchFamily="34" charset="0"/>
+                        <a:cs typeface="Times New Roman" panose="02020603050405020304" pitchFamily="18" charset="0"/>
+                      </a:endParaRPr>
+                    </a:p>
+                  </a:txBody>
+                  <a:tcPr marL="59675" marR="59675" marT="0" marB="0"/>
+                </a:tc>
+                <a:extLst>
+                  <a:ext uri="{0D108BD9-81ED-4DB2-BD59-A6C34878D82A}">
+                    <a16:rowId xmlns:a16="http://schemas.microsoft.com/office/drawing/2014/main" val="77374002"/>
+                  </a:ext>
+                </a:extLst>
+              </a:tr>
+            </a:tbl>
+          </a:graphicData>
+        </a:graphic>
+      </p:graphicFrame>
     </p:spTree>
     <p:extLst>
       <p:ext uri="{BB962C8B-B14F-4D97-AF65-F5344CB8AC3E}">
-        <p14:creationId xmlns:p14="http://schemas.microsoft.com/office/powerpoint/2010/main" val="3224667788"/>
+        <p14:creationId xmlns:p14="http://schemas.microsoft.com/office/powerpoint/2010/main" val="800621221"/>
+      </p:ext>
+    </p:extLst>
+  </p:cSld>
+  <p:clrMapOvr>
+    <a:masterClrMapping/>
+  </p:clrMapOvr>
+</p:sld>
+</file>
+
+<file path=ppt/slides/slide13.xml><?xml version="1.0" encoding="utf-8"?>
+<p:sld xmlns:a="http://schemas.openxmlformats.org/drawingml/2006/main" xmlns:r="http://schemas.openxmlformats.org/officeDocument/2006/relationships" xmlns:p="http://schemas.openxmlformats.org/presentationml/2006/main">
+  <p:cSld>
+    <p:spTree>
+      <p:nvGrpSpPr>
+        <p:cNvPr id="1" name=""/>
+        <p:cNvGrpSpPr/>
+        <p:nvPr/>
+      </p:nvGrpSpPr>
+      <p:grpSpPr>
+        <a:xfrm>
+          <a:off x="0" y="0"/>
+          <a:ext cx="0" cy="0"/>
+          <a:chOff x="0" y="0"/>
+          <a:chExt cx="0" cy="0"/>
+        </a:xfrm>
+      </p:grpSpPr>
+      <p:sp>
+        <p:nvSpPr>
+          <p:cNvPr id="2" name="Title 1">
+            <a:extLst>
+              <a:ext uri="{FF2B5EF4-FFF2-40B4-BE49-F238E27FC236}">
+                <a16:creationId xmlns:a16="http://schemas.microsoft.com/office/drawing/2014/main" id="{49D3175E-2C8C-452D-BAA6-93BE0E170019}"/>
+              </a:ext>
+            </a:extLst>
+          </p:cNvPr>
+          <p:cNvSpPr>
+            <a:spLocks noGrp="1"/>
+          </p:cNvSpPr>
+          <p:nvPr>
+            <p:ph type="title"/>
+          </p:nvPr>
+        </p:nvSpPr>
+        <p:spPr/>
+        <p:txBody>
+          <a:bodyPr/>
+          <a:lstStyle/>
+          <a:p>
+            <a:r>
+              <a:rPr lang="en-US" sz="1800" b="1" dirty="0">
+                <a:effectLst/>
+                <a:latin typeface="Times New Roman" panose="02020603050405020304" pitchFamily="18" charset="0"/>
+                <a:ea typeface="Calibri" panose="020F0502020204030204" pitchFamily="34" charset="0"/>
+                <a:cs typeface="Times New Roman" panose="02020603050405020304" pitchFamily="18" charset="0"/>
+              </a:rPr>
+              <a:t>TABLE NAME: IMAGES</a:t>
+            </a:r>
+            <a:br>
+              <a:rPr lang="en-US" sz="1800" dirty="0">
+                <a:effectLst/>
+                <a:latin typeface="Calibri" panose="020F0502020204030204" pitchFamily="34" charset="0"/>
+                <a:ea typeface="Calibri" panose="020F0502020204030204" pitchFamily="34" charset="0"/>
+                <a:cs typeface="Times New Roman" panose="02020603050405020304" pitchFamily="18" charset="0"/>
+              </a:rPr>
+            </a:br>
+            <a:endParaRPr lang="en-US" dirty="0"/>
+          </a:p>
+        </p:txBody>
+      </p:sp>
+      <p:graphicFrame>
+        <p:nvGraphicFramePr>
+          <p:cNvPr id="4" name="Content Placeholder 3">
+            <a:extLst>
+              <a:ext uri="{FF2B5EF4-FFF2-40B4-BE49-F238E27FC236}">
+                <a16:creationId xmlns:a16="http://schemas.microsoft.com/office/drawing/2014/main" id="{82D3D322-A0CB-429F-87BC-7E76140CA673}"/>
+              </a:ext>
+            </a:extLst>
+          </p:cNvPr>
+          <p:cNvGraphicFramePr>
+            <a:graphicFrameLocks noGrp="1"/>
+          </p:cNvGraphicFramePr>
+          <p:nvPr>
+            <p:ph idx="1"/>
+            <p:extLst>
+              <p:ext uri="{D42A27DB-BD31-4B8C-83A1-F6EECF244321}">
+                <p14:modId xmlns:p14="http://schemas.microsoft.com/office/powerpoint/2010/main" val="3446942198"/>
+              </p:ext>
+            </p:extLst>
+          </p:nvPr>
+        </p:nvGraphicFramePr>
+        <p:xfrm>
+          <a:off x="1669774" y="1881810"/>
+          <a:ext cx="7363100" cy="2877040"/>
+        </p:xfrm>
+        <a:graphic>
+          <a:graphicData uri="http://schemas.openxmlformats.org/drawingml/2006/table">
+            <a:tbl>
+              <a:tblPr firstRow="1" firstCol="1" bandRow="1">
+                <a:tableStyleId>{5C22544A-7EE6-4342-B048-85BDC9FD1C3A}</a:tableStyleId>
+              </a:tblPr>
+              <a:tblGrid>
+                <a:gridCol w="1840377">
+                  <a:extLst>
+                    <a:ext uri="{9D8B030D-6E8A-4147-A177-3AD203B41FA5}">
+                      <a16:colId xmlns:a16="http://schemas.microsoft.com/office/drawing/2014/main" val="1509314316"/>
+                    </a:ext>
+                  </a:extLst>
+                </a:gridCol>
+                <a:gridCol w="1840377">
+                  <a:extLst>
+                    <a:ext uri="{9D8B030D-6E8A-4147-A177-3AD203B41FA5}">
+                      <a16:colId xmlns:a16="http://schemas.microsoft.com/office/drawing/2014/main" val="223567442"/>
+                    </a:ext>
+                  </a:extLst>
+                </a:gridCol>
+                <a:gridCol w="1841173">
+                  <a:extLst>
+                    <a:ext uri="{9D8B030D-6E8A-4147-A177-3AD203B41FA5}">
+                      <a16:colId xmlns:a16="http://schemas.microsoft.com/office/drawing/2014/main" val="774711396"/>
+                    </a:ext>
+                  </a:extLst>
+                </a:gridCol>
+                <a:gridCol w="1841173">
+                  <a:extLst>
+                    <a:ext uri="{9D8B030D-6E8A-4147-A177-3AD203B41FA5}">
+                      <a16:colId xmlns:a16="http://schemas.microsoft.com/office/drawing/2014/main" val="3647666858"/>
+                    </a:ext>
+                  </a:extLst>
+                </a:gridCol>
+              </a:tblGrid>
+              <a:tr h="575408">
+                <a:tc>
+                  <a:txBody>
+                    <a:bodyPr/>
+                    <a:lstStyle/>
+                    <a:p>
+                      <a:pPr marL="0" marR="0">
+                        <a:lnSpc>
+                          <a:spcPct val="150000"/>
+                        </a:lnSpc>
+                        <a:spcBef>
+                          <a:spcPts val="0"/>
+                        </a:spcBef>
+                        <a:spcAft>
+                          <a:spcPts val="0"/>
+                        </a:spcAft>
+                      </a:pPr>
+                      <a:r>
+                        <a:rPr lang="en-US" sz="1200">
+                          <a:effectLst/>
+                        </a:rPr>
+                        <a:t>FIELD </a:t>
+                      </a:r>
+                      <a:endParaRPr lang="en-US" sz="1100">
+                        <a:effectLst/>
+                        <a:latin typeface="Calibri" panose="020F0502020204030204" pitchFamily="34" charset="0"/>
+                        <a:ea typeface="Calibri" panose="020F0502020204030204" pitchFamily="34" charset="0"/>
+                        <a:cs typeface="Times New Roman" panose="02020603050405020304" pitchFamily="18" charset="0"/>
+                      </a:endParaRPr>
+                    </a:p>
+                  </a:txBody>
+                  <a:tcPr marL="68580" marR="68580" marT="0" marB="0"/>
+                </a:tc>
+                <a:tc>
+                  <a:txBody>
+                    <a:bodyPr/>
+                    <a:lstStyle/>
+                    <a:p>
+                      <a:pPr marL="0" marR="0">
+                        <a:lnSpc>
+                          <a:spcPct val="150000"/>
+                        </a:lnSpc>
+                        <a:spcBef>
+                          <a:spcPts val="0"/>
+                        </a:spcBef>
+                        <a:spcAft>
+                          <a:spcPts val="0"/>
+                        </a:spcAft>
+                      </a:pPr>
+                      <a:r>
+                        <a:rPr lang="en-US" sz="1200">
+                          <a:effectLst/>
+                        </a:rPr>
+                        <a:t>DATA TYPE</a:t>
+                      </a:r>
+                      <a:endParaRPr lang="en-US" sz="1100">
+                        <a:effectLst/>
+                        <a:latin typeface="Calibri" panose="020F0502020204030204" pitchFamily="34" charset="0"/>
+                        <a:ea typeface="Calibri" panose="020F0502020204030204" pitchFamily="34" charset="0"/>
+                        <a:cs typeface="Times New Roman" panose="02020603050405020304" pitchFamily="18" charset="0"/>
+                      </a:endParaRPr>
+                    </a:p>
+                  </a:txBody>
+                  <a:tcPr marL="68580" marR="68580" marT="0" marB="0"/>
+                </a:tc>
+                <a:tc>
+                  <a:txBody>
+                    <a:bodyPr/>
+                    <a:lstStyle/>
+                    <a:p>
+                      <a:pPr marL="0" marR="0">
+                        <a:lnSpc>
+                          <a:spcPct val="150000"/>
+                        </a:lnSpc>
+                        <a:spcBef>
+                          <a:spcPts val="0"/>
+                        </a:spcBef>
+                        <a:spcAft>
+                          <a:spcPts val="0"/>
+                        </a:spcAft>
+                      </a:pPr>
+                      <a:r>
+                        <a:rPr lang="en-US" sz="1200">
+                          <a:effectLst/>
+                        </a:rPr>
+                        <a:t>SIZE</a:t>
+                      </a:r>
+                      <a:endParaRPr lang="en-US" sz="1100">
+                        <a:effectLst/>
+                        <a:latin typeface="Calibri" panose="020F0502020204030204" pitchFamily="34" charset="0"/>
+                        <a:ea typeface="Calibri" panose="020F0502020204030204" pitchFamily="34" charset="0"/>
+                        <a:cs typeface="Times New Roman" panose="02020603050405020304" pitchFamily="18" charset="0"/>
+                      </a:endParaRPr>
+                    </a:p>
+                  </a:txBody>
+                  <a:tcPr marL="68580" marR="68580" marT="0" marB="0"/>
+                </a:tc>
+                <a:tc>
+                  <a:txBody>
+                    <a:bodyPr/>
+                    <a:lstStyle/>
+                    <a:p>
+                      <a:pPr marL="0" marR="0">
+                        <a:lnSpc>
+                          <a:spcPct val="150000"/>
+                        </a:lnSpc>
+                        <a:spcBef>
+                          <a:spcPts val="0"/>
+                        </a:spcBef>
+                        <a:spcAft>
+                          <a:spcPts val="0"/>
+                        </a:spcAft>
+                      </a:pPr>
+                      <a:r>
+                        <a:rPr lang="en-US" sz="1200">
+                          <a:effectLst/>
+                        </a:rPr>
+                        <a:t>CONSTRAINT</a:t>
+                      </a:r>
+                      <a:endParaRPr lang="en-US" sz="1100">
+                        <a:effectLst/>
+                        <a:latin typeface="Calibri" panose="020F0502020204030204" pitchFamily="34" charset="0"/>
+                        <a:ea typeface="Calibri" panose="020F0502020204030204" pitchFamily="34" charset="0"/>
+                        <a:cs typeface="Times New Roman" panose="02020603050405020304" pitchFamily="18" charset="0"/>
+                      </a:endParaRPr>
+                    </a:p>
+                  </a:txBody>
+                  <a:tcPr marL="68580" marR="68580" marT="0" marB="0"/>
+                </a:tc>
+                <a:extLst>
+                  <a:ext uri="{0D108BD9-81ED-4DB2-BD59-A6C34878D82A}">
+                    <a16:rowId xmlns:a16="http://schemas.microsoft.com/office/drawing/2014/main" val="67065005"/>
+                  </a:ext>
+                </a:extLst>
+              </a:tr>
+              <a:tr h="575408">
+                <a:tc>
+                  <a:txBody>
+                    <a:bodyPr/>
+                    <a:lstStyle/>
+                    <a:p>
+                      <a:pPr marL="0" marR="0">
+                        <a:lnSpc>
+                          <a:spcPct val="150000"/>
+                        </a:lnSpc>
+                        <a:spcBef>
+                          <a:spcPts val="0"/>
+                        </a:spcBef>
+                        <a:spcAft>
+                          <a:spcPts val="0"/>
+                        </a:spcAft>
+                      </a:pPr>
+                      <a:r>
+                        <a:rPr lang="en-US" sz="1200">
+                          <a:effectLst/>
+                        </a:rPr>
+                        <a:t>Image id</a:t>
+                      </a:r>
+                      <a:endParaRPr lang="en-US" sz="1100">
+                        <a:effectLst/>
+                        <a:latin typeface="Calibri" panose="020F0502020204030204" pitchFamily="34" charset="0"/>
+                        <a:ea typeface="Calibri" panose="020F0502020204030204" pitchFamily="34" charset="0"/>
+                        <a:cs typeface="Times New Roman" panose="02020603050405020304" pitchFamily="18" charset="0"/>
+                      </a:endParaRPr>
+                    </a:p>
+                  </a:txBody>
+                  <a:tcPr marL="68580" marR="68580" marT="0" marB="0"/>
+                </a:tc>
+                <a:tc>
+                  <a:txBody>
+                    <a:bodyPr/>
+                    <a:lstStyle/>
+                    <a:p>
+                      <a:pPr marL="0" marR="0">
+                        <a:lnSpc>
+                          <a:spcPct val="150000"/>
+                        </a:lnSpc>
+                        <a:spcBef>
+                          <a:spcPts val="0"/>
+                        </a:spcBef>
+                        <a:spcAft>
+                          <a:spcPts val="0"/>
+                        </a:spcAft>
+                      </a:pPr>
+                      <a:r>
+                        <a:rPr lang="en-US" sz="1200">
+                          <a:effectLst/>
+                        </a:rPr>
+                        <a:t>Int</a:t>
+                      </a:r>
+                      <a:endParaRPr lang="en-US" sz="1100">
+                        <a:effectLst/>
+                        <a:latin typeface="Calibri" panose="020F0502020204030204" pitchFamily="34" charset="0"/>
+                        <a:ea typeface="Calibri" panose="020F0502020204030204" pitchFamily="34" charset="0"/>
+                        <a:cs typeface="Times New Roman" panose="02020603050405020304" pitchFamily="18" charset="0"/>
+                      </a:endParaRPr>
+                    </a:p>
+                  </a:txBody>
+                  <a:tcPr marL="68580" marR="68580" marT="0" marB="0"/>
+                </a:tc>
+                <a:tc>
+                  <a:txBody>
+                    <a:bodyPr/>
+                    <a:lstStyle/>
+                    <a:p>
+                      <a:pPr marL="0" marR="0">
+                        <a:lnSpc>
+                          <a:spcPct val="150000"/>
+                        </a:lnSpc>
+                        <a:spcBef>
+                          <a:spcPts val="0"/>
+                        </a:spcBef>
+                        <a:spcAft>
+                          <a:spcPts val="0"/>
+                        </a:spcAft>
+                      </a:pPr>
+                      <a:r>
+                        <a:rPr lang="en-US" sz="1200">
+                          <a:effectLst/>
+                        </a:rPr>
+                        <a:t>10</a:t>
+                      </a:r>
+                      <a:endParaRPr lang="en-US" sz="1100">
+                        <a:effectLst/>
+                        <a:latin typeface="Calibri" panose="020F0502020204030204" pitchFamily="34" charset="0"/>
+                        <a:ea typeface="Calibri" panose="020F0502020204030204" pitchFamily="34" charset="0"/>
+                        <a:cs typeface="Times New Roman" panose="02020603050405020304" pitchFamily="18" charset="0"/>
+                      </a:endParaRPr>
+                    </a:p>
+                  </a:txBody>
+                  <a:tcPr marL="68580" marR="68580" marT="0" marB="0"/>
+                </a:tc>
+                <a:tc>
+                  <a:txBody>
+                    <a:bodyPr/>
+                    <a:lstStyle/>
+                    <a:p>
+                      <a:pPr marL="0" marR="0">
+                        <a:lnSpc>
+                          <a:spcPct val="150000"/>
+                        </a:lnSpc>
+                        <a:spcBef>
+                          <a:spcPts val="0"/>
+                        </a:spcBef>
+                        <a:spcAft>
+                          <a:spcPts val="0"/>
+                        </a:spcAft>
+                      </a:pPr>
+                      <a:r>
+                        <a:rPr lang="en-US" sz="1200">
+                          <a:effectLst/>
+                        </a:rPr>
+                        <a:t>Primary key</a:t>
+                      </a:r>
+                      <a:endParaRPr lang="en-US" sz="1100">
+                        <a:effectLst/>
+                        <a:latin typeface="Calibri" panose="020F0502020204030204" pitchFamily="34" charset="0"/>
+                        <a:ea typeface="Calibri" panose="020F0502020204030204" pitchFamily="34" charset="0"/>
+                        <a:cs typeface="Times New Roman" panose="02020603050405020304" pitchFamily="18" charset="0"/>
+                      </a:endParaRPr>
+                    </a:p>
+                  </a:txBody>
+                  <a:tcPr marL="68580" marR="68580" marT="0" marB="0"/>
+                </a:tc>
+                <a:extLst>
+                  <a:ext uri="{0D108BD9-81ED-4DB2-BD59-A6C34878D82A}">
+                    <a16:rowId xmlns:a16="http://schemas.microsoft.com/office/drawing/2014/main" val="3308027816"/>
+                  </a:ext>
+                </a:extLst>
+              </a:tr>
+              <a:tr h="575408">
+                <a:tc>
+                  <a:txBody>
+                    <a:bodyPr/>
+                    <a:lstStyle/>
+                    <a:p>
+                      <a:pPr marL="0" marR="0">
+                        <a:lnSpc>
+                          <a:spcPct val="150000"/>
+                        </a:lnSpc>
+                        <a:spcBef>
+                          <a:spcPts val="0"/>
+                        </a:spcBef>
+                        <a:spcAft>
+                          <a:spcPts val="0"/>
+                        </a:spcAft>
+                      </a:pPr>
+                      <a:r>
+                        <a:rPr lang="en-US" sz="1200">
+                          <a:effectLst/>
+                        </a:rPr>
+                        <a:t>House id</a:t>
+                      </a:r>
+                      <a:endParaRPr lang="en-US" sz="1100">
+                        <a:effectLst/>
+                        <a:latin typeface="Calibri" panose="020F0502020204030204" pitchFamily="34" charset="0"/>
+                        <a:ea typeface="Calibri" panose="020F0502020204030204" pitchFamily="34" charset="0"/>
+                        <a:cs typeface="Times New Roman" panose="02020603050405020304" pitchFamily="18" charset="0"/>
+                      </a:endParaRPr>
+                    </a:p>
+                  </a:txBody>
+                  <a:tcPr marL="68580" marR="68580" marT="0" marB="0"/>
+                </a:tc>
+                <a:tc>
+                  <a:txBody>
+                    <a:bodyPr/>
+                    <a:lstStyle/>
+                    <a:p>
+                      <a:pPr marL="0" marR="0">
+                        <a:lnSpc>
+                          <a:spcPct val="150000"/>
+                        </a:lnSpc>
+                        <a:spcBef>
+                          <a:spcPts val="0"/>
+                        </a:spcBef>
+                        <a:spcAft>
+                          <a:spcPts val="0"/>
+                        </a:spcAft>
+                      </a:pPr>
+                      <a:r>
+                        <a:rPr lang="en-US" sz="1200">
+                          <a:effectLst/>
+                        </a:rPr>
+                        <a:t>Int</a:t>
+                      </a:r>
+                      <a:endParaRPr lang="en-US" sz="1100">
+                        <a:effectLst/>
+                        <a:latin typeface="Calibri" panose="020F0502020204030204" pitchFamily="34" charset="0"/>
+                        <a:ea typeface="Calibri" panose="020F0502020204030204" pitchFamily="34" charset="0"/>
+                        <a:cs typeface="Times New Roman" panose="02020603050405020304" pitchFamily="18" charset="0"/>
+                      </a:endParaRPr>
+                    </a:p>
+                  </a:txBody>
+                  <a:tcPr marL="68580" marR="68580" marT="0" marB="0"/>
+                </a:tc>
+                <a:tc>
+                  <a:txBody>
+                    <a:bodyPr/>
+                    <a:lstStyle/>
+                    <a:p>
+                      <a:pPr marL="0" marR="0">
+                        <a:lnSpc>
+                          <a:spcPct val="150000"/>
+                        </a:lnSpc>
+                        <a:spcBef>
+                          <a:spcPts val="0"/>
+                        </a:spcBef>
+                        <a:spcAft>
+                          <a:spcPts val="0"/>
+                        </a:spcAft>
+                      </a:pPr>
+                      <a:r>
+                        <a:rPr lang="en-US" sz="1200">
+                          <a:effectLst/>
+                        </a:rPr>
+                        <a:t>10</a:t>
+                      </a:r>
+                      <a:endParaRPr lang="en-US" sz="1100">
+                        <a:effectLst/>
+                        <a:latin typeface="Calibri" panose="020F0502020204030204" pitchFamily="34" charset="0"/>
+                        <a:ea typeface="Calibri" panose="020F0502020204030204" pitchFamily="34" charset="0"/>
+                        <a:cs typeface="Times New Roman" panose="02020603050405020304" pitchFamily="18" charset="0"/>
+                      </a:endParaRPr>
+                    </a:p>
+                  </a:txBody>
+                  <a:tcPr marL="68580" marR="68580" marT="0" marB="0"/>
+                </a:tc>
+                <a:tc>
+                  <a:txBody>
+                    <a:bodyPr/>
+                    <a:lstStyle/>
+                    <a:p>
+                      <a:pPr marL="0" marR="0">
+                        <a:lnSpc>
+                          <a:spcPct val="150000"/>
+                        </a:lnSpc>
+                        <a:spcBef>
+                          <a:spcPts val="0"/>
+                        </a:spcBef>
+                        <a:spcAft>
+                          <a:spcPts val="0"/>
+                        </a:spcAft>
+                      </a:pPr>
+                      <a:r>
+                        <a:rPr lang="en-US" sz="1200">
+                          <a:effectLst/>
+                        </a:rPr>
+                        <a:t>Foreign key</a:t>
+                      </a:r>
+                      <a:endParaRPr lang="en-US" sz="1100">
+                        <a:effectLst/>
+                        <a:latin typeface="Calibri" panose="020F0502020204030204" pitchFamily="34" charset="0"/>
+                        <a:ea typeface="Calibri" panose="020F0502020204030204" pitchFamily="34" charset="0"/>
+                        <a:cs typeface="Times New Roman" panose="02020603050405020304" pitchFamily="18" charset="0"/>
+                      </a:endParaRPr>
+                    </a:p>
+                  </a:txBody>
+                  <a:tcPr marL="68580" marR="68580" marT="0" marB="0"/>
+                </a:tc>
+                <a:extLst>
+                  <a:ext uri="{0D108BD9-81ED-4DB2-BD59-A6C34878D82A}">
+                    <a16:rowId xmlns:a16="http://schemas.microsoft.com/office/drawing/2014/main" val="2916373992"/>
+                  </a:ext>
+                </a:extLst>
+              </a:tr>
+              <a:tr h="575408">
+                <a:tc>
+                  <a:txBody>
+                    <a:bodyPr/>
+                    <a:lstStyle/>
+                    <a:p>
+                      <a:pPr marL="0" marR="0">
+                        <a:lnSpc>
+                          <a:spcPct val="150000"/>
+                        </a:lnSpc>
+                        <a:spcBef>
+                          <a:spcPts val="0"/>
+                        </a:spcBef>
+                        <a:spcAft>
+                          <a:spcPts val="0"/>
+                        </a:spcAft>
+                      </a:pPr>
+                      <a:r>
+                        <a:rPr lang="en-US" sz="1200">
+                          <a:effectLst/>
+                        </a:rPr>
+                        <a:t>Image path</a:t>
+                      </a:r>
+                      <a:endParaRPr lang="en-US" sz="1100">
+                        <a:effectLst/>
+                        <a:latin typeface="Calibri" panose="020F0502020204030204" pitchFamily="34" charset="0"/>
+                        <a:ea typeface="Calibri" panose="020F0502020204030204" pitchFamily="34" charset="0"/>
+                        <a:cs typeface="Times New Roman" panose="02020603050405020304" pitchFamily="18" charset="0"/>
+                      </a:endParaRPr>
+                    </a:p>
+                  </a:txBody>
+                  <a:tcPr marL="68580" marR="68580" marT="0" marB="0"/>
+                </a:tc>
+                <a:tc>
+                  <a:txBody>
+                    <a:bodyPr/>
+                    <a:lstStyle/>
+                    <a:p>
+                      <a:pPr marL="0" marR="0">
+                        <a:lnSpc>
+                          <a:spcPct val="150000"/>
+                        </a:lnSpc>
+                        <a:spcBef>
+                          <a:spcPts val="0"/>
+                        </a:spcBef>
+                        <a:spcAft>
+                          <a:spcPts val="0"/>
+                        </a:spcAft>
+                      </a:pPr>
+                      <a:r>
+                        <a:rPr lang="en-US" sz="1200">
+                          <a:effectLst/>
+                        </a:rPr>
+                        <a:t>Varchar </a:t>
+                      </a:r>
+                      <a:endParaRPr lang="en-US" sz="1100">
+                        <a:effectLst/>
+                        <a:latin typeface="Calibri" panose="020F0502020204030204" pitchFamily="34" charset="0"/>
+                        <a:ea typeface="Calibri" panose="020F0502020204030204" pitchFamily="34" charset="0"/>
+                        <a:cs typeface="Times New Roman" panose="02020603050405020304" pitchFamily="18" charset="0"/>
+                      </a:endParaRPr>
+                    </a:p>
+                  </a:txBody>
+                  <a:tcPr marL="68580" marR="68580" marT="0" marB="0"/>
+                </a:tc>
+                <a:tc>
+                  <a:txBody>
+                    <a:bodyPr/>
+                    <a:lstStyle/>
+                    <a:p>
+                      <a:pPr marL="0" marR="0">
+                        <a:lnSpc>
+                          <a:spcPct val="150000"/>
+                        </a:lnSpc>
+                        <a:spcBef>
+                          <a:spcPts val="0"/>
+                        </a:spcBef>
+                        <a:spcAft>
+                          <a:spcPts val="0"/>
+                        </a:spcAft>
+                      </a:pPr>
+                      <a:r>
+                        <a:rPr lang="en-US" sz="1200">
+                          <a:effectLst/>
+                        </a:rPr>
+                        <a:t>30</a:t>
+                      </a:r>
+                      <a:endParaRPr lang="en-US" sz="1100">
+                        <a:effectLst/>
+                        <a:latin typeface="Calibri" panose="020F0502020204030204" pitchFamily="34" charset="0"/>
+                        <a:ea typeface="Calibri" panose="020F0502020204030204" pitchFamily="34" charset="0"/>
+                        <a:cs typeface="Times New Roman" panose="02020603050405020304" pitchFamily="18" charset="0"/>
+                      </a:endParaRPr>
+                    </a:p>
+                  </a:txBody>
+                  <a:tcPr marL="68580" marR="68580" marT="0" marB="0"/>
+                </a:tc>
+                <a:tc>
+                  <a:txBody>
+                    <a:bodyPr/>
+                    <a:lstStyle/>
+                    <a:p>
+                      <a:pPr marL="0" marR="0">
+                        <a:lnSpc>
+                          <a:spcPct val="150000"/>
+                        </a:lnSpc>
+                        <a:spcBef>
+                          <a:spcPts val="0"/>
+                        </a:spcBef>
+                        <a:spcAft>
+                          <a:spcPts val="0"/>
+                        </a:spcAft>
+                      </a:pPr>
+                      <a:r>
+                        <a:rPr lang="en-US" sz="1200">
+                          <a:effectLst/>
+                        </a:rPr>
+                        <a:t>Not null</a:t>
+                      </a:r>
+                      <a:endParaRPr lang="en-US" sz="1100">
+                        <a:effectLst/>
+                        <a:latin typeface="Calibri" panose="020F0502020204030204" pitchFamily="34" charset="0"/>
+                        <a:ea typeface="Calibri" panose="020F0502020204030204" pitchFamily="34" charset="0"/>
+                        <a:cs typeface="Times New Roman" panose="02020603050405020304" pitchFamily="18" charset="0"/>
+                      </a:endParaRPr>
+                    </a:p>
+                  </a:txBody>
+                  <a:tcPr marL="68580" marR="68580" marT="0" marB="0"/>
+                </a:tc>
+                <a:extLst>
+                  <a:ext uri="{0D108BD9-81ED-4DB2-BD59-A6C34878D82A}">
+                    <a16:rowId xmlns:a16="http://schemas.microsoft.com/office/drawing/2014/main" val="2173844074"/>
+                  </a:ext>
+                </a:extLst>
+              </a:tr>
+              <a:tr h="575408">
+                <a:tc>
+                  <a:txBody>
+                    <a:bodyPr/>
+                    <a:lstStyle/>
+                    <a:p>
+                      <a:pPr marL="0" marR="0">
+                        <a:lnSpc>
+                          <a:spcPct val="150000"/>
+                        </a:lnSpc>
+                        <a:spcBef>
+                          <a:spcPts val="0"/>
+                        </a:spcBef>
+                        <a:spcAft>
+                          <a:spcPts val="0"/>
+                        </a:spcAft>
+                      </a:pPr>
+                      <a:r>
+                        <a:rPr lang="en-US" sz="1200">
+                          <a:effectLst/>
+                        </a:rPr>
+                        <a:t>Image name</a:t>
+                      </a:r>
+                      <a:endParaRPr lang="en-US" sz="1100">
+                        <a:effectLst/>
+                        <a:latin typeface="Calibri" panose="020F0502020204030204" pitchFamily="34" charset="0"/>
+                        <a:ea typeface="Calibri" panose="020F0502020204030204" pitchFamily="34" charset="0"/>
+                        <a:cs typeface="Times New Roman" panose="02020603050405020304" pitchFamily="18" charset="0"/>
+                      </a:endParaRPr>
+                    </a:p>
+                  </a:txBody>
+                  <a:tcPr marL="68580" marR="68580" marT="0" marB="0"/>
+                </a:tc>
+                <a:tc>
+                  <a:txBody>
+                    <a:bodyPr/>
+                    <a:lstStyle/>
+                    <a:p>
+                      <a:pPr marL="0" marR="0">
+                        <a:lnSpc>
+                          <a:spcPct val="150000"/>
+                        </a:lnSpc>
+                        <a:spcBef>
+                          <a:spcPts val="0"/>
+                        </a:spcBef>
+                        <a:spcAft>
+                          <a:spcPts val="0"/>
+                        </a:spcAft>
+                      </a:pPr>
+                      <a:r>
+                        <a:rPr lang="en-US" sz="1200">
+                          <a:effectLst/>
+                        </a:rPr>
+                        <a:t>Varchar</a:t>
+                      </a:r>
+                      <a:endParaRPr lang="en-US" sz="1100">
+                        <a:effectLst/>
+                        <a:latin typeface="Calibri" panose="020F0502020204030204" pitchFamily="34" charset="0"/>
+                        <a:ea typeface="Calibri" panose="020F0502020204030204" pitchFamily="34" charset="0"/>
+                        <a:cs typeface="Times New Roman" panose="02020603050405020304" pitchFamily="18" charset="0"/>
+                      </a:endParaRPr>
+                    </a:p>
+                  </a:txBody>
+                  <a:tcPr marL="68580" marR="68580" marT="0" marB="0"/>
+                </a:tc>
+                <a:tc>
+                  <a:txBody>
+                    <a:bodyPr/>
+                    <a:lstStyle/>
+                    <a:p>
+                      <a:pPr marL="0" marR="0">
+                        <a:lnSpc>
+                          <a:spcPct val="150000"/>
+                        </a:lnSpc>
+                        <a:spcBef>
+                          <a:spcPts val="0"/>
+                        </a:spcBef>
+                        <a:spcAft>
+                          <a:spcPts val="0"/>
+                        </a:spcAft>
+                      </a:pPr>
+                      <a:r>
+                        <a:rPr lang="en-US" sz="1200">
+                          <a:effectLst/>
+                        </a:rPr>
+                        <a:t>20</a:t>
+                      </a:r>
+                      <a:endParaRPr lang="en-US" sz="1100">
+                        <a:effectLst/>
+                        <a:latin typeface="Calibri" panose="020F0502020204030204" pitchFamily="34" charset="0"/>
+                        <a:ea typeface="Calibri" panose="020F0502020204030204" pitchFamily="34" charset="0"/>
+                        <a:cs typeface="Times New Roman" panose="02020603050405020304" pitchFamily="18" charset="0"/>
+                      </a:endParaRPr>
+                    </a:p>
+                  </a:txBody>
+                  <a:tcPr marL="68580" marR="68580" marT="0" marB="0"/>
+                </a:tc>
+                <a:tc>
+                  <a:txBody>
+                    <a:bodyPr/>
+                    <a:lstStyle/>
+                    <a:p>
+                      <a:pPr marL="0" marR="0">
+                        <a:lnSpc>
+                          <a:spcPct val="150000"/>
+                        </a:lnSpc>
+                        <a:spcBef>
+                          <a:spcPts val="0"/>
+                        </a:spcBef>
+                        <a:spcAft>
+                          <a:spcPts val="0"/>
+                        </a:spcAft>
+                      </a:pPr>
+                      <a:r>
+                        <a:rPr lang="en-US" sz="1200" dirty="0">
+                          <a:effectLst/>
+                        </a:rPr>
+                        <a:t>Not null</a:t>
+                      </a:r>
+                      <a:endParaRPr lang="en-US" sz="1100" dirty="0">
+                        <a:effectLst/>
+                        <a:latin typeface="Calibri" panose="020F0502020204030204" pitchFamily="34" charset="0"/>
+                        <a:ea typeface="Calibri" panose="020F0502020204030204" pitchFamily="34" charset="0"/>
+                        <a:cs typeface="Times New Roman" panose="02020603050405020304" pitchFamily="18" charset="0"/>
+                      </a:endParaRPr>
+                    </a:p>
+                  </a:txBody>
+                  <a:tcPr marL="68580" marR="68580" marT="0" marB="0"/>
+                </a:tc>
+                <a:extLst>
+                  <a:ext uri="{0D108BD9-81ED-4DB2-BD59-A6C34878D82A}">
+                    <a16:rowId xmlns:a16="http://schemas.microsoft.com/office/drawing/2014/main" val="1475593149"/>
+                  </a:ext>
+                </a:extLst>
+              </a:tr>
+            </a:tbl>
+          </a:graphicData>
+        </a:graphic>
+      </p:graphicFrame>
+    </p:spTree>
+    <p:extLst>
+      <p:ext uri="{BB962C8B-B14F-4D97-AF65-F5344CB8AC3E}">
+        <p14:creationId xmlns:p14="http://schemas.microsoft.com/office/powerpoint/2010/main" val="2679480786"/>
+      </p:ext>
+    </p:extLst>
+  </p:cSld>
+  <p:clrMapOvr>
+    <a:masterClrMapping/>
+  </p:clrMapOvr>
+</p:sld>
+</file>
+
+<file path=ppt/slides/slide14.xml><?xml version="1.0" encoding="utf-8"?>
+<p:sld xmlns:a="http://schemas.openxmlformats.org/drawingml/2006/main" xmlns:r="http://schemas.openxmlformats.org/officeDocument/2006/relationships" xmlns:p="http://schemas.openxmlformats.org/presentationml/2006/main">
+  <p:cSld>
+    <p:spTree>
+      <p:nvGrpSpPr>
+        <p:cNvPr id="1" name=""/>
+        <p:cNvGrpSpPr/>
+        <p:nvPr/>
+      </p:nvGrpSpPr>
+      <p:grpSpPr>
+        <a:xfrm>
+          <a:off x="0" y="0"/>
+          <a:ext cx="0" cy="0"/>
+          <a:chOff x="0" y="0"/>
+          <a:chExt cx="0" cy="0"/>
+        </a:xfrm>
+      </p:grpSpPr>
+      <p:sp>
+        <p:nvSpPr>
+          <p:cNvPr id="2" name="Title 1">
+            <a:extLst>
+              <a:ext uri="{FF2B5EF4-FFF2-40B4-BE49-F238E27FC236}">
+                <a16:creationId xmlns:a16="http://schemas.microsoft.com/office/drawing/2014/main" id="{32BA5C0A-8395-4453-8097-A9671A12DB7D}"/>
+              </a:ext>
+            </a:extLst>
+          </p:cNvPr>
+          <p:cNvSpPr>
+            <a:spLocks noGrp="1"/>
+          </p:cNvSpPr>
+          <p:nvPr>
+            <p:ph type="title"/>
+          </p:nvPr>
+        </p:nvSpPr>
+        <p:spPr/>
+        <p:txBody>
+          <a:bodyPr/>
+          <a:lstStyle/>
+          <a:p>
+            <a:r>
+              <a:rPr lang="en-US" sz="1800" b="1" dirty="0">
+                <a:effectLst/>
+                <a:latin typeface="Times New Roman" panose="02020603050405020304" pitchFamily="18" charset="0"/>
+                <a:ea typeface="Calibri" panose="020F0502020204030204" pitchFamily="34" charset="0"/>
+                <a:cs typeface="Times New Roman" panose="02020603050405020304" pitchFamily="18" charset="0"/>
+              </a:rPr>
+              <a:t>TABLE NAME: CUSTOMER</a:t>
+            </a:r>
+            <a:br>
+              <a:rPr lang="en-US" sz="1800" dirty="0">
+                <a:effectLst/>
+                <a:latin typeface="Calibri" panose="020F0502020204030204" pitchFamily="34" charset="0"/>
+                <a:ea typeface="Calibri" panose="020F0502020204030204" pitchFamily="34" charset="0"/>
+                <a:cs typeface="Times New Roman" panose="02020603050405020304" pitchFamily="18" charset="0"/>
+              </a:rPr>
+            </a:br>
+            <a:endParaRPr lang="en-US" dirty="0"/>
+          </a:p>
+        </p:txBody>
+      </p:sp>
+      <p:graphicFrame>
+        <p:nvGraphicFramePr>
+          <p:cNvPr id="4" name="Content Placeholder 3">
+            <a:extLst>
+              <a:ext uri="{FF2B5EF4-FFF2-40B4-BE49-F238E27FC236}">
+                <a16:creationId xmlns:a16="http://schemas.microsoft.com/office/drawing/2014/main" id="{D6185FAC-A8B6-4968-833F-2F71D0CF3B7E}"/>
+              </a:ext>
+            </a:extLst>
+          </p:cNvPr>
+          <p:cNvGraphicFramePr>
+            <a:graphicFrameLocks noGrp="1"/>
+          </p:cNvGraphicFramePr>
+          <p:nvPr>
+            <p:ph idx="1"/>
+            <p:extLst>
+              <p:ext uri="{D42A27DB-BD31-4B8C-83A1-F6EECF244321}">
+                <p14:modId xmlns:p14="http://schemas.microsoft.com/office/powerpoint/2010/main" val="4203820321"/>
+              </p:ext>
+            </p:extLst>
+          </p:nvPr>
+        </p:nvGraphicFramePr>
+        <p:xfrm>
+          <a:off x="2040835" y="2332383"/>
+          <a:ext cx="6992040" cy="2671382"/>
+        </p:xfrm>
+        <a:graphic>
+          <a:graphicData uri="http://schemas.openxmlformats.org/drawingml/2006/table">
+            <a:tbl>
+              <a:tblPr firstRow="1" firstCol="1" bandRow="1">
+                <a:tableStyleId>{5C22544A-7EE6-4342-B048-85BDC9FD1C3A}</a:tableStyleId>
+              </a:tblPr>
+              <a:tblGrid>
+                <a:gridCol w="1747632">
+                  <a:extLst>
+                    <a:ext uri="{9D8B030D-6E8A-4147-A177-3AD203B41FA5}">
+                      <a16:colId xmlns:a16="http://schemas.microsoft.com/office/drawing/2014/main" val="1673681472"/>
+                    </a:ext>
+                  </a:extLst>
+                </a:gridCol>
+                <a:gridCol w="1747632">
+                  <a:extLst>
+                    <a:ext uri="{9D8B030D-6E8A-4147-A177-3AD203B41FA5}">
+                      <a16:colId xmlns:a16="http://schemas.microsoft.com/office/drawing/2014/main" val="353346359"/>
+                    </a:ext>
+                  </a:extLst>
+                </a:gridCol>
+                <a:gridCol w="1748388">
+                  <a:extLst>
+                    <a:ext uri="{9D8B030D-6E8A-4147-A177-3AD203B41FA5}">
+                      <a16:colId xmlns:a16="http://schemas.microsoft.com/office/drawing/2014/main" val="2837635526"/>
+                    </a:ext>
+                  </a:extLst>
+                </a:gridCol>
+                <a:gridCol w="1748388">
+                  <a:extLst>
+                    <a:ext uri="{9D8B030D-6E8A-4147-A177-3AD203B41FA5}">
+                      <a16:colId xmlns:a16="http://schemas.microsoft.com/office/drawing/2014/main" val="3232162600"/>
+                    </a:ext>
+                  </a:extLst>
+                </a:gridCol>
+              </a:tblGrid>
+              <a:tr h="381626">
+                <a:tc>
+                  <a:txBody>
+                    <a:bodyPr/>
+                    <a:lstStyle/>
+                    <a:p>
+                      <a:pPr marL="0" marR="0">
+                        <a:lnSpc>
+                          <a:spcPct val="150000"/>
+                        </a:lnSpc>
+                        <a:spcBef>
+                          <a:spcPts val="0"/>
+                        </a:spcBef>
+                        <a:spcAft>
+                          <a:spcPts val="0"/>
+                        </a:spcAft>
+                      </a:pPr>
+                      <a:r>
+                        <a:rPr lang="en-US" sz="1200">
+                          <a:effectLst/>
+                        </a:rPr>
+                        <a:t>FIELD </a:t>
+                      </a:r>
+                      <a:endParaRPr lang="en-US" sz="1100">
+                        <a:effectLst/>
+                        <a:latin typeface="Calibri" panose="020F0502020204030204" pitchFamily="34" charset="0"/>
+                        <a:ea typeface="Calibri" panose="020F0502020204030204" pitchFamily="34" charset="0"/>
+                        <a:cs typeface="Times New Roman" panose="02020603050405020304" pitchFamily="18" charset="0"/>
+                      </a:endParaRPr>
+                    </a:p>
+                  </a:txBody>
+                  <a:tcPr marL="68580" marR="68580" marT="0" marB="0"/>
+                </a:tc>
+                <a:tc>
+                  <a:txBody>
+                    <a:bodyPr/>
+                    <a:lstStyle/>
+                    <a:p>
+                      <a:pPr marL="0" marR="0">
+                        <a:lnSpc>
+                          <a:spcPct val="150000"/>
+                        </a:lnSpc>
+                        <a:spcBef>
+                          <a:spcPts val="0"/>
+                        </a:spcBef>
+                        <a:spcAft>
+                          <a:spcPts val="0"/>
+                        </a:spcAft>
+                      </a:pPr>
+                      <a:r>
+                        <a:rPr lang="en-US" sz="1200">
+                          <a:effectLst/>
+                        </a:rPr>
+                        <a:t>DATA TYPE</a:t>
+                      </a:r>
+                      <a:endParaRPr lang="en-US" sz="1100">
+                        <a:effectLst/>
+                        <a:latin typeface="Calibri" panose="020F0502020204030204" pitchFamily="34" charset="0"/>
+                        <a:ea typeface="Calibri" panose="020F0502020204030204" pitchFamily="34" charset="0"/>
+                        <a:cs typeface="Times New Roman" panose="02020603050405020304" pitchFamily="18" charset="0"/>
+                      </a:endParaRPr>
+                    </a:p>
+                  </a:txBody>
+                  <a:tcPr marL="68580" marR="68580" marT="0" marB="0"/>
+                </a:tc>
+                <a:tc>
+                  <a:txBody>
+                    <a:bodyPr/>
+                    <a:lstStyle/>
+                    <a:p>
+                      <a:pPr marL="0" marR="0">
+                        <a:lnSpc>
+                          <a:spcPct val="150000"/>
+                        </a:lnSpc>
+                        <a:spcBef>
+                          <a:spcPts val="0"/>
+                        </a:spcBef>
+                        <a:spcAft>
+                          <a:spcPts val="0"/>
+                        </a:spcAft>
+                      </a:pPr>
+                      <a:r>
+                        <a:rPr lang="en-US" sz="1200">
+                          <a:effectLst/>
+                        </a:rPr>
+                        <a:t>SIZE</a:t>
+                      </a:r>
+                      <a:endParaRPr lang="en-US" sz="1100">
+                        <a:effectLst/>
+                        <a:latin typeface="Calibri" panose="020F0502020204030204" pitchFamily="34" charset="0"/>
+                        <a:ea typeface="Calibri" panose="020F0502020204030204" pitchFamily="34" charset="0"/>
+                        <a:cs typeface="Times New Roman" panose="02020603050405020304" pitchFamily="18" charset="0"/>
+                      </a:endParaRPr>
+                    </a:p>
+                  </a:txBody>
+                  <a:tcPr marL="68580" marR="68580" marT="0" marB="0"/>
+                </a:tc>
+                <a:tc>
+                  <a:txBody>
+                    <a:bodyPr/>
+                    <a:lstStyle/>
+                    <a:p>
+                      <a:pPr marL="0" marR="0">
+                        <a:lnSpc>
+                          <a:spcPct val="150000"/>
+                        </a:lnSpc>
+                        <a:spcBef>
+                          <a:spcPts val="0"/>
+                        </a:spcBef>
+                        <a:spcAft>
+                          <a:spcPts val="0"/>
+                        </a:spcAft>
+                      </a:pPr>
+                      <a:r>
+                        <a:rPr lang="en-US" sz="1200">
+                          <a:effectLst/>
+                        </a:rPr>
+                        <a:t>CONSTRAINT</a:t>
+                      </a:r>
+                      <a:endParaRPr lang="en-US" sz="1100">
+                        <a:effectLst/>
+                        <a:latin typeface="Calibri" panose="020F0502020204030204" pitchFamily="34" charset="0"/>
+                        <a:ea typeface="Calibri" panose="020F0502020204030204" pitchFamily="34" charset="0"/>
+                        <a:cs typeface="Times New Roman" panose="02020603050405020304" pitchFamily="18" charset="0"/>
+                      </a:endParaRPr>
+                    </a:p>
+                  </a:txBody>
+                  <a:tcPr marL="68580" marR="68580" marT="0" marB="0"/>
+                </a:tc>
+                <a:extLst>
+                  <a:ext uri="{0D108BD9-81ED-4DB2-BD59-A6C34878D82A}">
+                    <a16:rowId xmlns:a16="http://schemas.microsoft.com/office/drawing/2014/main" val="3296296565"/>
+                  </a:ext>
+                </a:extLst>
+              </a:tr>
+              <a:tr h="381626">
+                <a:tc>
+                  <a:txBody>
+                    <a:bodyPr/>
+                    <a:lstStyle/>
+                    <a:p>
+                      <a:pPr marL="0" marR="0">
+                        <a:lnSpc>
+                          <a:spcPct val="150000"/>
+                        </a:lnSpc>
+                        <a:spcBef>
+                          <a:spcPts val="0"/>
+                        </a:spcBef>
+                        <a:spcAft>
+                          <a:spcPts val="0"/>
+                        </a:spcAft>
+                      </a:pPr>
+                      <a:r>
+                        <a:rPr lang="en-US" sz="1200">
+                          <a:effectLst/>
+                        </a:rPr>
+                        <a:t>Customer id</a:t>
+                      </a:r>
+                      <a:endParaRPr lang="en-US" sz="1100">
+                        <a:effectLst/>
+                        <a:latin typeface="Calibri" panose="020F0502020204030204" pitchFamily="34" charset="0"/>
+                        <a:ea typeface="Calibri" panose="020F0502020204030204" pitchFamily="34" charset="0"/>
+                        <a:cs typeface="Times New Roman" panose="02020603050405020304" pitchFamily="18" charset="0"/>
+                      </a:endParaRPr>
+                    </a:p>
+                  </a:txBody>
+                  <a:tcPr marL="68580" marR="68580" marT="0" marB="0"/>
+                </a:tc>
+                <a:tc>
+                  <a:txBody>
+                    <a:bodyPr/>
+                    <a:lstStyle/>
+                    <a:p>
+                      <a:pPr marL="0" marR="0">
+                        <a:lnSpc>
+                          <a:spcPct val="150000"/>
+                        </a:lnSpc>
+                        <a:spcBef>
+                          <a:spcPts val="0"/>
+                        </a:spcBef>
+                        <a:spcAft>
+                          <a:spcPts val="0"/>
+                        </a:spcAft>
+                      </a:pPr>
+                      <a:r>
+                        <a:rPr lang="en-US" sz="1200">
+                          <a:effectLst/>
+                        </a:rPr>
+                        <a:t>Int</a:t>
+                      </a:r>
+                      <a:endParaRPr lang="en-US" sz="1100">
+                        <a:effectLst/>
+                        <a:latin typeface="Calibri" panose="020F0502020204030204" pitchFamily="34" charset="0"/>
+                        <a:ea typeface="Calibri" panose="020F0502020204030204" pitchFamily="34" charset="0"/>
+                        <a:cs typeface="Times New Roman" panose="02020603050405020304" pitchFamily="18" charset="0"/>
+                      </a:endParaRPr>
+                    </a:p>
+                  </a:txBody>
+                  <a:tcPr marL="68580" marR="68580" marT="0" marB="0"/>
+                </a:tc>
+                <a:tc>
+                  <a:txBody>
+                    <a:bodyPr/>
+                    <a:lstStyle/>
+                    <a:p>
+                      <a:pPr marL="0" marR="0">
+                        <a:lnSpc>
+                          <a:spcPct val="150000"/>
+                        </a:lnSpc>
+                        <a:spcBef>
+                          <a:spcPts val="0"/>
+                        </a:spcBef>
+                        <a:spcAft>
+                          <a:spcPts val="0"/>
+                        </a:spcAft>
+                      </a:pPr>
+                      <a:r>
+                        <a:rPr lang="en-US" sz="1200">
+                          <a:effectLst/>
+                        </a:rPr>
+                        <a:t>10</a:t>
+                      </a:r>
+                      <a:endParaRPr lang="en-US" sz="1100">
+                        <a:effectLst/>
+                        <a:latin typeface="Calibri" panose="020F0502020204030204" pitchFamily="34" charset="0"/>
+                        <a:ea typeface="Calibri" panose="020F0502020204030204" pitchFamily="34" charset="0"/>
+                        <a:cs typeface="Times New Roman" panose="02020603050405020304" pitchFamily="18" charset="0"/>
+                      </a:endParaRPr>
+                    </a:p>
+                  </a:txBody>
+                  <a:tcPr marL="68580" marR="68580" marT="0" marB="0"/>
+                </a:tc>
+                <a:tc>
+                  <a:txBody>
+                    <a:bodyPr/>
+                    <a:lstStyle/>
+                    <a:p>
+                      <a:pPr marL="0" marR="0">
+                        <a:lnSpc>
+                          <a:spcPct val="150000"/>
+                        </a:lnSpc>
+                        <a:spcBef>
+                          <a:spcPts val="0"/>
+                        </a:spcBef>
+                        <a:spcAft>
+                          <a:spcPts val="0"/>
+                        </a:spcAft>
+                      </a:pPr>
+                      <a:r>
+                        <a:rPr lang="en-US" sz="1200">
+                          <a:effectLst/>
+                        </a:rPr>
+                        <a:t>Primary key</a:t>
+                      </a:r>
+                      <a:endParaRPr lang="en-US" sz="1100">
+                        <a:effectLst/>
+                        <a:latin typeface="Calibri" panose="020F0502020204030204" pitchFamily="34" charset="0"/>
+                        <a:ea typeface="Calibri" panose="020F0502020204030204" pitchFamily="34" charset="0"/>
+                        <a:cs typeface="Times New Roman" panose="02020603050405020304" pitchFamily="18" charset="0"/>
+                      </a:endParaRPr>
+                    </a:p>
+                  </a:txBody>
+                  <a:tcPr marL="68580" marR="68580" marT="0" marB="0"/>
+                </a:tc>
+                <a:extLst>
+                  <a:ext uri="{0D108BD9-81ED-4DB2-BD59-A6C34878D82A}">
+                    <a16:rowId xmlns:a16="http://schemas.microsoft.com/office/drawing/2014/main" val="4289662487"/>
+                  </a:ext>
+                </a:extLst>
+              </a:tr>
+              <a:tr h="381626">
+                <a:tc>
+                  <a:txBody>
+                    <a:bodyPr/>
+                    <a:lstStyle/>
+                    <a:p>
+                      <a:pPr marL="0" marR="0">
+                        <a:lnSpc>
+                          <a:spcPct val="150000"/>
+                        </a:lnSpc>
+                        <a:spcBef>
+                          <a:spcPts val="0"/>
+                        </a:spcBef>
+                        <a:spcAft>
+                          <a:spcPts val="0"/>
+                        </a:spcAft>
+                      </a:pPr>
+                      <a:r>
+                        <a:rPr lang="en-US" sz="1200">
+                          <a:effectLst/>
+                        </a:rPr>
+                        <a:t>Customer name</a:t>
+                      </a:r>
+                      <a:endParaRPr lang="en-US" sz="1100">
+                        <a:effectLst/>
+                        <a:latin typeface="Calibri" panose="020F0502020204030204" pitchFamily="34" charset="0"/>
+                        <a:ea typeface="Calibri" panose="020F0502020204030204" pitchFamily="34" charset="0"/>
+                        <a:cs typeface="Times New Roman" panose="02020603050405020304" pitchFamily="18" charset="0"/>
+                      </a:endParaRPr>
+                    </a:p>
+                  </a:txBody>
+                  <a:tcPr marL="68580" marR="68580" marT="0" marB="0"/>
+                </a:tc>
+                <a:tc>
+                  <a:txBody>
+                    <a:bodyPr/>
+                    <a:lstStyle/>
+                    <a:p>
+                      <a:pPr marL="0" marR="0">
+                        <a:lnSpc>
+                          <a:spcPct val="150000"/>
+                        </a:lnSpc>
+                        <a:spcBef>
+                          <a:spcPts val="0"/>
+                        </a:spcBef>
+                        <a:spcAft>
+                          <a:spcPts val="0"/>
+                        </a:spcAft>
+                      </a:pPr>
+                      <a:r>
+                        <a:rPr lang="en-US" sz="1200">
+                          <a:effectLst/>
+                        </a:rPr>
+                        <a:t>Varchar </a:t>
+                      </a:r>
+                      <a:endParaRPr lang="en-US" sz="1100">
+                        <a:effectLst/>
+                        <a:latin typeface="Calibri" panose="020F0502020204030204" pitchFamily="34" charset="0"/>
+                        <a:ea typeface="Calibri" panose="020F0502020204030204" pitchFamily="34" charset="0"/>
+                        <a:cs typeface="Times New Roman" panose="02020603050405020304" pitchFamily="18" charset="0"/>
+                      </a:endParaRPr>
+                    </a:p>
+                  </a:txBody>
+                  <a:tcPr marL="68580" marR="68580" marT="0" marB="0"/>
+                </a:tc>
+                <a:tc>
+                  <a:txBody>
+                    <a:bodyPr/>
+                    <a:lstStyle/>
+                    <a:p>
+                      <a:pPr marL="0" marR="0">
+                        <a:lnSpc>
+                          <a:spcPct val="150000"/>
+                        </a:lnSpc>
+                        <a:spcBef>
+                          <a:spcPts val="0"/>
+                        </a:spcBef>
+                        <a:spcAft>
+                          <a:spcPts val="0"/>
+                        </a:spcAft>
+                      </a:pPr>
+                      <a:r>
+                        <a:rPr lang="en-US" sz="1200">
+                          <a:effectLst/>
+                        </a:rPr>
+                        <a:t>20</a:t>
+                      </a:r>
+                      <a:endParaRPr lang="en-US" sz="1100">
+                        <a:effectLst/>
+                        <a:latin typeface="Calibri" panose="020F0502020204030204" pitchFamily="34" charset="0"/>
+                        <a:ea typeface="Calibri" panose="020F0502020204030204" pitchFamily="34" charset="0"/>
+                        <a:cs typeface="Times New Roman" panose="02020603050405020304" pitchFamily="18" charset="0"/>
+                      </a:endParaRPr>
+                    </a:p>
+                  </a:txBody>
+                  <a:tcPr marL="68580" marR="68580" marT="0" marB="0"/>
+                </a:tc>
+                <a:tc>
+                  <a:txBody>
+                    <a:bodyPr/>
+                    <a:lstStyle/>
+                    <a:p>
+                      <a:pPr marL="0" marR="0">
+                        <a:lnSpc>
+                          <a:spcPct val="150000"/>
+                        </a:lnSpc>
+                        <a:spcBef>
+                          <a:spcPts val="0"/>
+                        </a:spcBef>
+                        <a:spcAft>
+                          <a:spcPts val="0"/>
+                        </a:spcAft>
+                      </a:pPr>
+                      <a:r>
+                        <a:rPr lang="en-US" sz="1200">
+                          <a:effectLst/>
+                        </a:rPr>
+                        <a:t>Not null</a:t>
+                      </a:r>
+                      <a:endParaRPr lang="en-US" sz="1100">
+                        <a:effectLst/>
+                        <a:latin typeface="Calibri" panose="020F0502020204030204" pitchFamily="34" charset="0"/>
+                        <a:ea typeface="Calibri" panose="020F0502020204030204" pitchFamily="34" charset="0"/>
+                        <a:cs typeface="Times New Roman" panose="02020603050405020304" pitchFamily="18" charset="0"/>
+                      </a:endParaRPr>
+                    </a:p>
+                  </a:txBody>
+                  <a:tcPr marL="68580" marR="68580" marT="0" marB="0"/>
+                </a:tc>
+                <a:extLst>
+                  <a:ext uri="{0D108BD9-81ED-4DB2-BD59-A6C34878D82A}">
+                    <a16:rowId xmlns:a16="http://schemas.microsoft.com/office/drawing/2014/main" val="4053525281"/>
+                  </a:ext>
+                </a:extLst>
+              </a:tr>
+              <a:tr h="381626">
+                <a:tc>
+                  <a:txBody>
+                    <a:bodyPr/>
+                    <a:lstStyle/>
+                    <a:p>
+                      <a:pPr marL="0" marR="0">
+                        <a:lnSpc>
+                          <a:spcPct val="150000"/>
+                        </a:lnSpc>
+                        <a:spcBef>
+                          <a:spcPts val="0"/>
+                        </a:spcBef>
+                        <a:spcAft>
+                          <a:spcPts val="0"/>
+                        </a:spcAft>
+                      </a:pPr>
+                      <a:r>
+                        <a:rPr lang="en-US" sz="1200">
+                          <a:effectLst/>
+                        </a:rPr>
+                        <a:t>Mobile</a:t>
+                      </a:r>
+                      <a:endParaRPr lang="en-US" sz="1100">
+                        <a:effectLst/>
+                        <a:latin typeface="Calibri" panose="020F0502020204030204" pitchFamily="34" charset="0"/>
+                        <a:ea typeface="Calibri" panose="020F0502020204030204" pitchFamily="34" charset="0"/>
+                        <a:cs typeface="Times New Roman" panose="02020603050405020304" pitchFamily="18" charset="0"/>
+                      </a:endParaRPr>
+                    </a:p>
+                  </a:txBody>
+                  <a:tcPr marL="68580" marR="68580" marT="0" marB="0"/>
+                </a:tc>
+                <a:tc>
+                  <a:txBody>
+                    <a:bodyPr/>
+                    <a:lstStyle/>
+                    <a:p>
+                      <a:pPr marL="0" marR="0">
+                        <a:lnSpc>
+                          <a:spcPct val="150000"/>
+                        </a:lnSpc>
+                        <a:spcBef>
+                          <a:spcPts val="0"/>
+                        </a:spcBef>
+                        <a:spcAft>
+                          <a:spcPts val="0"/>
+                        </a:spcAft>
+                      </a:pPr>
+                      <a:r>
+                        <a:rPr lang="en-US" sz="1200">
+                          <a:effectLst/>
+                        </a:rPr>
+                        <a:t>Int</a:t>
+                      </a:r>
+                      <a:endParaRPr lang="en-US" sz="1100">
+                        <a:effectLst/>
+                        <a:latin typeface="Calibri" panose="020F0502020204030204" pitchFamily="34" charset="0"/>
+                        <a:ea typeface="Calibri" panose="020F0502020204030204" pitchFamily="34" charset="0"/>
+                        <a:cs typeface="Times New Roman" panose="02020603050405020304" pitchFamily="18" charset="0"/>
+                      </a:endParaRPr>
+                    </a:p>
+                  </a:txBody>
+                  <a:tcPr marL="68580" marR="68580" marT="0" marB="0"/>
+                </a:tc>
+                <a:tc>
+                  <a:txBody>
+                    <a:bodyPr/>
+                    <a:lstStyle/>
+                    <a:p>
+                      <a:pPr marL="0" marR="0">
+                        <a:lnSpc>
+                          <a:spcPct val="150000"/>
+                        </a:lnSpc>
+                        <a:spcBef>
+                          <a:spcPts val="0"/>
+                        </a:spcBef>
+                        <a:spcAft>
+                          <a:spcPts val="0"/>
+                        </a:spcAft>
+                      </a:pPr>
+                      <a:r>
+                        <a:rPr lang="en-US" sz="1200">
+                          <a:effectLst/>
+                        </a:rPr>
+                        <a:t>10</a:t>
+                      </a:r>
+                      <a:endParaRPr lang="en-US" sz="1100">
+                        <a:effectLst/>
+                        <a:latin typeface="Calibri" panose="020F0502020204030204" pitchFamily="34" charset="0"/>
+                        <a:ea typeface="Calibri" panose="020F0502020204030204" pitchFamily="34" charset="0"/>
+                        <a:cs typeface="Times New Roman" panose="02020603050405020304" pitchFamily="18" charset="0"/>
+                      </a:endParaRPr>
+                    </a:p>
+                  </a:txBody>
+                  <a:tcPr marL="68580" marR="68580" marT="0" marB="0"/>
+                </a:tc>
+                <a:tc>
+                  <a:txBody>
+                    <a:bodyPr/>
+                    <a:lstStyle/>
+                    <a:p>
+                      <a:pPr marL="0" marR="0">
+                        <a:lnSpc>
+                          <a:spcPct val="150000"/>
+                        </a:lnSpc>
+                        <a:spcBef>
+                          <a:spcPts val="0"/>
+                        </a:spcBef>
+                        <a:spcAft>
+                          <a:spcPts val="0"/>
+                        </a:spcAft>
+                      </a:pPr>
+                      <a:r>
+                        <a:rPr lang="en-US" sz="1200">
+                          <a:effectLst/>
+                        </a:rPr>
+                        <a:t>Not null</a:t>
+                      </a:r>
+                      <a:endParaRPr lang="en-US" sz="1100">
+                        <a:effectLst/>
+                        <a:latin typeface="Calibri" panose="020F0502020204030204" pitchFamily="34" charset="0"/>
+                        <a:ea typeface="Calibri" panose="020F0502020204030204" pitchFamily="34" charset="0"/>
+                        <a:cs typeface="Times New Roman" panose="02020603050405020304" pitchFamily="18" charset="0"/>
+                      </a:endParaRPr>
+                    </a:p>
+                  </a:txBody>
+                  <a:tcPr marL="68580" marR="68580" marT="0" marB="0"/>
+                </a:tc>
+                <a:extLst>
+                  <a:ext uri="{0D108BD9-81ED-4DB2-BD59-A6C34878D82A}">
+                    <a16:rowId xmlns:a16="http://schemas.microsoft.com/office/drawing/2014/main" val="73543860"/>
+                  </a:ext>
+                </a:extLst>
+              </a:tr>
+              <a:tr h="381626">
+                <a:tc>
+                  <a:txBody>
+                    <a:bodyPr/>
+                    <a:lstStyle/>
+                    <a:p>
+                      <a:pPr marL="0" marR="0">
+                        <a:lnSpc>
+                          <a:spcPct val="150000"/>
+                        </a:lnSpc>
+                        <a:spcBef>
+                          <a:spcPts val="0"/>
+                        </a:spcBef>
+                        <a:spcAft>
+                          <a:spcPts val="0"/>
+                        </a:spcAft>
+                      </a:pPr>
+                      <a:r>
+                        <a:rPr lang="en-US" sz="1200">
+                          <a:effectLst/>
+                        </a:rPr>
+                        <a:t>Email</a:t>
+                      </a:r>
+                      <a:endParaRPr lang="en-US" sz="1100">
+                        <a:effectLst/>
+                        <a:latin typeface="Calibri" panose="020F0502020204030204" pitchFamily="34" charset="0"/>
+                        <a:ea typeface="Calibri" panose="020F0502020204030204" pitchFamily="34" charset="0"/>
+                        <a:cs typeface="Times New Roman" panose="02020603050405020304" pitchFamily="18" charset="0"/>
+                      </a:endParaRPr>
+                    </a:p>
+                  </a:txBody>
+                  <a:tcPr marL="68580" marR="68580" marT="0" marB="0"/>
+                </a:tc>
+                <a:tc>
+                  <a:txBody>
+                    <a:bodyPr/>
+                    <a:lstStyle/>
+                    <a:p>
+                      <a:pPr marL="0" marR="0">
+                        <a:lnSpc>
+                          <a:spcPct val="150000"/>
+                        </a:lnSpc>
+                        <a:spcBef>
+                          <a:spcPts val="0"/>
+                        </a:spcBef>
+                        <a:spcAft>
+                          <a:spcPts val="0"/>
+                        </a:spcAft>
+                      </a:pPr>
+                      <a:r>
+                        <a:rPr lang="en-US" sz="1200">
+                          <a:effectLst/>
+                        </a:rPr>
+                        <a:t>Varchar </a:t>
+                      </a:r>
+                      <a:endParaRPr lang="en-US" sz="1100">
+                        <a:effectLst/>
+                        <a:latin typeface="Calibri" panose="020F0502020204030204" pitchFamily="34" charset="0"/>
+                        <a:ea typeface="Calibri" panose="020F0502020204030204" pitchFamily="34" charset="0"/>
+                        <a:cs typeface="Times New Roman" panose="02020603050405020304" pitchFamily="18" charset="0"/>
+                      </a:endParaRPr>
+                    </a:p>
+                  </a:txBody>
+                  <a:tcPr marL="68580" marR="68580" marT="0" marB="0"/>
+                </a:tc>
+                <a:tc>
+                  <a:txBody>
+                    <a:bodyPr/>
+                    <a:lstStyle/>
+                    <a:p>
+                      <a:pPr marL="0" marR="0">
+                        <a:lnSpc>
+                          <a:spcPct val="150000"/>
+                        </a:lnSpc>
+                        <a:spcBef>
+                          <a:spcPts val="0"/>
+                        </a:spcBef>
+                        <a:spcAft>
+                          <a:spcPts val="0"/>
+                        </a:spcAft>
+                      </a:pPr>
+                      <a:r>
+                        <a:rPr lang="en-US" sz="1200">
+                          <a:effectLst/>
+                        </a:rPr>
+                        <a:t>20</a:t>
+                      </a:r>
+                      <a:endParaRPr lang="en-US" sz="1100">
+                        <a:effectLst/>
+                        <a:latin typeface="Calibri" panose="020F0502020204030204" pitchFamily="34" charset="0"/>
+                        <a:ea typeface="Calibri" panose="020F0502020204030204" pitchFamily="34" charset="0"/>
+                        <a:cs typeface="Times New Roman" panose="02020603050405020304" pitchFamily="18" charset="0"/>
+                      </a:endParaRPr>
+                    </a:p>
+                  </a:txBody>
+                  <a:tcPr marL="68580" marR="68580" marT="0" marB="0"/>
+                </a:tc>
+                <a:tc>
+                  <a:txBody>
+                    <a:bodyPr/>
+                    <a:lstStyle/>
+                    <a:p>
+                      <a:pPr marL="0" marR="0">
+                        <a:lnSpc>
+                          <a:spcPct val="150000"/>
+                        </a:lnSpc>
+                        <a:spcBef>
+                          <a:spcPts val="0"/>
+                        </a:spcBef>
+                        <a:spcAft>
+                          <a:spcPts val="0"/>
+                        </a:spcAft>
+                      </a:pPr>
+                      <a:r>
+                        <a:rPr lang="en-US" sz="1200">
+                          <a:effectLst/>
+                        </a:rPr>
+                        <a:t>Not null</a:t>
+                      </a:r>
+                      <a:endParaRPr lang="en-US" sz="1100">
+                        <a:effectLst/>
+                        <a:latin typeface="Calibri" panose="020F0502020204030204" pitchFamily="34" charset="0"/>
+                        <a:ea typeface="Calibri" panose="020F0502020204030204" pitchFamily="34" charset="0"/>
+                        <a:cs typeface="Times New Roman" panose="02020603050405020304" pitchFamily="18" charset="0"/>
+                      </a:endParaRPr>
+                    </a:p>
+                  </a:txBody>
+                  <a:tcPr marL="68580" marR="68580" marT="0" marB="0"/>
+                </a:tc>
+                <a:extLst>
+                  <a:ext uri="{0D108BD9-81ED-4DB2-BD59-A6C34878D82A}">
+                    <a16:rowId xmlns:a16="http://schemas.microsoft.com/office/drawing/2014/main" val="2644176607"/>
+                  </a:ext>
+                </a:extLst>
+              </a:tr>
+              <a:tr h="381626">
+                <a:tc>
+                  <a:txBody>
+                    <a:bodyPr/>
+                    <a:lstStyle/>
+                    <a:p>
+                      <a:pPr marL="0" marR="0">
+                        <a:lnSpc>
+                          <a:spcPct val="150000"/>
+                        </a:lnSpc>
+                        <a:spcBef>
+                          <a:spcPts val="0"/>
+                        </a:spcBef>
+                        <a:spcAft>
+                          <a:spcPts val="0"/>
+                        </a:spcAft>
+                      </a:pPr>
+                      <a:r>
+                        <a:rPr lang="en-US" sz="1200">
+                          <a:effectLst/>
+                        </a:rPr>
+                        <a:t>Username</a:t>
+                      </a:r>
+                      <a:endParaRPr lang="en-US" sz="1100">
+                        <a:effectLst/>
+                        <a:latin typeface="Calibri" panose="020F0502020204030204" pitchFamily="34" charset="0"/>
+                        <a:ea typeface="Calibri" panose="020F0502020204030204" pitchFamily="34" charset="0"/>
+                        <a:cs typeface="Times New Roman" panose="02020603050405020304" pitchFamily="18" charset="0"/>
+                      </a:endParaRPr>
+                    </a:p>
+                  </a:txBody>
+                  <a:tcPr marL="68580" marR="68580" marT="0" marB="0"/>
+                </a:tc>
+                <a:tc>
+                  <a:txBody>
+                    <a:bodyPr/>
+                    <a:lstStyle/>
+                    <a:p>
+                      <a:pPr marL="0" marR="0">
+                        <a:lnSpc>
+                          <a:spcPct val="150000"/>
+                        </a:lnSpc>
+                        <a:spcBef>
+                          <a:spcPts val="0"/>
+                        </a:spcBef>
+                        <a:spcAft>
+                          <a:spcPts val="0"/>
+                        </a:spcAft>
+                      </a:pPr>
+                      <a:r>
+                        <a:rPr lang="en-US" sz="1200">
+                          <a:effectLst/>
+                        </a:rPr>
+                        <a:t>Varchar </a:t>
+                      </a:r>
+                      <a:endParaRPr lang="en-US" sz="1100">
+                        <a:effectLst/>
+                        <a:latin typeface="Calibri" panose="020F0502020204030204" pitchFamily="34" charset="0"/>
+                        <a:ea typeface="Calibri" panose="020F0502020204030204" pitchFamily="34" charset="0"/>
+                        <a:cs typeface="Times New Roman" panose="02020603050405020304" pitchFamily="18" charset="0"/>
+                      </a:endParaRPr>
+                    </a:p>
+                  </a:txBody>
+                  <a:tcPr marL="68580" marR="68580" marT="0" marB="0"/>
+                </a:tc>
+                <a:tc>
+                  <a:txBody>
+                    <a:bodyPr/>
+                    <a:lstStyle/>
+                    <a:p>
+                      <a:pPr marL="0" marR="0">
+                        <a:lnSpc>
+                          <a:spcPct val="150000"/>
+                        </a:lnSpc>
+                        <a:spcBef>
+                          <a:spcPts val="0"/>
+                        </a:spcBef>
+                        <a:spcAft>
+                          <a:spcPts val="0"/>
+                        </a:spcAft>
+                      </a:pPr>
+                      <a:r>
+                        <a:rPr lang="en-US" sz="1200">
+                          <a:effectLst/>
+                        </a:rPr>
+                        <a:t>20</a:t>
+                      </a:r>
+                      <a:endParaRPr lang="en-US" sz="1100">
+                        <a:effectLst/>
+                        <a:latin typeface="Calibri" panose="020F0502020204030204" pitchFamily="34" charset="0"/>
+                        <a:ea typeface="Calibri" panose="020F0502020204030204" pitchFamily="34" charset="0"/>
+                        <a:cs typeface="Times New Roman" panose="02020603050405020304" pitchFamily="18" charset="0"/>
+                      </a:endParaRPr>
+                    </a:p>
+                  </a:txBody>
+                  <a:tcPr marL="68580" marR="68580" marT="0" marB="0"/>
+                </a:tc>
+                <a:tc>
+                  <a:txBody>
+                    <a:bodyPr/>
+                    <a:lstStyle/>
+                    <a:p>
+                      <a:pPr marL="0" marR="0">
+                        <a:lnSpc>
+                          <a:spcPct val="150000"/>
+                        </a:lnSpc>
+                        <a:spcBef>
+                          <a:spcPts val="0"/>
+                        </a:spcBef>
+                        <a:spcAft>
+                          <a:spcPts val="0"/>
+                        </a:spcAft>
+                      </a:pPr>
+                      <a:r>
+                        <a:rPr lang="en-US" sz="1200">
+                          <a:effectLst/>
+                        </a:rPr>
+                        <a:t>Not null</a:t>
+                      </a:r>
+                      <a:endParaRPr lang="en-US" sz="1100">
+                        <a:effectLst/>
+                        <a:latin typeface="Calibri" panose="020F0502020204030204" pitchFamily="34" charset="0"/>
+                        <a:ea typeface="Calibri" panose="020F0502020204030204" pitchFamily="34" charset="0"/>
+                        <a:cs typeface="Times New Roman" panose="02020603050405020304" pitchFamily="18" charset="0"/>
+                      </a:endParaRPr>
+                    </a:p>
+                  </a:txBody>
+                  <a:tcPr marL="68580" marR="68580" marT="0" marB="0"/>
+                </a:tc>
+                <a:extLst>
+                  <a:ext uri="{0D108BD9-81ED-4DB2-BD59-A6C34878D82A}">
+                    <a16:rowId xmlns:a16="http://schemas.microsoft.com/office/drawing/2014/main" val="2061058428"/>
+                  </a:ext>
+                </a:extLst>
+              </a:tr>
+              <a:tr h="381626">
+                <a:tc>
+                  <a:txBody>
+                    <a:bodyPr/>
+                    <a:lstStyle/>
+                    <a:p>
+                      <a:pPr marL="0" marR="0">
+                        <a:lnSpc>
+                          <a:spcPct val="150000"/>
+                        </a:lnSpc>
+                        <a:spcBef>
+                          <a:spcPts val="0"/>
+                        </a:spcBef>
+                        <a:spcAft>
+                          <a:spcPts val="0"/>
+                        </a:spcAft>
+                      </a:pPr>
+                      <a:r>
+                        <a:rPr lang="en-US" sz="1200">
+                          <a:effectLst/>
+                        </a:rPr>
+                        <a:t>Password</a:t>
+                      </a:r>
+                      <a:endParaRPr lang="en-US" sz="1100">
+                        <a:effectLst/>
+                        <a:latin typeface="Calibri" panose="020F0502020204030204" pitchFamily="34" charset="0"/>
+                        <a:ea typeface="Calibri" panose="020F0502020204030204" pitchFamily="34" charset="0"/>
+                        <a:cs typeface="Times New Roman" panose="02020603050405020304" pitchFamily="18" charset="0"/>
+                      </a:endParaRPr>
+                    </a:p>
+                  </a:txBody>
+                  <a:tcPr marL="68580" marR="68580" marT="0" marB="0"/>
+                </a:tc>
+                <a:tc>
+                  <a:txBody>
+                    <a:bodyPr/>
+                    <a:lstStyle/>
+                    <a:p>
+                      <a:pPr marL="0" marR="0">
+                        <a:lnSpc>
+                          <a:spcPct val="150000"/>
+                        </a:lnSpc>
+                        <a:spcBef>
+                          <a:spcPts val="0"/>
+                        </a:spcBef>
+                        <a:spcAft>
+                          <a:spcPts val="0"/>
+                        </a:spcAft>
+                      </a:pPr>
+                      <a:r>
+                        <a:rPr lang="en-US" sz="1200">
+                          <a:effectLst/>
+                        </a:rPr>
+                        <a:t>Varchar </a:t>
+                      </a:r>
+                      <a:endParaRPr lang="en-US" sz="1100">
+                        <a:effectLst/>
+                        <a:latin typeface="Calibri" panose="020F0502020204030204" pitchFamily="34" charset="0"/>
+                        <a:ea typeface="Calibri" panose="020F0502020204030204" pitchFamily="34" charset="0"/>
+                        <a:cs typeface="Times New Roman" panose="02020603050405020304" pitchFamily="18" charset="0"/>
+                      </a:endParaRPr>
+                    </a:p>
+                  </a:txBody>
+                  <a:tcPr marL="68580" marR="68580" marT="0" marB="0"/>
+                </a:tc>
+                <a:tc>
+                  <a:txBody>
+                    <a:bodyPr/>
+                    <a:lstStyle/>
+                    <a:p>
+                      <a:pPr marL="0" marR="0">
+                        <a:lnSpc>
+                          <a:spcPct val="150000"/>
+                        </a:lnSpc>
+                        <a:spcBef>
+                          <a:spcPts val="0"/>
+                        </a:spcBef>
+                        <a:spcAft>
+                          <a:spcPts val="0"/>
+                        </a:spcAft>
+                      </a:pPr>
+                      <a:r>
+                        <a:rPr lang="en-US" sz="1200">
+                          <a:effectLst/>
+                        </a:rPr>
+                        <a:t>20</a:t>
+                      </a:r>
+                      <a:endParaRPr lang="en-US" sz="1100">
+                        <a:effectLst/>
+                        <a:latin typeface="Calibri" panose="020F0502020204030204" pitchFamily="34" charset="0"/>
+                        <a:ea typeface="Calibri" panose="020F0502020204030204" pitchFamily="34" charset="0"/>
+                        <a:cs typeface="Times New Roman" panose="02020603050405020304" pitchFamily="18" charset="0"/>
+                      </a:endParaRPr>
+                    </a:p>
+                  </a:txBody>
+                  <a:tcPr marL="68580" marR="68580" marT="0" marB="0"/>
+                </a:tc>
+                <a:tc>
+                  <a:txBody>
+                    <a:bodyPr/>
+                    <a:lstStyle/>
+                    <a:p>
+                      <a:pPr marL="0" marR="0">
+                        <a:lnSpc>
+                          <a:spcPct val="150000"/>
+                        </a:lnSpc>
+                        <a:spcBef>
+                          <a:spcPts val="0"/>
+                        </a:spcBef>
+                        <a:spcAft>
+                          <a:spcPts val="0"/>
+                        </a:spcAft>
+                      </a:pPr>
+                      <a:r>
+                        <a:rPr lang="en-US" sz="1200" dirty="0">
+                          <a:effectLst/>
+                        </a:rPr>
+                        <a:t>Not null</a:t>
+                      </a:r>
+                      <a:endParaRPr lang="en-US" sz="1100" dirty="0">
+                        <a:effectLst/>
+                        <a:latin typeface="Calibri" panose="020F0502020204030204" pitchFamily="34" charset="0"/>
+                        <a:ea typeface="Calibri" panose="020F0502020204030204" pitchFamily="34" charset="0"/>
+                        <a:cs typeface="Times New Roman" panose="02020603050405020304" pitchFamily="18" charset="0"/>
+                      </a:endParaRPr>
+                    </a:p>
+                  </a:txBody>
+                  <a:tcPr marL="68580" marR="68580" marT="0" marB="0"/>
+                </a:tc>
+                <a:extLst>
+                  <a:ext uri="{0D108BD9-81ED-4DB2-BD59-A6C34878D82A}">
+                    <a16:rowId xmlns:a16="http://schemas.microsoft.com/office/drawing/2014/main" val="327535261"/>
+                  </a:ext>
+                </a:extLst>
+              </a:tr>
+            </a:tbl>
+          </a:graphicData>
+        </a:graphic>
+      </p:graphicFrame>
+    </p:spTree>
+    <p:extLst>
+      <p:ext uri="{BB962C8B-B14F-4D97-AF65-F5344CB8AC3E}">
+        <p14:creationId xmlns:p14="http://schemas.microsoft.com/office/powerpoint/2010/main" val="4224795236"/>
+      </p:ext>
+    </p:extLst>
+  </p:cSld>
+  <p:clrMapOvr>
+    <a:masterClrMapping/>
+  </p:clrMapOvr>
+</p:sld>
+</file>
+
+<file path=ppt/slides/slide15.xml><?xml version="1.0" encoding="utf-8"?>
+<p:sld xmlns:a="http://schemas.openxmlformats.org/drawingml/2006/main" xmlns:r="http://schemas.openxmlformats.org/officeDocument/2006/relationships" xmlns:p="http://schemas.openxmlformats.org/presentationml/2006/main">
+  <p:cSld>
+    <p:spTree>
+      <p:nvGrpSpPr>
+        <p:cNvPr id="1" name=""/>
+        <p:cNvGrpSpPr/>
+        <p:nvPr/>
+      </p:nvGrpSpPr>
+      <p:grpSpPr>
+        <a:xfrm>
+          <a:off x="0" y="0"/>
+          <a:ext cx="0" cy="0"/>
+          <a:chOff x="0" y="0"/>
+          <a:chExt cx="0" cy="0"/>
+        </a:xfrm>
+      </p:grpSpPr>
+      <p:sp>
+        <p:nvSpPr>
+          <p:cNvPr id="2" name="Title 1">
+            <a:extLst>
+              <a:ext uri="{FF2B5EF4-FFF2-40B4-BE49-F238E27FC236}">
+                <a16:creationId xmlns:a16="http://schemas.microsoft.com/office/drawing/2014/main" id="{A5691475-1207-47DB-9E66-019001ABEC54}"/>
+              </a:ext>
+            </a:extLst>
+          </p:cNvPr>
+          <p:cNvSpPr>
+            <a:spLocks noGrp="1"/>
+          </p:cNvSpPr>
+          <p:nvPr>
+            <p:ph type="title"/>
+          </p:nvPr>
+        </p:nvSpPr>
+        <p:spPr/>
+        <p:txBody>
+          <a:bodyPr/>
+          <a:lstStyle/>
+          <a:p>
+            <a:r>
+              <a:rPr lang="en-US" sz="1800" b="1" dirty="0">
+                <a:effectLst/>
+                <a:latin typeface="Times New Roman" panose="02020603050405020304" pitchFamily="18" charset="0"/>
+                <a:ea typeface="Calibri" panose="020F0502020204030204" pitchFamily="34" charset="0"/>
+                <a:cs typeface="Times New Roman" panose="02020603050405020304" pitchFamily="18" charset="0"/>
+              </a:rPr>
+              <a:t>TABLE NAME: BOOKING</a:t>
+            </a:r>
+            <a:br>
+              <a:rPr lang="en-US" sz="1800" dirty="0">
+                <a:effectLst/>
+                <a:latin typeface="Calibri" panose="020F0502020204030204" pitchFamily="34" charset="0"/>
+                <a:ea typeface="Calibri" panose="020F0502020204030204" pitchFamily="34" charset="0"/>
+                <a:cs typeface="Times New Roman" panose="02020603050405020304" pitchFamily="18" charset="0"/>
+              </a:rPr>
+            </a:br>
+            <a:endParaRPr lang="en-US" dirty="0"/>
+          </a:p>
+        </p:txBody>
+      </p:sp>
+      <p:graphicFrame>
+        <p:nvGraphicFramePr>
+          <p:cNvPr id="4" name="Content Placeholder 3">
+            <a:extLst>
+              <a:ext uri="{FF2B5EF4-FFF2-40B4-BE49-F238E27FC236}">
+                <a16:creationId xmlns:a16="http://schemas.microsoft.com/office/drawing/2014/main" id="{D1B83DDE-6EC4-4A40-BE7B-7684992E1D23}"/>
+              </a:ext>
+            </a:extLst>
+          </p:cNvPr>
+          <p:cNvGraphicFramePr>
+            <a:graphicFrameLocks noGrp="1"/>
+          </p:cNvGraphicFramePr>
+          <p:nvPr>
+            <p:ph idx="1"/>
+            <p:extLst>
+              <p:ext uri="{D42A27DB-BD31-4B8C-83A1-F6EECF244321}">
+                <p14:modId xmlns:p14="http://schemas.microsoft.com/office/powerpoint/2010/main" val="3711344735"/>
+              </p:ext>
+            </p:extLst>
+          </p:nvPr>
+        </p:nvGraphicFramePr>
+        <p:xfrm>
+          <a:off x="2001078" y="2398644"/>
+          <a:ext cx="7031796" cy="2360205"/>
+        </p:xfrm>
+        <a:graphic>
+          <a:graphicData uri="http://schemas.openxmlformats.org/drawingml/2006/table">
+            <a:tbl>
+              <a:tblPr firstRow="1" firstCol="1" bandRow="1">
+                <a:tableStyleId>{5C22544A-7EE6-4342-B048-85BDC9FD1C3A}</a:tableStyleId>
+              </a:tblPr>
+              <a:tblGrid>
+                <a:gridCol w="1757569">
+                  <a:extLst>
+                    <a:ext uri="{9D8B030D-6E8A-4147-A177-3AD203B41FA5}">
+                      <a16:colId xmlns:a16="http://schemas.microsoft.com/office/drawing/2014/main" val="2010473909"/>
+                    </a:ext>
+                  </a:extLst>
+                </a:gridCol>
+                <a:gridCol w="1757569">
+                  <a:extLst>
+                    <a:ext uri="{9D8B030D-6E8A-4147-A177-3AD203B41FA5}">
+                      <a16:colId xmlns:a16="http://schemas.microsoft.com/office/drawing/2014/main" val="3706322469"/>
+                    </a:ext>
+                  </a:extLst>
+                </a:gridCol>
+                <a:gridCol w="1758329">
+                  <a:extLst>
+                    <a:ext uri="{9D8B030D-6E8A-4147-A177-3AD203B41FA5}">
+                      <a16:colId xmlns:a16="http://schemas.microsoft.com/office/drawing/2014/main" val="3527381396"/>
+                    </a:ext>
+                  </a:extLst>
+                </a:gridCol>
+                <a:gridCol w="1758329">
+                  <a:extLst>
+                    <a:ext uri="{9D8B030D-6E8A-4147-A177-3AD203B41FA5}">
+                      <a16:colId xmlns:a16="http://schemas.microsoft.com/office/drawing/2014/main" val="2905556320"/>
+                    </a:ext>
+                  </a:extLst>
+                </a:gridCol>
+              </a:tblGrid>
+              <a:tr h="472041">
+                <a:tc>
+                  <a:txBody>
+                    <a:bodyPr/>
+                    <a:lstStyle/>
+                    <a:p>
+                      <a:pPr marL="0" marR="0">
+                        <a:lnSpc>
+                          <a:spcPct val="150000"/>
+                        </a:lnSpc>
+                        <a:spcBef>
+                          <a:spcPts val="0"/>
+                        </a:spcBef>
+                        <a:spcAft>
+                          <a:spcPts val="0"/>
+                        </a:spcAft>
+                      </a:pPr>
+                      <a:r>
+                        <a:rPr lang="en-US" sz="1200">
+                          <a:effectLst/>
+                        </a:rPr>
+                        <a:t>FIELD </a:t>
+                      </a:r>
+                      <a:endParaRPr lang="en-US" sz="1100">
+                        <a:effectLst/>
+                        <a:latin typeface="Calibri" panose="020F0502020204030204" pitchFamily="34" charset="0"/>
+                        <a:ea typeface="Calibri" panose="020F0502020204030204" pitchFamily="34" charset="0"/>
+                        <a:cs typeface="Times New Roman" panose="02020603050405020304" pitchFamily="18" charset="0"/>
+                      </a:endParaRPr>
+                    </a:p>
+                  </a:txBody>
+                  <a:tcPr marL="68580" marR="68580" marT="0" marB="0"/>
+                </a:tc>
+                <a:tc>
+                  <a:txBody>
+                    <a:bodyPr/>
+                    <a:lstStyle/>
+                    <a:p>
+                      <a:pPr marL="0" marR="0">
+                        <a:lnSpc>
+                          <a:spcPct val="150000"/>
+                        </a:lnSpc>
+                        <a:spcBef>
+                          <a:spcPts val="0"/>
+                        </a:spcBef>
+                        <a:spcAft>
+                          <a:spcPts val="0"/>
+                        </a:spcAft>
+                      </a:pPr>
+                      <a:r>
+                        <a:rPr lang="en-US" sz="1200">
+                          <a:effectLst/>
+                        </a:rPr>
+                        <a:t>DATA TYPE</a:t>
+                      </a:r>
+                      <a:endParaRPr lang="en-US" sz="1100">
+                        <a:effectLst/>
+                        <a:latin typeface="Calibri" panose="020F0502020204030204" pitchFamily="34" charset="0"/>
+                        <a:ea typeface="Calibri" panose="020F0502020204030204" pitchFamily="34" charset="0"/>
+                        <a:cs typeface="Times New Roman" panose="02020603050405020304" pitchFamily="18" charset="0"/>
+                      </a:endParaRPr>
+                    </a:p>
+                  </a:txBody>
+                  <a:tcPr marL="68580" marR="68580" marT="0" marB="0"/>
+                </a:tc>
+                <a:tc>
+                  <a:txBody>
+                    <a:bodyPr/>
+                    <a:lstStyle/>
+                    <a:p>
+                      <a:pPr marL="0" marR="0">
+                        <a:lnSpc>
+                          <a:spcPct val="150000"/>
+                        </a:lnSpc>
+                        <a:spcBef>
+                          <a:spcPts val="0"/>
+                        </a:spcBef>
+                        <a:spcAft>
+                          <a:spcPts val="0"/>
+                        </a:spcAft>
+                      </a:pPr>
+                      <a:r>
+                        <a:rPr lang="en-US" sz="1200">
+                          <a:effectLst/>
+                        </a:rPr>
+                        <a:t>SIZE</a:t>
+                      </a:r>
+                      <a:endParaRPr lang="en-US" sz="1100">
+                        <a:effectLst/>
+                        <a:latin typeface="Calibri" panose="020F0502020204030204" pitchFamily="34" charset="0"/>
+                        <a:ea typeface="Calibri" panose="020F0502020204030204" pitchFamily="34" charset="0"/>
+                        <a:cs typeface="Times New Roman" panose="02020603050405020304" pitchFamily="18" charset="0"/>
+                      </a:endParaRPr>
+                    </a:p>
+                  </a:txBody>
+                  <a:tcPr marL="68580" marR="68580" marT="0" marB="0"/>
+                </a:tc>
+                <a:tc>
+                  <a:txBody>
+                    <a:bodyPr/>
+                    <a:lstStyle/>
+                    <a:p>
+                      <a:pPr marL="0" marR="0">
+                        <a:lnSpc>
+                          <a:spcPct val="150000"/>
+                        </a:lnSpc>
+                        <a:spcBef>
+                          <a:spcPts val="0"/>
+                        </a:spcBef>
+                        <a:spcAft>
+                          <a:spcPts val="0"/>
+                        </a:spcAft>
+                      </a:pPr>
+                      <a:r>
+                        <a:rPr lang="en-US" sz="1200">
+                          <a:effectLst/>
+                        </a:rPr>
+                        <a:t>CONSTRAINT</a:t>
+                      </a:r>
+                      <a:endParaRPr lang="en-US" sz="1100">
+                        <a:effectLst/>
+                        <a:latin typeface="Calibri" panose="020F0502020204030204" pitchFamily="34" charset="0"/>
+                        <a:ea typeface="Calibri" panose="020F0502020204030204" pitchFamily="34" charset="0"/>
+                        <a:cs typeface="Times New Roman" panose="02020603050405020304" pitchFamily="18" charset="0"/>
+                      </a:endParaRPr>
+                    </a:p>
+                  </a:txBody>
+                  <a:tcPr marL="68580" marR="68580" marT="0" marB="0"/>
+                </a:tc>
+                <a:extLst>
+                  <a:ext uri="{0D108BD9-81ED-4DB2-BD59-A6C34878D82A}">
+                    <a16:rowId xmlns:a16="http://schemas.microsoft.com/office/drawing/2014/main" val="2259862909"/>
+                  </a:ext>
+                </a:extLst>
+              </a:tr>
+              <a:tr h="472041">
+                <a:tc>
+                  <a:txBody>
+                    <a:bodyPr/>
+                    <a:lstStyle/>
+                    <a:p>
+                      <a:pPr marL="0" marR="0">
+                        <a:lnSpc>
+                          <a:spcPct val="150000"/>
+                        </a:lnSpc>
+                        <a:spcBef>
+                          <a:spcPts val="0"/>
+                        </a:spcBef>
+                        <a:spcAft>
+                          <a:spcPts val="0"/>
+                        </a:spcAft>
+                      </a:pPr>
+                      <a:r>
+                        <a:rPr lang="en-US" sz="1200">
+                          <a:effectLst/>
+                        </a:rPr>
+                        <a:t>Booking id</a:t>
+                      </a:r>
+                      <a:endParaRPr lang="en-US" sz="1100">
+                        <a:effectLst/>
+                        <a:latin typeface="Calibri" panose="020F0502020204030204" pitchFamily="34" charset="0"/>
+                        <a:ea typeface="Calibri" panose="020F0502020204030204" pitchFamily="34" charset="0"/>
+                        <a:cs typeface="Times New Roman" panose="02020603050405020304" pitchFamily="18" charset="0"/>
+                      </a:endParaRPr>
+                    </a:p>
+                  </a:txBody>
+                  <a:tcPr marL="68580" marR="68580" marT="0" marB="0"/>
+                </a:tc>
+                <a:tc>
+                  <a:txBody>
+                    <a:bodyPr/>
+                    <a:lstStyle/>
+                    <a:p>
+                      <a:pPr marL="0" marR="0">
+                        <a:lnSpc>
+                          <a:spcPct val="150000"/>
+                        </a:lnSpc>
+                        <a:spcBef>
+                          <a:spcPts val="0"/>
+                        </a:spcBef>
+                        <a:spcAft>
+                          <a:spcPts val="0"/>
+                        </a:spcAft>
+                      </a:pPr>
+                      <a:r>
+                        <a:rPr lang="en-US" sz="1200">
+                          <a:effectLst/>
+                        </a:rPr>
+                        <a:t>Int</a:t>
+                      </a:r>
+                      <a:endParaRPr lang="en-US" sz="1100">
+                        <a:effectLst/>
+                        <a:latin typeface="Calibri" panose="020F0502020204030204" pitchFamily="34" charset="0"/>
+                        <a:ea typeface="Calibri" panose="020F0502020204030204" pitchFamily="34" charset="0"/>
+                        <a:cs typeface="Times New Roman" panose="02020603050405020304" pitchFamily="18" charset="0"/>
+                      </a:endParaRPr>
+                    </a:p>
+                  </a:txBody>
+                  <a:tcPr marL="68580" marR="68580" marT="0" marB="0"/>
+                </a:tc>
+                <a:tc>
+                  <a:txBody>
+                    <a:bodyPr/>
+                    <a:lstStyle/>
+                    <a:p>
+                      <a:pPr marL="0" marR="0">
+                        <a:lnSpc>
+                          <a:spcPct val="150000"/>
+                        </a:lnSpc>
+                        <a:spcBef>
+                          <a:spcPts val="0"/>
+                        </a:spcBef>
+                        <a:spcAft>
+                          <a:spcPts val="0"/>
+                        </a:spcAft>
+                      </a:pPr>
+                      <a:r>
+                        <a:rPr lang="en-US" sz="1200">
+                          <a:effectLst/>
+                        </a:rPr>
+                        <a:t>10</a:t>
+                      </a:r>
+                      <a:endParaRPr lang="en-US" sz="1100">
+                        <a:effectLst/>
+                        <a:latin typeface="Calibri" panose="020F0502020204030204" pitchFamily="34" charset="0"/>
+                        <a:ea typeface="Calibri" panose="020F0502020204030204" pitchFamily="34" charset="0"/>
+                        <a:cs typeface="Times New Roman" panose="02020603050405020304" pitchFamily="18" charset="0"/>
+                      </a:endParaRPr>
+                    </a:p>
+                  </a:txBody>
+                  <a:tcPr marL="68580" marR="68580" marT="0" marB="0"/>
+                </a:tc>
+                <a:tc>
+                  <a:txBody>
+                    <a:bodyPr/>
+                    <a:lstStyle/>
+                    <a:p>
+                      <a:pPr marL="0" marR="0">
+                        <a:lnSpc>
+                          <a:spcPct val="150000"/>
+                        </a:lnSpc>
+                        <a:spcBef>
+                          <a:spcPts val="0"/>
+                        </a:spcBef>
+                        <a:spcAft>
+                          <a:spcPts val="0"/>
+                        </a:spcAft>
+                      </a:pPr>
+                      <a:r>
+                        <a:rPr lang="en-US" sz="1200">
+                          <a:effectLst/>
+                        </a:rPr>
+                        <a:t>Primary key</a:t>
+                      </a:r>
+                      <a:endParaRPr lang="en-US" sz="1100">
+                        <a:effectLst/>
+                        <a:latin typeface="Calibri" panose="020F0502020204030204" pitchFamily="34" charset="0"/>
+                        <a:ea typeface="Calibri" panose="020F0502020204030204" pitchFamily="34" charset="0"/>
+                        <a:cs typeface="Times New Roman" panose="02020603050405020304" pitchFamily="18" charset="0"/>
+                      </a:endParaRPr>
+                    </a:p>
+                  </a:txBody>
+                  <a:tcPr marL="68580" marR="68580" marT="0" marB="0"/>
+                </a:tc>
+                <a:extLst>
+                  <a:ext uri="{0D108BD9-81ED-4DB2-BD59-A6C34878D82A}">
+                    <a16:rowId xmlns:a16="http://schemas.microsoft.com/office/drawing/2014/main" val="3032552951"/>
+                  </a:ext>
+                </a:extLst>
+              </a:tr>
+              <a:tr h="472041">
+                <a:tc>
+                  <a:txBody>
+                    <a:bodyPr/>
+                    <a:lstStyle/>
+                    <a:p>
+                      <a:pPr marL="0" marR="0">
+                        <a:lnSpc>
+                          <a:spcPct val="150000"/>
+                        </a:lnSpc>
+                        <a:spcBef>
+                          <a:spcPts val="0"/>
+                        </a:spcBef>
+                        <a:spcAft>
+                          <a:spcPts val="0"/>
+                        </a:spcAft>
+                      </a:pPr>
+                      <a:r>
+                        <a:rPr lang="en-US" sz="1200">
+                          <a:effectLst/>
+                        </a:rPr>
+                        <a:t>Customer id</a:t>
+                      </a:r>
+                      <a:endParaRPr lang="en-US" sz="1100">
+                        <a:effectLst/>
+                        <a:latin typeface="Calibri" panose="020F0502020204030204" pitchFamily="34" charset="0"/>
+                        <a:ea typeface="Calibri" panose="020F0502020204030204" pitchFamily="34" charset="0"/>
+                        <a:cs typeface="Times New Roman" panose="02020603050405020304" pitchFamily="18" charset="0"/>
+                      </a:endParaRPr>
+                    </a:p>
+                  </a:txBody>
+                  <a:tcPr marL="68580" marR="68580" marT="0" marB="0"/>
+                </a:tc>
+                <a:tc>
+                  <a:txBody>
+                    <a:bodyPr/>
+                    <a:lstStyle/>
+                    <a:p>
+                      <a:pPr marL="0" marR="0">
+                        <a:lnSpc>
+                          <a:spcPct val="150000"/>
+                        </a:lnSpc>
+                        <a:spcBef>
+                          <a:spcPts val="0"/>
+                        </a:spcBef>
+                        <a:spcAft>
+                          <a:spcPts val="0"/>
+                        </a:spcAft>
+                      </a:pPr>
+                      <a:r>
+                        <a:rPr lang="en-US" sz="1200">
+                          <a:effectLst/>
+                        </a:rPr>
+                        <a:t>Int</a:t>
+                      </a:r>
+                      <a:endParaRPr lang="en-US" sz="1100">
+                        <a:effectLst/>
+                        <a:latin typeface="Calibri" panose="020F0502020204030204" pitchFamily="34" charset="0"/>
+                        <a:ea typeface="Calibri" panose="020F0502020204030204" pitchFamily="34" charset="0"/>
+                        <a:cs typeface="Times New Roman" panose="02020603050405020304" pitchFamily="18" charset="0"/>
+                      </a:endParaRPr>
+                    </a:p>
+                  </a:txBody>
+                  <a:tcPr marL="68580" marR="68580" marT="0" marB="0"/>
+                </a:tc>
+                <a:tc>
+                  <a:txBody>
+                    <a:bodyPr/>
+                    <a:lstStyle/>
+                    <a:p>
+                      <a:pPr marL="0" marR="0">
+                        <a:lnSpc>
+                          <a:spcPct val="150000"/>
+                        </a:lnSpc>
+                        <a:spcBef>
+                          <a:spcPts val="0"/>
+                        </a:spcBef>
+                        <a:spcAft>
+                          <a:spcPts val="0"/>
+                        </a:spcAft>
+                      </a:pPr>
+                      <a:r>
+                        <a:rPr lang="en-US" sz="1200">
+                          <a:effectLst/>
+                        </a:rPr>
+                        <a:t>10</a:t>
+                      </a:r>
+                      <a:endParaRPr lang="en-US" sz="1100">
+                        <a:effectLst/>
+                        <a:latin typeface="Calibri" panose="020F0502020204030204" pitchFamily="34" charset="0"/>
+                        <a:ea typeface="Calibri" panose="020F0502020204030204" pitchFamily="34" charset="0"/>
+                        <a:cs typeface="Times New Roman" panose="02020603050405020304" pitchFamily="18" charset="0"/>
+                      </a:endParaRPr>
+                    </a:p>
+                  </a:txBody>
+                  <a:tcPr marL="68580" marR="68580" marT="0" marB="0"/>
+                </a:tc>
+                <a:tc>
+                  <a:txBody>
+                    <a:bodyPr/>
+                    <a:lstStyle/>
+                    <a:p>
+                      <a:pPr marL="0" marR="0">
+                        <a:lnSpc>
+                          <a:spcPct val="150000"/>
+                        </a:lnSpc>
+                        <a:spcBef>
+                          <a:spcPts val="0"/>
+                        </a:spcBef>
+                        <a:spcAft>
+                          <a:spcPts val="0"/>
+                        </a:spcAft>
+                      </a:pPr>
+                      <a:r>
+                        <a:rPr lang="en-US" sz="1200">
+                          <a:effectLst/>
+                        </a:rPr>
+                        <a:t>Foreign key</a:t>
+                      </a:r>
+                      <a:endParaRPr lang="en-US" sz="1100">
+                        <a:effectLst/>
+                        <a:latin typeface="Calibri" panose="020F0502020204030204" pitchFamily="34" charset="0"/>
+                        <a:ea typeface="Calibri" panose="020F0502020204030204" pitchFamily="34" charset="0"/>
+                        <a:cs typeface="Times New Roman" panose="02020603050405020304" pitchFamily="18" charset="0"/>
+                      </a:endParaRPr>
+                    </a:p>
+                  </a:txBody>
+                  <a:tcPr marL="68580" marR="68580" marT="0" marB="0"/>
+                </a:tc>
+                <a:extLst>
+                  <a:ext uri="{0D108BD9-81ED-4DB2-BD59-A6C34878D82A}">
+                    <a16:rowId xmlns:a16="http://schemas.microsoft.com/office/drawing/2014/main" val="498618095"/>
+                  </a:ext>
+                </a:extLst>
+              </a:tr>
+              <a:tr h="472041">
+                <a:tc>
+                  <a:txBody>
+                    <a:bodyPr/>
+                    <a:lstStyle/>
+                    <a:p>
+                      <a:pPr marL="0" marR="0">
+                        <a:lnSpc>
+                          <a:spcPct val="150000"/>
+                        </a:lnSpc>
+                        <a:spcBef>
+                          <a:spcPts val="0"/>
+                        </a:spcBef>
+                        <a:spcAft>
+                          <a:spcPts val="0"/>
+                        </a:spcAft>
+                      </a:pPr>
+                      <a:r>
+                        <a:rPr lang="en-US" sz="1200">
+                          <a:effectLst/>
+                        </a:rPr>
+                        <a:t>House id</a:t>
+                      </a:r>
+                      <a:endParaRPr lang="en-US" sz="1100">
+                        <a:effectLst/>
+                        <a:latin typeface="Calibri" panose="020F0502020204030204" pitchFamily="34" charset="0"/>
+                        <a:ea typeface="Calibri" panose="020F0502020204030204" pitchFamily="34" charset="0"/>
+                        <a:cs typeface="Times New Roman" panose="02020603050405020304" pitchFamily="18" charset="0"/>
+                      </a:endParaRPr>
+                    </a:p>
+                  </a:txBody>
+                  <a:tcPr marL="68580" marR="68580" marT="0" marB="0"/>
+                </a:tc>
+                <a:tc>
+                  <a:txBody>
+                    <a:bodyPr/>
+                    <a:lstStyle/>
+                    <a:p>
+                      <a:pPr marL="0" marR="0">
+                        <a:lnSpc>
+                          <a:spcPct val="150000"/>
+                        </a:lnSpc>
+                        <a:spcBef>
+                          <a:spcPts val="0"/>
+                        </a:spcBef>
+                        <a:spcAft>
+                          <a:spcPts val="0"/>
+                        </a:spcAft>
+                      </a:pPr>
+                      <a:r>
+                        <a:rPr lang="en-US" sz="1200">
+                          <a:effectLst/>
+                        </a:rPr>
+                        <a:t>Int</a:t>
+                      </a:r>
+                      <a:endParaRPr lang="en-US" sz="1100">
+                        <a:effectLst/>
+                        <a:latin typeface="Calibri" panose="020F0502020204030204" pitchFamily="34" charset="0"/>
+                        <a:ea typeface="Calibri" panose="020F0502020204030204" pitchFamily="34" charset="0"/>
+                        <a:cs typeface="Times New Roman" panose="02020603050405020304" pitchFamily="18" charset="0"/>
+                      </a:endParaRPr>
+                    </a:p>
+                  </a:txBody>
+                  <a:tcPr marL="68580" marR="68580" marT="0" marB="0"/>
+                </a:tc>
+                <a:tc>
+                  <a:txBody>
+                    <a:bodyPr/>
+                    <a:lstStyle/>
+                    <a:p>
+                      <a:pPr marL="0" marR="0">
+                        <a:lnSpc>
+                          <a:spcPct val="150000"/>
+                        </a:lnSpc>
+                        <a:spcBef>
+                          <a:spcPts val="0"/>
+                        </a:spcBef>
+                        <a:spcAft>
+                          <a:spcPts val="0"/>
+                        </a:spcAft>
+                      </a:pPr>
+                      <a:r>
+                        <a:rPr lang="en-US" sz="1200">
+                          <a:effectLst/>
+                        </a:rPr>
+                        <a:t>10</a:t>
+                      </a:r>
+                      <a:endParaRPr lang="en-US" sz="1100">
+                        <a:effectLst/>
+                        <a:latin typeface="Calibri" panose="020F0502020204030204" pitchFamily="34" charset="0"/>
+                        <a:ea typeface="Calibri" panose="020F0502020204030204" pitchFamily="34" charset="0"/>
+                        <a:cs typeface="Times New Roman" panose="02020603050405020304" pitchFamily="18" charset="0"/>
+                      </a:endParaRPr>
+                    </a:p>
+                  </a:txBody>
+                  <a:tcPr marL="68580" marR="68580" marT="0" marB="0"/>
+                </a:tc>
+                <a:tc>
+                  <a:txBody>
+                    <a:bodyPr/>
+                    <a:lstStyle/>
+                    <a:p>
+                      <a:pPr marL="0" marR="0">
+                        <a:lnSpc>
+                          <a:spcPct val="150000"/>
+                        </a:lnSpc>
+                        <a:spcBef>
+                          <a:spcPts val="0"/>
+                        </a:spcBef>
+                        <a:spcAft>
+                          <a:spcPts val="0"/>
+                        </a:spcAft>
+                      </a:pPr>
+                      <a:r>
+                        <a:rPr lang="en-US" sz="1200">
+                          <a:effectLst/>
+                        </a:rPr>
+                        <a:t>Foreign key</a:t>
+                      </a:r>
+                      <a:endParaRPr lang="en-US" sz="1100">
+                        <a:effectLst/>
+                        <a:latin typeface="Calibri" panose="020F0502020204030204" pitchFamily="34" charset="0"/>
+                        <a:ea typeface="Calibri" panose="020F0502020204030204" pitchFamily="34" charset="0"/>
+                        <a:cs typeface="Times New Roman" panose="02020603050405020304" pitchFamily="18" charset="0"/>
+                      </a:endParaRPr>
+                    </a:p>
+                  </a:txBody>
+                  <a:tcPr marL="68580" marR="68580" marT="0" marB="0"/>
+                </a:tc>
+                <a:extLst>
+                  <a:ext uri="{0D108BD9-81ED-4DB2-BD59-A6C34878D82A}">
+                    <a16:rowId xmlns:a16="http://schemas.microsoft.com/office/drawing/2014/main" val="21961546"/>
+                  </a:ext>
+                </a:extLst>
+              </a:tr>
+              <a:tr h="472041">
+                <a:tc>
+                  <a:txBody>
+                    <a:bodyPr/>
+                    <a:lstStyle/>
+                    <a:p>
+                      <a:pPr marL="0" marR="0">
+                        <a:lnSpc>
+                          <a:spcPct val="150000"/>
+                        </a:lnSpc>
+                        <a:spcBef>
+                          <a:spcPts val="0"/>
+                        </a:spcBef>
+                        <a:spcAft>
+                          <a:spcPts val="0"/>
+                        </a:spcAft>
+                      </a:pPr>
+                      <a:r>
+                        <a:rPr lang="en-US" sz="1200">
+                          <a:effectLst/>
+                        </a:rPr>
+                        <a:t>Booking status</a:t>
+                      </a:r>
+                      <a:endParaRPr lang="en-US" sz="1100">
+                        <a:effectLst/>
+                        <a:latin typeface="Calibri" panose="020F0502020204030204" pitchFamily="34" charset="0"/>
+                        <a:ea typeface="Calibri" panose="020F0502020204030204" pitchFamily="34" charset="0"/>
+                        <a:cs typeface="Times New Roman" panose="02020603050405020304" pitchFamily="18" charset="0"/>
+                      </a:endParaRPr>
+                    </a:p>
+                  </a:txBody>
+                  <a:tcPr marL="68580" marR="68580" marT="0" marB="0"/>
+                </a:tc>
+                <a:tc>
+                  <a:txBody>
+                    <a:bodyPr/>
+                    <a:lstStyle/>
+                    <a:p>
+                      <a:pPr marL="0" marR="0">
+                        <a:lnSpc>
+                          <a:spcPct val="150000"/>
+                        </a:lnSpc>
+                        <a:spcBef>
+                          <a:spcPts val="0"/>
+                        </a:spcBef>
+                        <a:spcAft>
+                          <a:spcPts val="0"/>
+                        </a:spcAft>
+                      </a:pPr>
+                      <a:r>
+                        <a:rPr lang="en-US" sz="1200">
+                          <a:effectLst/>
+                        </a:rPr>
+                        <a:t>Varchar</a:t>
+                      </a:r>
+                      <a:endParaRPr lang="en-US" sz="1100">
+                        <a:effectLst/>
+                        <a:latin typeface="Calibri" panose="020F0502020204030204" pitchFamily="34" charset="0"/>
+                        <a:ea typeface="Calibri" panose="020F0502020204030204" pitchFamily="34" charset="0"/>
+                        <a:cs typeface="Times New Roman" panose="02020603050405020304" pitchFamily="18" charset="0"/>
+                      </a:endParaRPr>
+                    </a:p>
+                  </a:txBody>
+                  <a:tcPr marL="68580" marR="68580" marT="0" marB="0"/>
+                </a:tc>
+                <a:tc>
+                  <a:txBody>
+                    <a:bodyPr/>
+                    <a:lstStyle/>
+                    <a:p>
+                      <a:pPr marL="0" marR="0">
+                        <a:lnSpc>
+                          <a:spcPct val="150000"/>
+                        </a:lnSpc>
+                        <a:spcBef>
+                          <a:spcPts val="0"/>
+                        </a:spcBef>
+                        <a:spcAft>
+                          <a:spcPts val="0"/>
+                        </a:spcAft>
+                      </a:pPr>
+                      <a:r>
+                        <a:rPr lang="en-US" sz="1200">
+                          <a:effectLst/>
+                        </a:rPr>
+                        <a:t>20</a:t>
+                      </a:r>
+                      <a:endParaRPr lang="en-US" sz="1100">
+                        <a:effectLst/>
+                        <a:latin typeface="Calibri" panose="020F0502020204030204" pitchFamily="34" charset="0"/>
+                        <a:ea typeface="Calibri" panose="020F0502020204030204" pitchFamily="34" charset="0"/>
+                        <a:cs typeface="Times New Roman" panose="02020603050405020304" pitchFamily="18" charset="0"/>
+                      </a:endParaRPr>
+                    </a:p>
+                  </a:txBody>
+                  <a:tcPr marL="68580" marR="68580" marT="0" marB="0"/>
+                </a:tc>
+                <a:tc>
+                  <a:txBody>
+                    <a:bodyPr/>
+                    <a:lstStyle/>
+                    <a:p>
+                      <a:pPr marL="0" marR="0">
+                        <a:lnSpc>
+                          <a:spcPct val="150000"/>
+                        </a:lnSpc>
+                        <a:spcBef>
+                          <a:spcPts val="0"/>
+                        </a:spcBef>
+                        <a:spcAft>
+                          <a:spcPts val="0"/>
+                        </a:spcAft>
+                      </a:pPr>
+                      <a:r>
+                        <a:rPr lang="en-US" sz="1200" dirty="0">
+                          <a:effectLst/>
+                        </a:rPr>
+                        <a:t>Not null</a:t>
+                      </a:r>
+                      <a:endParaRPr lang="en-US" sz="1100" dirty="0">
+                        <a:effectLst/>
+                        <a:latin typeface="Calibri" panose="020F0502020204030204" pitchFamily="34" charset="0"/>
+                        <a:ea typeface="Calibri" panose="020F0502020204030204" pitchFamily="34" charset="0"/>
+                        <a:cs typeface="Times New Roman" panose="02020603050405020304" pitchFamily="18" charset="0"/>
+                      </a:endParaRPr>
+                    </a:p>
+                  </a:txBody>
+                  <a:tcPr marL="68580" marR="68580" marT="0" marB="0"/>
+                </a:tc>
+                <a:extLst>
+                  <a:ext uri="{0D108BD9-81ED-4DB2-BD59-A6C34878D82A}">
+                    <a16:rowId xmlns:a16="http://schemas.microsoft.com/office/drawing/2014/main" val="1136376768"/>
+                  </a:ext>
+                </a:extLst>
+              </a:tr>
+            </a:tbl>
+          </a:graphicData>
+        </a:graphic>
+      </p:graphicFrame>
+    </p:spTree>
+    <p:extLst>
+      <p:ext uri="{BB962C8B-B14F-4D97-AF65-F5344CB8AC3E}">
+        <p14:creationId xmlns:p14="http://schemas.microsoft.com/office/powerpoint/2010/main" val="916829455"/>
+      </p:ext>
+    </p:extLst>
+  </p:cSld>
+  <p:clrMapOvr>
+    <a:masterClrMapping/>
+  </p:clrMapOvr>
+</p:sld>
+</file>
+
+<file path=ppt/slides/slide16.xml><?xml version="1.0" encoding="utf-8"?>
+<p:sld xmlns:a="http://schemas.openxmlformats.org/drawingml/2006/main" xmlns:r="http://schemas.openxmlformats.org/officeDocument/2006/relationships" xmlns:p="http://schemas.openxmlformats.org/presentationml/2006/main">
+  <p:cSld>
+    <p:spTree>
+      <p:nvGrpSpPr>
+        <p:cNvPr id="1" name=""/>
+        <p:cNvGrpSpPr/>
+        <p:nvPr/>
+      </p:nvGrpSpPr>
+      <p:grpSpPr>
+        <a:xfrm>
+          <a:off x="0" y="0"/>
+          <a:ext cx="0" cy="0"/>
+          <a:chOff x="0" y="0"/>
+          <a:chExt cx="0" cy="0"/>
+        </a:xfrm>
+      </p:grpSpPr>
+      <p:sp>
+        <p:nvSpPr>
+          <p:cNvPr id="2" name="Title 1">
+            <a:extLst>
+              <a:ext uri="{FF2B5EF4-FFF2-40B4-BE49-F238E27FC236}">
+                <a16:creationId xmlns:a16="http://schemas.microsoft.com/office/drawing/2014/main" id="{D657AB84-6990-4EEF-B824-2FDFC9193FFA}"/>
+              </a:ext>
+            </a:extLst>
+          </p:cNvPr>
+          <p:cNvSpPr>
+            <a:spLocks noGrp="1"/>
+          </p:cNvSpPr>
+          <p:nvPr>
+            <p:ph type="title"/>
+          </p:nvPr>
+        </p:nvSpPr>
+        <p:spPr/>
+        <p:txBody>
+          <a:bodyPr/>
+          <a:lstStyle/>
+          <a:p>
+            <a:endParaRPr lang="en-US"/>
+          </a:p>
+        </p:txBody>
+      </p:sp>
+      <p:pic>
+        <p:nvPicPr>
+          <p:cNvPr id="5" name="Content Placeholder 4">
+            <a:extLst>
+              <a:ext uri="{FF2B5EF4-FFF2-40B4-BE49-F238E27FC236}">
+                <a16:creationId xmlns:a16="http://schemas.microsoft.com/office/drawing/2014/main" id="{C05D15CB-0B79-4FB2-A4DE-C574CE64C652}"/>
+              </a:ext>
+            </a:extLst>
+          </p:cNvPr>
+          <p:cNvPicPr>
+            <a:picLocks noGrp="1" noChangeAspect="1"/>
+          </p:cNvPicPr>
+          <p:nvPr>
+            <p:ph idx="1"/>
+          </p:nvPr>
+        </p:nvPicPr>
+        <p:blipFill>
+          <a:blip r:embed="rId2">
+            <a:extLst>
+              <a:ext uri="{28A0092B-C50C-407E-A947-70E740481C1C}">
+                <a14:useLocalDpi xmlns:a14="http://schemas.microsoft.com/office/drawing/2010/main" val="0"/>
+              </a:ext>
+            </a:extLst>
+          </a:blip>
+          <a:stretch>
+            <a:fillRect/>
+          </a:stretch>
+        </p:blipFill>
+        <p:spPr>
+          <a:xfrm>
+            <a:off x="2313553" y="1099930"/>
+            <a:ext cx="6302624" cy="5072270"/>
+          </a:xfrm>
+        </p:spPr>
+      </p:pic>
+    </p:spTree>
+    <p:extLst>
+      <p:ext uri="{BB962C8B-B14F-4D97-AF65-F5344CB8AC3E}">
+        <p14:creationId xmlns:p14="http://schemas.microsoft.com/office/powerpoint/2010/main" val="30811291"/>
+      </p:ext>
+    </p:extLst>
+  </p:cSld>
+  <p:clrMapOvr>
+    <a:masterClrMapping/>
+  </p:clrMapOvr>
+</p:sld>
+</file>
+
+<file path=ppt/slides/slide17.xml><?xml version="1.0" encoding="utf-8"?>
+<p:sld xmlns:a="http://schemas.openxmlformats.org/drawingml/2006/main" xmlns:r="http://schemas.openxmlformats.org/officeDocument/2006/relationships" xmlns:p="http://schemas.openxmlformats.org/presentationml/2006/main">
+  <p:cSld>
+    <p:spTree>
+      <p:nvGrpSpPr>
+        <p:cNvPr id="1" name=""/>
+        <p:cNvGrpSpPr/>
+        <p:nvPr/>
+      </p:nvGrpSpPr>
+      <p:grpSpPr>
+        <a:xfrm>
+          <a:off x="0" y="0"/>
+          <a:ext cx="0" cy="0"/>
+          <a:chOff x="0" y="0"/>
+          <a:chExt cx="0" cy="0"/>
+        </a:xfrm>
+      </p:grpSpPr>
+      <p:sp>
+        <p:nvSpPr>
+          <p:cNvPr id="2" name="Title 1">
+            <a:extLst>
+              <a:ext uri="{FF2B5EF4-FFF2-40B4-BE49-F238E27FC236}">
+                <a16:creationId xmlns:a16="http://schemas.microsoft.com/office/drawing/2014/main" id="{CCAC3B29-197D-42D2-BEE6-B5C92501B2EF}"/>
+              </a:ext>
+            </a:extLst>
+          </p:cNvPr>
+          <p:cNvSpPr>
+            <a:spLocks noGrp="1"/>
+          </p:cNvSpPr>
+          <p:nvPr>
+            <p:ph type="title"/>
+          </p:nvPr>
+        </p:nvSpPr>
+        <p:spPr/>
+        <p:txBody>
+          <a:bodyPr/>
+          <a:lstStyle/>
+          <a:p>
+            <a:endParaRPr lang="en-US"/>
+          </a:p>
+        </p:txBody>
+      </p:sp>
+      <p:pic>
+        <p:nvPicPr>
+          <p:cNvPr id="5" name="Content Placeholder 4">
+            <a:extLst>
+              <a:ext uri="{FF2B5EF4-FFF2-40B4-BE49-F238E27FC236}">
+                <a16:creationId xmlns:a16="http://schemas.microsoft.com/office/drawing/2014/main" id="{89599401-81C3-48FF-9FA7-91EB42B2A97A}"/>
+              </a:ext>
+            </a:extLst>
+          </p:cNvPr>
+          <p:cNvPicPr>
+            <a:picLocks noGrp="1" noChangeAspect="1"/>
+          </p:cNvPicPr>
+          <p:nvPr>
+            <p:ph idx="1"/>
+          </p:nvPr>
+        </p:nvPicPr>
+        <p:blipFill>
+          <a:blip r:embed="rId2">
+            <a:extLst>
+              <a:ext uri="{28A0092B-C50C-407E-A947-70E740481C1C}">
+                <a14:useLocalDpi xmlns:a14="http://schemas.microsoft.com/office/drawing/2010/main" val="0"/>
+              </a:ext>
+            </a:extLst>
+          </a:blip>
+          <a:stretch>
+            <a:fillRect/>
+          </a:stretch>
+        </p:blipFill>
+        <p:spPr>
+          <a:xfrm>
+            <a:off x="2362953" y="1139687"/>
+            <a:ext cx="6253224" cy="5032513"/>
+          </a:xfrm>
+        </p:spPr>
+      </p:pic>
+    </p:spTree>
+    <p:extLst>
+      <p:ext uri="{BB962C8B-B14F-4D97-AF65-F5344CB8AC3E}">
+        <p14:creationId xmlns:p14="http://schemas.microsoft.com/office/powerpoint/2010/main" val="1716613009"/>
+      </p:ext>
+    </p:extLst>
+  </p:cSld>
+  <p:clrMapOvr>
+    <a:masterClrMapping/>
+  </p:clrMapOvr>
+</p:sld>
+</file>
+
+<file path=ppt/slides/slide18.xml><?xml version="1.0" encoding="utf-8"?>
+<p:sld xmlns:a="http://schemas.openxmlformats.org/drawingml/2006/main" xmlns:r="http://schemas.openxmlformats.org/officeDocument/2006/relationships" xmlns:p="http://schemas.openxmlformats.org/presentationml/2006/main">
+  <p:cSld>
+    <p:spTree>
+      <p:nvGrpSpPr>
+        <p:cNvPr id="1" name=""/>
+        <p:cNvGrpSpPr/>
+        <p:nvPr/>
+      </p:nvGrpSpPr>
+      <p:grpSpPr>
+        <a:xfrm>
+          <a:off x="0" y="0"/>
+          <a:ext cx="0" cy="0"/>
+          <a:chOff x="0" y="0"/>
+          <a:chExt cx="0" cy="0"/>
+        </a:xfrm>
+      </p:grpSpPr>
+      <p:sp>
+        <p:nvSpPr>
+          <p:cNvPr id="2" name="Title 1">
+            <a:extLst>
+              <a:ext uri="{FF2B5EF4-FFF2-40B4-BE49-F238E27FC236}">
+                <a16:creationId xmlns:a16="http://schemas.microsoft.com/office/drawing/2014/main" id="{044FB238-F2BD-445E-BDE5-1FE68FBCC9C9}"/>
+              </a:ext>
+            </a:extLst>
+          </p:cNvPr>
+          <p:cNvSpPr>
+            <a:spLocks noGrp="1"/>
+          </p:cNvSpPr>
+          <p:nvPr>
+            <p:ph type="title"/>
+          </p:nvPr>
+        </p:nvSpPr>
+        <p:spPr/>
+        <p:txBody>
+          <a:bodyPr/>
+          <a:lstStyle/>
+          <a:p>
+            <a:endParaRPr lang="en-US"/>
+          </a:p>
+        </p:txBody>
+      </p:sp>
+      <p:pic>
+        <p:nvPicPr>
+          <p:cNvPr id="5" name="Content Placeholder 4">
+            <a:extLst>
+              <a:ext uri="{FF2B5EF4-FFF2-40B4-BE49-F238E27FC236}">
+                <a16:creationId xmlns:a16="http://schemas.microsoft.com/office/drawing/2014/main" id="{3452A370-902F-4B1D-87DC-EDF28AB00CC4}"/>
+              </a:ext>
+            </a:extLst>
+          </p:cNvPr>
+          <p:cNvPicPr>
+            <a:picLocks noGrp="1" noChangeAspect="1"/>
+          </p:cNvPicPr>
+          <p:nvPr>
+            <p:ph idx="1"/>
+          </p:nvPr>
+        </p:nvPicPr>
+        <p:blipFill>
+          <a:blip r:embed="rId2">
+            <a:extLst>
+              <a:ext uri="{28A0092B-C50C-407E-A947-70E740481C1C}">
+                <a14:useLocalDpi xmlns:a14="http://schemas.microsoft.com/office/drawing/2010/main" val="0"/>
+              </a:ext>
+            </a:extLst>
+          </a:blip>
+          <a:stretch>
+            <a:fillRect/>
+          </a:stretch>
+        </p:blipFill>
+        <p:spPr>
+          <a:xfrm>
+            <a:off x="2264153" y="1060174"/>
+            <a:ext cx="6352024" cy="5112026"/>
+          </a:xfrm>
+        </p:spPr>
+      </p:pic>
+    </p:spTree>
+    <p:extLst>
+      <p:ext uri="{BB962C8B-B14F-4D97-AF65-F5344CB8AC3E}">
+        <p14:creationId xmlns:p14="http://schemas.microsoft.com/office/powerpoint/2010/main" val="965052465"/>
+      </p:ext>
+    </p:extLst>
+  </p:cSld>
+  <p:clrMapOvr>
+    <a:masterClrMapping/>
+  </p:clrMapOvr>
+</p:sld>
+</file>
+
+<file path=ppt/slides/slide19.xml><?xml version="1.0" encoding="utf-8"?>
+<p:sld xmlns:a="http://schemas.openxmlformats.org/drawingml/2006/main" xmlns:r="http://schemas.openxmlformats.org/officeDocument/2006/relationships" xmlns:p="http://schemas.openxmlformats.org/presentationml/2006/main">
+  <p:cSld>
+    <p:spTree>
+      <p:nvGrpSpPr>
+        <p:cNvPr id="1" name=""/>
+        <p:cNvGrpSpPr/>
+        <p:nvPr/>
+      </p:nvGrpSpPr>
+      <p:grpSpPr>
+        <a:xfrm>
+          <a:off x="0" y="0"/>
+          <a:ext cx="0" cy="0"/>
+          <a:chOff x="0" y="0"/>
+          <a:chExt cx="0" cy="0"/>
+        </a:xfrm>
+      </p:grpSpPr>
+      <p:sp>
+        <p:nvSpPr>
+          <p:cNvPr id="2" name="Title 1">
+            <a:extLst>
+              <a:ext uri="{FF2B5EF4-FFF2-40B4-BE49-F238E27FC236}">
+                <a16:creationId xmlns:a16="http://schemas.microsoft.com/office/drawing/2014/main" id="{FC05A7C3-6EE7-4E69-BD49-F5072182412E}"/>
+              </a:ext>
+            </a:extLst>
+          </p:cNvPr>
+          <p:cNvSpPr>
+            <a:spLocks noGrp="1"/>
+          </p:cNvSpPr>
+          <p:nvPr>
+            <p:ph type="title"/>
+          </p:nvPr>
+        </p:nvSpPr>
+        <p:spPr/>
+        <p:txBody>
+          <a:bodyPr/>
+          <a:lstStyle/>
+          <a:p>
+            <a:endParaRPr lang="en-US"/>
+          </a:p>
+        </p:txBody>
+      </p:sp>
+      <p:pic>
+        <p:nvPicPr>
+          <p:cNvPr id="5" name="Content Placeholder 4">
+            <a:extLst>
+              <a:ext uri="{FF2B5EF4-FFF2-40B4-BE49-F238E27FC236}">
+                <a16:creationId xmlns:a16="http://schemas.microsoft.com/office/drawing/2014/main" id="{275BAC74-DCB0-4FCD-94C4-4F7264A89881}"/>
+              </a:ext>
+            </a:extLst>
+          </p:cNvPr>
+          <p:cNvPicPr>
+            <a:picLocks noGrp="1" noChangeAspect="1"/>
+          </p:cNvPicPr>
+          <p:nvPr>
+            <p:ph idx="1"/>
+          </p:nvPr>
+        </p:nvPicPr>
+        <p:blipFill>
+          <a:blip r:embed="rId2">
+            <a:extLst>
+              <a:ext uri="{28A0092B-C50C-407E-A947-70E740481C1C}">
+                <a14:useLocalDpi xmlns:a14="http://schemas.microsoft.com/office/drawing/2010/main" val="0"/>
+              </a:ext>
+            </a:extLst>
+          </a:blip>
+          <a:stretch>
+            <a:fillRect/>
+          </a:stretch>
+        </p:blipFill>
+        <p:spPr>
+          <a:xfrm>
+            <a:off x="2906353" y="1577009"/>
+            <a:ext cx="5709823" cy="4595191"/>
+          </a:xfrm>
+        </p:spPr>
+      </p:pic>
+    </p:spTree>
+    <p:extLst>
+      <p:ext uri="{BB962C8B-B14F-4D97-AF65-F5344CB8AC3E}">
+        <p14:creationId xmlns:p14="http://schemas.microsoft.com/office/powerpoint/2010/main" val="3579914831"/>
       </p:ext>
     </p:extLst>
   </p:cSld>
@@ -4411,6 +10783,179 @@
     <p:extLst>
       <p:ext uri="{BB962C8B-B14F-4D97-AF65-F5344CB8AC3E}">
         <p14:creationId xmlns:p14="http://schemas.microsoft.com/office/powerpoint/2010/main" val="1446555541"/>
+      </p:ext>
+    </p:extLst>
+  </p:cSld>
+  <p:clrMapOvr>
+    <a:masterClrMapping/>
+  </p:clrMapOvr>
+</p:sld>
+</file>
+
+<file path=ppt/slides/slide20.xml><?xml version="1.0" encoding="utf-8"?>
+<p:sld xmlns:a="http://schemas.openxmlformats.org/drawingml/2006/main" xmlns:r="http://schemas.openxmlformats.org/officeDocument/2006/relationships" xmlns:p="http://schemas.openxmlformats.org/presentationml/2006/main">
+  <p:cSld>
+    <p:spTree>
+      <p:nvGrpSpPr>
+        <p:cNvPr id="1" name=""/>
+        <p:cNvGrpSpPr/>
+        <p:nvPr/>
+      </p:nvGrpSpPr>
+      <p:grpSpPr>
+        <a:xfrm>
+          <a:off x="0" y="0"/>
+          <a:ext cx="0" cy="0"/>
+          <a:chOff x="0" y="0"/>
+          <a:chExt cx="0" cy="0"/>
+        </a:xfrm>
+      </p:grpSpPr>
+      <p:sp>
+        <p:nvSpPr>
+          <p:cNvPr id="2" name="Title 1">
+            <a:extLst>
+              <a:ext uri="{FF2B5EF4-FFF2-40B4-BE49-F238E27FC236}">
+                <a16:creationId xmlns:a16="http://schemas.microsoft.com/office/drawing/2014/main" id="{3CA75388-D799-4C06-A5CB-57AB84310E89}"/>
+              </a:ext>
+            </a:extLst>
+          </p:cNvPr>
+          <p:cNvSpPr>
+            <a:spLocks noGrp="1"/>
+          </p:cNvSpPr>
+          <p:nvPr>
+            <p:ph type="title"/>
+          </p:nvPr>
+        </p:nvSpPr>
+        <p:spPr/>
+        <p:txBody>
+          <a:bodyPr/>
+          <a:lstStyle/>
+          <a:p>
+            <a:endParaRPr lang="en-US" dirty="0"/>
+          </a:p>
+        </p:txBody>
+      </p:sp>
+      <p:pic>
+        <p:nvPicPr>
+          <p:cNvPr id="5" name="Content Placeholder 4">
+            <a:extLst>
+              <a:ext uri="{FF2B5EF4-FFF2-40B4-BE49-F238E27FC236}">
+                <a16:creationId xmlns:a16="http://schemas.microsoft.com/office/drawing/2014/main" id="{09B3C59B-2851-4B80-9ABC-CF81F6C643D2}"/>
+              </a:ext>
+            </a:extLst>
+          </p:cNvPr>
+          <p:cNvPicPr>
+            <a:picLocks noGrp="1" noChangeAspect="1"/>
+          </p:cNvPicPr>
+          <p:nvPr>
+            <p:ph idx="1"/>
+          </p:nvPr>
+        </p:nvPicPr>
+        <p:blipFill>
+          <a:blip r:embed="rId2">
+            <a:extLst>
+              <a:ext uri="{28A0092B-C50C-407E-A947-70E740481C1C}">
+                <a14:useLocalDpi xmlns:a14="http://schemas.microsoft.com/office/drawing/2010/main" val="0"/>
+              </a:ext>
+            </a:extLst>
+          </a:blip>
+          <a:stretch>
+            <a:fillRect/>
+          </a:stretch>
+        </p:blipFill>
+        <p:spPr>
+          <a:xfrm>
+            <a:off x="2050087" y="887896"/>
+            <a:ext cx="6566090" cy="5284304"/>
+          </a:xfrm>
+        </p:spPr>
+      </p:pic>
+    </p:spTree>
+    <p:extLst>
+      <p:ext uri="{BB962C8B-B14F-4D97-AF65-F5344CB8AC3E}">
+        <p14:creationId xmlns:p14="http://schemas.microsoft.com/office/powerpoint/2010/main" val="2668190975"/>
+      </p:ext>
+    </p:extLst>
+  </p:cSld>
+  <p:clrMapOvr>
+    <a:masterClrMapping/>
+  </p:clrMapOvr>
+</p:sld>
+</file>
+
+<file path=ppt/slides/slide21.xml><?xml version="1.0" encoding="utf-8"?>
+<p:sld xmlns:a="http://schemas.openxmlformats.org/drawingml/2006/main" xmlns:r="http://schemas.openxmlformats.org/officeDocument/2006/relationships" xmlns:p="http://schemas.openxmlformats.org/presentationml/2006/main">
+  <p:cSld>
+    <p:spTree>
+      <p:nvGrpSpPr>
+        <p:cNvPr id="1" name=""/>
+        <p:cNvGrpSpPr/>
+        <p:nvPr/>
+      </p:nvGrpSpPr>
+      <p:grpSpPr>
+        <a:xfrm>
+          <a:off x="0" y="0"/>
+          <a:ext cx="0" cy="0"/>
+          <a:chOff x="0" y="0"/>
+          <a:chExt cx="0" cy="0"/>
+        </a:xfrm>
+      </p:grpSpPr>
+      <p:sp>
+        <p:nvSpPr>
+          <p:cNvPr id="2" name="Title 1">
+            <a:extLst>
+              <a:ext uri="{FF2B5EF4-FFF2-40B4-BE49-F238E27FC236}">
+                <a16:creationId xmlns:a16="http://schemas.microsoft.com/office/drawing/2014/main" id="{3D27B6BD-6029-4719-B606-0057CD8A37CB}"/>
+              </a:ext>
+            </a:extLst>
+          </p:cNvPr>
+          <p:cNvSpPr>
+            <a:spLocks noGrp="1"/>
+          </p:cNvSpPr>
+          <p:nvPr>
+            <p:ph type="title"/>
+          </p:nvPr>
+        </p:nvSpPr>
+        <p:spPr/>
+        <p:txBody>
+          <a:bodyPr/>
+          <a:lstStyle/>
+          <a:p>
+            <a:r>
+              <a:rPr lang="en-US" dirty="0"/>
+              <a:t>Thank You</a:t>
+            </a:r>
+          </a:p>
+        </p:txBody>
+      </p:sp>
+      <p:sp>
+        <p:nvSpPr>
+          <p:cNvPr id="3" name="Content Placeholder 2">
+            <a:extLst>
+              <a:ext uri="{FF2B5EF4-FFF2-40B4-BE49-F238E27FC236}">
+                <a16:creationId xmlns:a16="http://schemas.microsoft.com/office/drawing/2014/main" id="{B7A32F1A-EEE9-4FAF-8505-D230D3A96A68}"/>
+              </a:ext>
+            </a:extLst>
+          </p:cNvPr>
+          <p:cNvSpPr>
+            <a:spLocks noGrp="1"/>
+          </p:cNvSpPr>
+          <p:nvPr>
+            <p:ph idx="1"/>
+          </p:nvPr>
+        </p:nvSpPr>
+        <p:spPr/>
+        <p:txBody>
+          <a:bodyPr/>
+          <a:lstStyle/>
+          <a:p>
+            <a:endParaRPr lang="en-US" dirty="0"/>
+          </a:p>
+        </p:txBody>
+      </p:sp>
+    </p:spTree>
+    <p:extLst>
+      <p:ext uri="{BB962C8B-B14F-4D97-AF65-F5344CB8AC3E}">
+        <p14:creationId xmlns:p14="http://schemas.microsoft.com/office/powerpoint/2010/main" val="3224667788"/>
       </p:ext>
     </p:extLst>
   </p:cSld>
